--- a/로스트아크/창술사 역기획/스킬/[1차 각성기] 연가창식 은하유성탄.pptx
+++ b/로스트아크/창술사 역기획/스킬/[1차 각성기] 연가창식 은하유성탄.pptx
@@ -231,7 +231,7 @@
           <a:p>
             <a:fld id="{5C3DAF4C-20C0-4A95-ABB7-DD59F513659F}" type="datetimeFigureOut">
               <a:rPr lang="ko-KR" altLang="en-US" smtClean="0"/>
-              <a:t>2025-07-22</a:t>
+              <a:t>2025-07-24</a:t>
             </a:fld>
             <a:endParaRPr lang="ko-KR" altLang="en-US"/>
           </a:p>
@@ -861,7 +861,7 @@
           <a:p>
             <a:fld id="{EF9BB6E4-2FC1-4730-B741-304BD3A4AD8B}" type="datetimeFigureOut">
               <a:rPr lang="ko-KR" altLang="en-US" smtClean="0"/>
-              <a:t>2025-07-22</a:t>
+              <a:t>2025-07-24</a:t>
             </a:fld>
             <a:endParaRPr lang="ko-KR" altLang="en-US"/>
           </a:p>
@@ -1059,7 +1059,7 @@
           <a:p>
             <a:fld id="{EF9BB6E4-2FC1-4730-B741-304BD3A4AD8B}" type="datetimeFigureOut">
               <a:rPr lang="ko-KR" altLang="en-US" smtClean="0"/>
-              <a:t>2025-07-22</a:t>
+              <a:t>2025-07-24</a:t>
             </a:fld>
             <a:endParaRPr lang="ko-KR" altLang="en-US"/>
           </a:p>
@@ -1267,7 +1267,7 @@
           <a:p>
             <a:fld id="{EF9BB6E4-2FC1-4730-B741-304BD3A4AD8B}" type="datetimeFigureOut">
               <a:rPr lang="ko-KR" altLang="en-US" smtClean="0"/>
-              <a:t>2025-07-22</a:t>
+              <a:t>2025-07-24</a:t>
             </a:fld>
             <a:endParaRPr lang="ko-KR" altLang="en-US"/>
           </a:p>
@@ -1465,7 +1465,7 @@
           <a:p>
             <a:fld id="{EF9BB6E4-2FC1-4730-B741-304BD3A4AD8B}" type="datetimeFigureOut">
               <a:rPr lang="ko-KR" altLang="en-US" smtClean="0"/>
-              <a:t>2025-07-22</a:t>
+              <a:t>2025-07-24</a:t>
             </a:fld>
             <a:endParaRPr lang="ko-KR" altLang="en-US"/>
           </a:p>
@@ -1740,7 +1740,7 @@
           <a:p>
             <a:fld id="{EF9BB6E4-2FC1-4730-B741-304BD3A4AD8B}" type="datetimeFigureOut">
               <a:rPr lang="ko-KR" altLang="en-US" smtClean="0"/>
-              <a:t>2025-07-22</a:t>
+              <a:t>2025-07-24</a:t>
             </a:fld>
             <a:endParaRPr lang="ko-KR" altLang="en-US"/>
           </a:p>
@@ -2005,7 +2005,7 @@
           <a:p>
             <a:fld id="{EF9BB6E4-2FC1-4730-B741-304BD3A4AD8B}" type="datetimeFigureOut">
               <a:rPr lang="ko-KR" altLang="en-US" smtClean="0"/>
-              <a:t>2025-07-22</a:t>
+              <a:t>2025-07-24</a:t>
             </a:fld>
             <a:endParaRPr lang="ko-KR" altLang="en-US"/>
           </a:p>
@@ -2417,7 +2417,7 @@
           <a:p>
             <a:fld id="{EF9BB6E4-2FC1-4730-B741-304BD3A4AD8B}" type="datetimeFigureOut">
               <a:rPr lang="ko-KR" altLang="en-US" smtClean="0"/>
-              <a:t>2025-07-22</a:t>
+              <a:t>2025-07-24</a:t>
             </a:fld>
             <a:endParaRPr lang="ko-KR" altLang="en-US"/>
           </a:p>
@@ -2558,7 +2558,7 @@
           <a:p>
             <a:fld id="{EF9BB6E4-2FC1-4730-B741-304BD3A4AD8B}" type="datetimeFigureOut">
               <a:rPr lang="ko-KR" altLang="en-US" smtClean="0"/>
-              <a:t>2025-07-22</a:t>
+              <a:t>2025-07-24</a:t>
             </a:fld>
             <a:endParaRPr lang="ko-KR" altLang="en-US"/>
           </a:p>
@@ -2671,7 +2671,7 @@
           <a:p>
             <a:fld id="{EF9BB6E4-2FC1-4730-B741-304BD3A4AD8B}" type="datetimeFigureOut">
               <a:rPr lang="ko-KR" altLang="en-US" smtClean="0"/>
-              <a:t>2025-07-22</a:t>
+              <a:t>2025-07-24</a:t>
             </a:fld>
             <a:endParaRPr lang="ko-KR" altLang="en-US"/>
           </a:p>
@@ -2982,7 +2982,7 @@
           <a:p>
             <a:fld id="{EF9BB6E4-2FC1-4730-B741-304BD3A4AD8B}" type="datetimeFigureOut">
               <a:rPr lang="ko-KR" altLang="en-US" smtClean="0"/>
-              <a:t>2025-07-22</a:t>
+              <a:t>2025-07-24</a:t>
             </a:fld>
             <a:endParaRPr lang="ko-KR" altLang="en-US"/>
           </a:p>
@@ -3270,7 +3270,7 @@
           <a:p>
             <a:fld id="{EF9BB6E4-2FC1-4730-B741-304BD3A4AD8B}" type="datetimeFigureOut">
               <a:rPr lang="ko-KR" altLang="en-US" smtClean="0"/>
-              <a:t>2025-07-22</a:t>
+              <a:t>2025-07-24</a:t>
             </a:fld>
             <a:endParaRPr lang="ko-KR" altLang="en-US"/>
           </a:p>
@@ -3511,7 +3511,7 @@
           <a:p>
             <a:fld id="{EF9BB6E4-2FC1-4730-B741-304BD3A4AD8B}" type="datetimeFigureOut">
               <a:rPr lang="ko-KR" altLang="en-US" smtClean="0"/>
-              <a:t>2025-07-22</a:t>
+              <a:t>2025-07-24</a:t>
             </a:fld>
             <a:endParaRPr lang="ko-KR" altLang="en-US"/>
           </a:p>
@@ -10346,6 +10346,315 @@
           </p:txBody>
         </p:sp>
       </p:grpSp>
+      <p:sp>
+        <p:nvSpPr>
+          <p:cNvPr id="33" name="TextBox 32">
+            <a:extLst>
+              <a:ext uri="{FF2B5EF4-FFF2-40B4-BE49-F238E27FC236}">
+                <a16:creationId xmlns:a16="http://schemas.microsoft.com/office/drawing/2014/main" id="{81E24A90-9005-2C47-CAAC-868CBFA0810C}"/>
+              </a:ext>
+            </a:extLst>
+          </p:cNvPr>
+          <p:cNvSpPr txBox="1"/>
+          <p:nvPr/>
+        </p:nvSpPr>
+        <p:spPr>
+          <a:xfrm>
+            <a:off x="8666081" y="3729689"/>
+            <a:ext cx="2421138" cy="692497"/>
+          </a:xfrm>
+          <a:prstGeom prst="rect">
+            <a:avLst/>
+          </a:prstGeom>
+          <a:noFill/>
+        </p:spPr>
+        <p:txBody>
+          <a:bodyPr wrap="square" lIns="0" tIns="0" rIns="0" bIns="0" rtlCol="0">
+            <a:spAutoFit/>
+          </a:bodyPr>
+          <a:lstStyle>
+            <a:defPPr>
+              <a:defRPr lang="ko-KR"/>
+            </a:defPPr>
+            <a:lvl1pPr>
+              <a:defRPr sz="1200" b="1">
+                <a:latin typeface="Noto Sans KR" panose="020B0200000000000000" pitchFamily="50" charset="-127"/>
+                <a:ea typeface="Noto Sans KR" panose="020B0200000000000000" pitchFamily="50" charset="-127"/>
+              </a:defRPr>
+            </a:lvl1pPr>
+          </a:lstStyle>
+          <a:p>
+            <a:pPr marL="171450" indent="-171450">
+              <a:spcAft>
+                <a:spcPts val="200"/>
+              </a:spcAft>
+              <a:buFontTx/>
+              <a:buChar char="-"/>
+            </a:pPr>
+            <a:r>
+              <a:rPr lang="ko-KR" altLang="en-US" sz="1000" b="0" dirty="0">
+                <a:solidFill>
+                  <a:srgbClr val="FF0000"/>
+                </a:solidFill>
+              </a:rPr>
+              <a:t>최대 사거리 </a:t>
+            </a:r>
+            <a:r>
+              <a:rPr lang="en-US" altLang="ko-KR" sz="1000" b="0" dirty="0">
+                <a:solidFill>
+                  <a:srgbClr val="FF0000"/>
+                </a:solidFill>
+              </a:rPr>
+              <a:t>: 18m</a:t>
+            </a:r>
+          </a:p>
+          <a:p>
+            <a:pPr marL="171450" indent="-171450">
+              <a:spcAft>
+                <a:spcPts val="200"/>
+              </a:spcAft>
+              <a:buFontTx/>
+              <a:buChar char="-"/>
+            </a:pPr>
+            <a:r>
+              <a:rPr lang="ko-KR" altLang="en-US" sz="1000" b="0" dirty="0">
+                <a:solidFill>
+                  <a:srgbClr val="FF0000"/>
+                </a:solidFill>
+              </a:rPr>
+              <a:t>최소 사거리 </a:t>
+            </a:r>
+            <a:r>
+              <a:rPr lang="en-US" altLang="ko-KR" sz="1000" b="0" dirty="0">
+                <a:solidFill>
+                  <a:srgbClr val="FF0000"/>
+                </a:solidFill>
+              </a:rPr>
+              <a:t>: 6m    (</a:t>
+            </a:r>
+            <a:r>
+              <a:rPr lang="ko-KR" altLang="en-US" sz="1000" b="0" dirty="0">
+                <a:solidFill>
+                  <a:srgbClr val="FF0000"/>
+                </a:solidFill>
+              </a:rPr>
+              <a:t>표시 있어야 함</a:t>
+            </a:r>
+            <a:r>
+              <a:rPr lang="en-US" altLang="ko-KR" sz="1000" b="0" dirty="0">
+                <a:solidFill>
+                  <a:srgbClr val="FF0000"/>
+                </a:solidFill>
+              </a:rPr>
+              <a:t>)</a:t>
+            </a:r>
+          </a:p>
+          <a:p>
+            <a:pPr marL="171450" indent="-171450">
+              <a:spcAft>
+                <a:spcPts val="200"/>
+              </a:spcAft>
+              <a:buFontTx/>
+              <a:buChar char="-"/>
+            </a:pPr>
+            <a:r>
+              <a:rPr lang="ko-KR" altLang="en-US" sz="1000" b="0" dirty="0">
+                <a:solidFill>
+                  <a:srgbClr val="FF0000"/>
+                </a:solidFill>
+              </a:rPr>
+              <a:t>공격 범위 반지름 </a:t>
+            </a:r>
+            <a:r>
+              <a:rPr lang="en-US" altLang="ko-KR" sz="1000" b="0" dirty="0">
+                <a:solidFill>
+                  <a:srgbClr val="FF0000"/>
+                </a:solidFill>
+              </a:rPr>
+              <a:t>:</a:t>
+            </a:r>
+            <a:r>
+              <a:rPr lang="ko-KR" altLang="en-US" sz="1000" b="0" dirty="0">
+                <a:solidFill>
+                  <a:srgbClr val="FF0000"/>
+                </a:solidFill>
+              </a:rPr>
+              <a:t> </a:t>
+            </a:r>
+            <a:r>
+              <a:rPr lang="en-US" altLang="ko-KR" sz="1000" b="0" dirty="0">
+                <a:solidFill>
+                  <a:srgbClr val="FF0000"/>
+                </a:solidFill>
+              </a:rPr>
+              <a:t>7m</a:t>
+            </a:r>
+          </a:p>
+          <a:p>
+            <a:pPr marL="171450" indent="-171450">
+              <a:spcAft>
+                <a:spcPts val="200"/>
+              </a:spcAft>
+              <a:buFontTx/>
+              <a:buChar char="-"/>
+            </a:pPr>
+            <a:endParaRPr lang="en-US" altLang="ko-KR" sz="1000" b="0" dirty="0">
+              <a:solidFill>
+                <a:srgbClr val="FF0000"/>
+              </a:solidFill>
+            </a:endParaRPr>
+          </a:p>
+        </p:txBody>
+      </p:sp>
+      <p:sp>
+        <p:nvSpPr>
+          <p:cNvPr id="34" name="타원 33">
+            <a:extLst>
+              <a:ext uri="{FF2B5EF4-FFF2-40B4-BE49-F238E27FC236}">
+                <a16:creationId xmlns:a16="http://schemas.microsoft.com/office/drawing/2014/main" id="{6E919BAD-938F-8632-040A-97629A9B8324}"/>
+              </a:ext>
+            </a:extLst>
+          </p:cNvPr>
+          <p:cNvSpPr/>
+          <p:nvPr/>
+        </p:nvSpPr>
+        <p:spPr>
+          <a:xfrm>
+            <a:off x="8788824" y="4422186"/>
+            <a:ext cx="2160000" cy="2160000"/>
+          </a:xfrm>
+          <a:prstGeom prst="ellipse">
+            <a:avLst/>
+          </a:prstGeom>
+        </p:spPr>
+        <p:style>
+          <a:lnRef idx="2">
+            <a:schemeClr val="accent1">
+              <a:shade val="15000"/>
+            </a:schemeClr>
+          </a:lnRef>
+          <a:fillRef idx="1">
+            <a:schemeClr val="accent1"/>
+          </a:fillRef>
+          <a:effectRef idx="0">
+            <a:schemeClr val="accent1"/>
+          </a:effectRef>
+          <a:fontRef idx="minor">
+            <a:schemeClr val="lt1"/>
+          </a:fontRef>
+        </p:style>
+        <p:txBody>
+          <a:bodyPr rtlCol="0" anchor="ctr"/>
+          <a:lstStyle/>
+          <a:p>
+            <a:pPr algn="ctr"/>
+            <a:endParaRPr lang="ko-KR" altLang="en-US"/>
+          </a:p>
+        </p:txBody>
+      </p:sp>
+      <p:sp>
+        <p:nvSpPr>
+          <p:cNvPr id="36" name="타원 35">
+            <a:extLst>
+              <a:ext uri="{FF2B5EF4-FFF2-40B4-BE49-F238E27FC236}">
+                <a16:creationId xmlns:a16="http://schemas.microsoft.com/office/drawing/2014/main" id="{6EB4B246-AC49-C444-CF31-8E13CF6682CD}"/>
+              </a:ext>
+            </a:extLst>
+          </p:cNvPr>
+          <p:cNvSpPr/>
+          <p:nvPr/>
+        </p:nvSpPr>
+        <p:spPr>
+          <a:xfrm>
+            <a:off x="9508824" y="5142186"/>
+            <a:ext cx="720000" cy="720000"/>
+          </a:xfrm>
+          <a:prstGeom prst="ellipse">
+            <a:avLst/>
+          </a:prstGeom>
+          <a:solidFill>
+            <a:schemeClr val="accent1">
+              <a:lumMod val="20000"/>
+              <a:lumOff val="80000"/>
+            </a:schemeClr>
+          </a:solidFill>
+        </p:spPr>
+        <p:style>
+          <a:lnRef idx="2">
+            <a:schemeClr val="accent1">
+              <a:shade val="15000"/>
+            </a:schemeClr>
+          </a:lnRef>
+          <a:fillRef idx="1">
+            <a:schemeClr val="accent1"/>
+          </a:fillRef>
+          <a:effectRef idx="0">
+            <a:schemeClr val="accent1"/>
+          </a:effectRef>
+          <a:fontRef idx="minor">
+            <a:schemeClr val="lt1"/>
+          </a:fontRef>
+        </p:style>
+        <p:txBody>
+          <a:bodyPr rtlCol="0" anchor="ctr"/>
+          <a:lstStyle/>
+          <a:p>
+            <a:pPr algn="ctr"/>
+            <a:endParaRPr lang="ko-KR" altLang="en-US"/>
+          </a:p>
+        </p:txBody>
+      </p:sp>
+      <p:sp>
+        <p:nvSpPr>
+          <p:cNvPr id="42" name="TextBox 41">
+            <a:extLst>
+              <a:ext uri="{FF2B5EF4-FFF2-40B4-BE49-F238E27FC236}">
+                <a16:creationId xmlns:a16="http://schemas.microsoft.com/office/drawing/2014/main" id="{B70DAAF0-3ED8-987E-CCE2-2041F6240A9D}"/>
+              </a:ext>
+            </a:extLst>
+          </p:cNvPr>
+          <p:cNvSpPr txBox="1"/>
+          <p:nvPr/>
+        </p:nvSpPr>
+        <p:spPr>
+          <a:xfrm>
+            <a:off x="9556239" y="5440631"/>
+            <a:ext cx="625171" cy="123111"/>
+          </a:xfrm>
+          <a:prstGeom prst="rect">
+            <a:avLst/>
+          </a:prstGeom>
+          <a:noFill/>
+        </p:spPr>
+        <p:txBody>
+          <a:bodyPr wrap="none" lIns="0" tIns="0" rIns="0" bIns="0" rtlCol="0">
+            <a:spAutoFit/>
+          </a:bodyPr>
+          <a:lstStyle>
+            <a:defPPr>
+              <a:defRPr lang="ko-KR"/>
+            </a:defPPr>
+            <a:lvl1pPr>
+              <a:defRPr sz="1200" b="1">
+                <a:latin typeface="Noto Sans KR" panose="020B0200000000000000" pitchFamily="50" charset="-127"/>
+                <a:ea typeface="Noto Sans KR" panose="020B0200000000000000" pitchFamily="50" charset="-127"/>
+              </a:defRPr>
+            </a:lvl1pPr>
+          </a:lstStyle>
+          <a:p>
+            <a:pPr>
+              <a:spcAft>
+                <a:spcPts val="200"/>
+              </a:spcAft>
+            </a:pPr>
+            <a:r>
+              <a:rPr lang="ko-KR" altLang="en-US" sz="800" b="0" dirty="0"/>
+              <a:t>최소 시전 거리</a:t>
+            </a:r>
+            <a:endParaRPr lang="en-US" altLang="ko-KR" sz="800" b="0" dirty="0"/>
+          </a:p>
+        </p:txBody>
+      </p:sp>
     </p:spTree>
     <p:extLst>
       <p:ext uri="{BB962C8B-B14F-4D97-AF65-F5344CB8AC3E}">

--- a/로스트아크/창술사 역기획/스킬/[1차 각성기] 연가창식 은하유성탄.pptx
+++ b/로스트아크/창술사 역기획/스킬/[1차 각성기] 연가창식 은하유성탄.pptx
@@ -5,13 +5,14 @@
     <p:sldMasterId id="2147483648" r:id="rId1"/>
   </p:sldMasterIdLst>
   <p:notesMasterIdLst>
-    <p:notesMasterId r:id="rId6"/>
+    <p:notesMasterId r:id="rId7"/>
   </p:notesMasterIdLst>
   <p:sldIdLst>
-    <p:sldId id="309" r:id="rId2"/>
+    <p:sldId id="333" r:id="rId2"/>
     <p:sldId id="331" r:id="rId3"/>
     <p:sldId id="329" r:id="rId4"/>
-    <p:sldId id="264" r:id="rId5"/>
+    <p:sldId id="334" r:id="rId5"/>
+    <p:sldId id="264" r:id="rId6"/>
   </p:sldIdLst>
   <p:sldSz cx="12192000" cy="6858000"/>
   <p:notesSz cx="6858000" cy="9144000"/>
@@ -506,6 +507,114 @@
         <p:cNvPr id="1" name="">
           <a:extLst>
             <a:ext uri="{FF2B5EF4-FFF2-40B4-BE49-F238E27FC236}">
+              <a16:creationId xmlns:a16="http://schemas.microsoft.com/office/drawing/2014/main" id="{6088DB01-1B82-5674-69E1-F5E8EC610E51}"/>
+            </a:ext>
+          </a:extLst>
+        </p:cNvPr>
+        <p:cNvGrpSpPr/>
+        <p:nvPr/>
+      </p:nvGrpSpPr>
+      <p:grpSpPr>
+        <a:xfrm>
+          <a:off x="0" y="0"/>
+          <a:ext cx="0" cy="0"/>
+          <a:chOff x="0" y="0"/>
+          <a:chExt cx="0" cy="0"/>
+        </a:xfrm>
+      </p:grpSpPr>
+      <p:sp>
+        <p:nvSpPr>
+          <p:cNvPr id="2" name="슬라이드 이미지 개체 틀 1">
+            <a:extLst>
+              <a:ext uri="{FF2B5EF4-FFF2-40B4-BE49-F238E27FC236}">
+                <a16:creationId xmlns:a16="http://schemas.microsoft.com/office/drawing/2014/main" id="{8EB3B9F4-B545-0953-EBD4-DDC1085D2A7D}"/>
+              </a:ext>
+            </a:extLst>
+          </p:cNvPr>
+          <p:cNvSpPr>
+            <a:spLocks noGrp="1" noRot="1" noChangeAspect="1"/>
+          </p:cNvSpPr>
+          <p:nvPr>
+            <p:ph type="sldImg"/>
+          </p:nvPr>
+        </p:nvSpPr>
+        <p:spPr/>
+      </p:sp>
+      <p:sp>
+        <p:nvSpPr>
+          <p:cNvPr id="3" name="슬라이드 노트 개체 틀 2">
+            <a:extLst>
+              <a:ext uri="{FF2B5EF4-FFF2-40B4-BE49-F238E27FC236}">
+                <a16:creationId xmlns:a16="http://schemas.microsoft.com/office/drawing/2014/main" id="{F0BC0012-8B94-6449-D51B-82A7A54D229F}"/>
+              </a:ext>
+            </a:extLst>
+          </p:cNvPr>
+          <p:cNvSpPr>
+            <a:spLocks noGrp="1"/>
+          </p:cNvSpPr>
+          <p:nvPr>
+            <p:ph type="body" idx="1"/>
+          </p:nvPr>
+        </p:nvSpPr>
+        <p:spPr/>
+        <p:txBody>
+          <a:bodyPr/>
+          <a:lstStyle/>
+          <a:p>
+            <a:endParaRPr lang="ko-KR" altLang="en-US" dirty="0"/>
+          </a:p>
+        </p:txBody>
+      </p:sp>
+      <p:sp>
+        <p:nvSpPr>
+          <p:cNvPr id="4" name="슬라이드 번호 개체 틀 3">
+            <a:extLst>
+              <a:ext uri="{FF2B5EF4-FFF2-40B4-BE49-F238E27FC236}">
+                <a16:creationId xmlns:a16="http://schemas.microsoft.com/office/drawing/2014/main" id="{0F5A0F53-008C-D6FB-4047-97324A64456C}"/>
+              </a:ext>
+            </a:extLst>
+          </p:cNvPr>
+          <p:cNvSpPr>
+            <a:spLocks noGrp="1"/>
+          </p:cNvSpPr>
+          <p:nvPr>
+            <p:ph type="sldNum" sz="quarter" idx="5"/>
+          </p:nvPr>
+        </p:nvSpPr>
+        <p:spPr/>
+        <p:txBody>
+          <a:bodyPr/>
+          <a:lstStyle/>
+          <a:p>
+            <a:fld id="{92F0EA2E-53D6-4215-8D3D-62EB7211AB00}" type="slidenum">
+              <a:rPr lang="ko-KR" altLang="en-US" smtClean="0"/>
+              <a:t>1</a:t>
+            </a:fld>
+            <a:endParaRPr lang="ko-KR" altLang="en-US"/>
+          </a:p>
+        </p:txBody>
+      </p:sp>
+    </p:spTree>
+    <p:extLst>
+      <p:ext uri="{BB962C8B-B14F-4D97-AF65-F5344CB8AC3E}">
+        <p14:creationId xmlns:p14="http://schemas.microsoft.com/office/powerpoint/2010/main" val="3730992420"/>
+      </p:ext>
+    </p:extLst>
+  </p:cSld>
+  <p:clrMapOvr>
+    <a:masterClrMapping/>
+  </p:clrMapOvr>
+</p:notes>
+</file>
+
+<file path=ppt/notesSlides/notesSlide2.xml><?xml version="1.0" encoding="utf-8"?>
+<p:notes xmlns:a="http://schemas.openxmlformats.org/drawingml/2006/main" xmlns:r="http://schemas.openxmlformats.org/officeDocument/2006/relationships" xmlns:p="http://schemas.openxmlformats.org/presentationml/2006/main">
+  <p:cSld>
+    <p:spTree>
+      <p:nvGrpSpPr>
+        <p:cNvPr id="1" name="">
+          <a:extLst>
+            <a:ext uri="{FF2B5EF4-FFF2-40B4-BE49-F238E27FC236}">
               <a16:creationId xmlns:a16="http://schemas.microsoft.com/office/drawing/2014/main" id="{34A48811-8A6C-AC88-2C2A-08FAD7D8EC63}"/>
             </a:ext>
           </a:extLst>
@@ -606,7 +715,7 @@
 </p:notes>
 </file>
 
-<file path=ppt/notesSlides/notesSlide2.xml><?xml version="1.0" encoding="utf-8"?>
+<file path=ppt/notesSlides/notesSlide3.xml><?xml version="1.0" encoding="utf-8"?>
 <p:notes xmlns:a="http://schemas.openxmlformats.org/drawingml/2006/main" xmlns:r="http://schemas.openxmlformats.org/officeDocument/2006/relationships" xmlns:p="http://schemas.openxmlformats.org/presentationml/2006/main">
   <p:cSld>
     <p:spTree>
@@ -705,6 +814,114 @@
     <p:extLst>
       <p:ext uri="{BB962C8B-B14F-4D97-AF65-F5344CB8AC3E}">
         <p14:creationId xmlns:p14="http://schemas.microsoft.com/office/powerpoint/2010/main" val="4054192647"/>
+      </p:ext>
+    </p:extLst>
+  </p:cSld>
+  <p:clrMapOvr>
+    <a:masterClrMapping/>
+  </p:clrMapOvr>
+</p:notes>
+</file>
+
+<file path=ppt/notesSlides/notesSlide4.xml><?xml version="1.0" encoding="utf-8"?>
+<p:notes xmlns:a="http://schemas.openxmlformats.org/drawingml/2006/main" xmlns:r="http://schemas.openxmlformats.org/officeDocument/2006/relationships" xmlns:p="http://schemas.openxmlformats.org/presentationml/2006/main">
+  <p:cSld>
+    <p:spTree>
+      <p:nvGrpSpPr>
+        <p:cNvPr id="1" name="">
+          <a:extLst>
+            <a:ext uri="{FF2B5EF4-FFF2-40B4-BE49-F238E27FC236}">
+              <a16:creationId xmlns:a16="http://schemas.microsoft.com/office/drawing/2014/main" id="{5F263C7B-2D7D-1C1E-B3C5-6151819CC022}"/>
+            </a:ext>
+          </a:extLst>
+        </p:cNvPr>
+        <p:cNvGrpSpPr/>
+        <p:nvPr/>
+      </p:nvGrpSpPr>
+      <p:grpSpPr>
+        <a:xfrm>
+          <a:off x="0" y="0"/>
+          <a:ext cx="0" cy="0"/>
+          <a:chOff x="0" y="0"/>
+          <a:chExt cx="0" cy="0"/>
+        </a:xfrm>
+      </p:grpSpPr>
+      <p:sp>
+        <p:nvSpPr>
+          <p:cNvPr id="2" name="슬라이드 이미지 개체 틀 1">
+            <a:extLst>
+              <a:ext uri="{FF2B5EF4-FFF2-40B4-BE49-F238E27FC236}">
+                <a16:creationId xmlns:a16="http://schemas.microsoft.com/office/drawing/2014/main" id="{FAD4F51F-17AC-D40B-565B-36300B07B17A}"/>
+              </a:ext>
+            </a:extLst>
+          </p:cNvPr>
+          <p:cNvSpPr>
+            <a:spLocks noGrp="1" noRot="1" noChangeAspect="1"/>
+          </p:cNvSpPr>
+          <p:nvPr>
+            <p:ph type="sldImg"/>
+          </p:nvPr>
+        </p:nvSpPr>
+        <p:spPr/>
+      </p:sp>
+      <p:sp>
+        <p:nvSpPr>
+          <p:cNvPr id="3" name="슬라이드 노트 개체 틀 2">
+            <a:extLst>
+              <a:ext uri="{FF2B5EF4-FFF2-40B4-BE49-F238E27FC236}">
+                <a16:creationId xmlns:a16="http://schemas.microsoft.com/office/drawing/2014/main" id="{CF49B214-1D4D-835F-3666-C24E86BDF26F}"/>
+              </a:ext>
+            </a:extLst>
+          </p:cNvPr>
+          <p:cNvSpPr>
+            <a:spLocks noGrp="1"/>
+          </p:cNvSpPr>
+          <p:nvPr>
+            <p:ph type="body" idx="1"/>
+          </p:nvPr>
+        </p:nvSpPr>
+        <p:spPr/>
+        <p:txBody>
+          <a:bodyPr/>
+          <a:lstStyle/>
+          <a:p>
+            <a:endParaRPr lang="ko-KR" altLang="en-US" dirty="0"/>
+          </a:p>
+        </p:txBody>
+      </p:sp>
+      <p:sp>
+        <p:nvSpPr>
+          <p:cNvPr id="4" name="슬라이드 번호 개체 틀 3">
+            <a:extLst>
+              <a:ext uri="{FF2B5EF4-FFF2-40B4-BE49-F238E27FC236}">
+                <a16:creationId xmlns:a16="http://schemas.microsoft.com/office/drawing/2014/main" id="{8DC65B8D-A3E5-67B5-4495-97ED28DDF760}"/>
+              </a:ext>
+            </a:extLst>
+          </p:cNvPr>
+          <p:cNvSpPr>
+            <a:spLocks noGrp="1"/>
+          </p:cNvSpPr>
+          <p:nvPr>
+            <p:ph type="sldNum" sz="quarter" idx="5"/>
+          </p:nvPr>
+        </p:nvSpPr>
+        <p:spPr/>
+        <p:txBody>
+          <a:bodyPr/>
+          <a:lstStyle/>
+          <a:p>
+            <a:fld id="{F96DEB78-96F5-4826-B7FD-0A1A42183B13}" type="slidenum">
+              <a:rPr lang="ko-KR" altLang="en-US" smtClean="0"/>
+              <a:t>4</a:t>
+            </a:fld>
+            <a:endParaRPr lang="ko-KR" altLang="en-US"/>
+          </a:p>
+        </p:txBody>
+      </p:sp>
+    </p:spTree>
+    <p:extLst>
+      <p:ext uri="{BB962C8B-B14F-4D97-AF65-F5344CB8AC3E}">
+        <p14:creationId xmlns:p14="http://schemas.microsoft.com/office/powerpoint/2010/main" val="1550632337"/>
       </p:ext>
     </p:extLst>
   </p:cSld>
@@ -3919,7 +4136,7 @@
         <p:cNvPr id="1" name="">
           <a:extLst>
             <a:ext uri="{FF2B5EF4-FFF2-40B4-BE49-F238E27FC236}">
-              <a16:creationId xmlns:a16="http://schemas.microsoft.com/office/drawing/2014/main" id="{54245EA8-9A35-D163-9C76-85A3F56ED163}"/>
+              <a16:creationId xmlns:a16="http://schemas.microsoft.com/office/drawing/2014/main" id="{A45B9A10-29D3-FA49-A721-9EE451B76F40}"/>
             </a:ext>
           </a:extLst>
         </p:cNvPr>
@@ -3934,25 +4151,56 @@
           <a:chExt cx="0" cy="0"/>
         </a:xfrm>
       </p:grpSpPr>
+      <p:pic>
+        <p:nvPicPr>
+          <p:cNvPr id="36" name="그림 35" descr="원, 도표이(가) 표시된 사진&#10;&#10;AI 생성 콘텐츠는 정확하지 않을 수 있습니다.">
+            <a:extLst>
+              <a:ext uri="{FF2B5EF4-FFF2-40B4-BE49-F238E27FC236}">
+                <a16:creationId xmlns:a16="http://schemas.microsoft.com/office/drawing/2014/main" id="{385A1389-BBFC-1D78-779B-30D347EA39DC}"/>
+              </a:ext>
+            </a:extLst>
+          </p:cNvPr>
+          <p:cNvPicPr>
+            <a:picLocks noChangeAspect="1"/>
+          </p:cNvPicPr>
+          <p:nvPr/>
+        </p:nvPicPr>
+        <p:blipFill>
+          <a:blip r:embed="rId3">
+            <a:extLst>
+              <a:ext uri="{28A0092B-C50C-407E-A947-70E740481C1C}">
+                <a14:useLocalDpi xmlns:a14="http://schemas.microsoft.com/office/drawing/2010/main" val="0"/>
+              </a:ext>
+            </a:extLst>
+          </a:blip>
+          <a:srcRect t="9435" r="9435"/>
+          <a:stretch>
+            <a:fillRect/>
+          </a:stretch>
+        </p:blipFill>
+        <p:spPr>
+          <a:xfrm>
+            <a:off x="192088" y="3852822"/>
+            <a:ext cx="5156131" cy="2852778"/>
+          </a:xfrm>
+          <a:prstGeom prst="rect">
+            <a:avLst/>
+          </a:prstGeom>
+        </p:spPr>
+      </p:pic>
       <p:graphicFrame>
         <p:nvGraphicFramePr>
           <p:cNvPr id="4" name="표 3">
             <a:extLst>
               <a:ext uri="{FF2B5EF4-FFF2-40B4-BE49-F238E27FC236}">
-                <a16:creationId xmlns:a16="http://schemas.microsoft.com/office/drawing/2014/main" id="{2224577A-5001-9981-CCEF-1699D4CF4DC5}"/>
+                <a16:creationId xmlns:a16="http://schemas.microsoft.com/office/drawing/2014/main" id="{8D8BECE2-C130-F0B5-087B-4A39B5FA42F7}"/>
               </a:ext>
             </a:extLst>
           </p:cNvPr>
           <p:cNvGraphicFramePr>
             <a:graphicFrameLocks noGrp="1"/>
           </p:cNvGraphicFramePr>
-          <p:nvPr>
-            <p:extLst>
-              <p:ext uri="{D42A27DB-BD31-4B8C-83A1-F6EECF244321}">
-                <p14:modId xmlns:p14="http://schemas.microsoft.com/office/powerpoint/2010/main" val="3811480360"/>
-              </p:ext>
-            </p:extLst>
-          </p:nvPr>
+          <p:nvPr/>
         </p:nvGraphicFramePr>
         <p:xfrm>
           <a:off x="192088" y="777674"/>
@@ -4890,7 +5138,7 @@
           <p:cNvPr id="9" name="그룹 8">
             <a:extLst>
               <a:ext uri="{FF2B5EF4-FFF2-40B4-BE49-F238E27FC236}">
-                <a16:creationId xmlns:a16="http://schemas.microsoft.com/office/drawing/2014/main" id="{CDBE71F6-D8D6-7BEA-06F5-00ACBA8D8871}"/>
+                <a16:creationId xmlns:a16="http://schemas.microsoft.com/office/drawing/2014/main" id="{C0F0E7A9-5F44-648E-6C23-06A212BC9A2C}"/>
               </a:ext>
             </a:extLst>
           </p:cNvPr>
@@ -4910,7 +5158,7 @@
             <p:cNvPr id="6" name="TextBox 5">
               <a:extLst>
                 <a:ext uri="{FF2B5EF4-FFF2-40B4-BE49-F238E27FC236}">
-                  <a16:creationId xmlns:a16="http://schemas.microsoft.com/office/drawing/2014/main" id="{9C7CBCFD-2F9A-A2E1-F61F-67FC2CB9083C}"/>
+                  <a16:creationId xmlns:a16="http://schemas.microsoft.com/office/drawing/2014/main" id="{5BF34B9C-0EB4-5A23-E53A-170BA16BFE41}"/>
                 </a:ext>
               </a:extLst>
             </p:cNvPr>
@@ -4969,7 +5217,7 @@
             <p:cNvPr id="7" name="TextBox 6">
               <a:extLst>
                 <a:ext uri="{FF2B5EF4-FFF2-40B4-BE49-F238E27FC236}">
-                  <a16:creationId xmlns:a16="http://schemas.microsoft.com/office/drawing/2014/main" id="{E9BDCFA8-ABDA-82A4-FC70-FBAD3EE6FB35}"/>
+                  <a16:creationId xmlns:a16="http://schemas.microsoft.com/office/drawing/2014/main" id="{AEDF5B09-62EA-346B-E056-45C450FD3797}"/>
                 </a:ext>
               </a:extLst>
             </p:cNvPr>
@@ -5022,20 +5270,14 @@
           <p:cNvPr id="18" name="표 17">
             <a:extLst>
               <a:ext uri="{FF2B5EF4-FFF2-40B4-BE49-F238E27FC236}">
-                <a16:creationId xmlns:a16="http://schemas.microsoft.com/office/drawing/2014/main" id="{B35631B6-3E7C-A494-C5E0-9C4844D06255}"/>
+                <a16:creationId xmlns:a16="http://schemas.microsoft.com/office/drawing/2014/main" id="{9BA8E0B6-1512-EA2D-F8F7-4262BD8B65C7}"/>
               </a:ext>
             </a:extLst>
           </p:cNvPr>
           <p:cNvGraphicFramePr>
             <a:graphicFrameLocks noGrp="1"/>
           </p:cNvGraphicFramePr>
-          <p:nvPr>
-            <p:extLst>
-              <p:ext uri="{D42A27DB-BD31-4B8C-83A1-F6EECF244321}">
-                <p14:modId xmlns:p14="http://schemas.microsoft.com/office/powerpoint/2010/main" val="784936552"/>
-              </p:ext>
-            </p:extLst>
-          </p:nvPr>
+          <p:nvPr/>
         </p:nvGraphicFramePr>
         <p:xfrm>
           <a:off x="192088" y="2246598"/>
@@ -5820,7 +6062,7 @@
                           <a:latin typeface="Noto Sans KR" panose="020B0200000000000000" pitchFamily="50" charset="-127"/>
                           <a:ea typeface="Noto Sans KR" panose="020B0200000000000000" pitchFamily="50" charset="-127"/>
                         </a:rPr>
-                        <a:t>20m</a:t>
+                        <a:t>6 ~ 18m</a:t>
                       </a:r>
                       <a:endParaRPr lang="ko-KR" altLang="en-US" sz="800" b="0" i="0" u="none" strike="noStrike" dirty="0">
                         <a:solidFill>
@@ -8362,7 +8604,7 @@
           <p:cNvPr id="3" name="TextBox 2">
             <a:extLst>
               <a:ext uri="{FF2B5EF4-FFF2-40B4-BE49-F238E27FC236}">
-                <a16:creationId xmlns:a16="http://schemas.microsoft.com/office/drawing/2014/main" id="{1A3F2E51-989A-25B5-5428-9C67FB8FDD71}"/>
+                <a16:creationId xmlns:a16="http://schemas.microsoft.com/office/drawing/2014/main" id="{03A146EE-7E1E-F9DF-D424-C0130A97635B}"/>
               </a:ext>
             </a:extLst>
           </p:cNvPr>
@@ -8440,7 +8682,7 @@
           <p:cNvPr id="11" name="그림 10" descr="예술, 스크린샷, 사진 액자, 그래픽이(가) 표시된 사진&#10;&#10;자동 생성된 설명">
             <a:extLst>
               <a:ext uri="{FF2B5EF4-FFF2-40B4-BE49-F238E27FC236}">
-                <a16:creationId xmlns:a16="http://schemas.microsoft.com/office/drawing/2014/main" id="{D71AA7E4-648E-5AE6-DE80-1C84EDDD4822}"/>
+                <a16:creationId xmlns:a16="http://schemas.microsoft.com/office/drawing/2014/main" id="{9FD278C5-33E9-9A38-9021-258436667199}"/>
               </a:ext>
             </a:extLst>
           </p:cNvPr>
@@ -8450,7 +8692,7 @@
           <p:nvPr/>
         </p:nvPicPr>
         <p:blipFill>
-          <a:blip r:embed="rId2">
+          <a:blip r:embed="rId4">
             <a:extLst>
               <a:ext uri="{28A0092B-C50C-407E-A947-70E740481C1C}">
                 <a14:useLocalDpi xmlns:a14="http://schemas.microsoft.com/office/drawing/2010/main" val="0"/>
@@ -8471,673 +8713,148 @@
           </a:prstGeom>
         </p:spPr>
       </p:pic>
-      <p:grpSp>
-        <p:nvGrpSpPr>
-          <p:cNvPr id="2" name="그룹 1">
+      <p:sp>
+        <p:nvSpPr>
+          <p:cNvPr id="13" name="TextBox 12">
             <a:extLst>
               <a:ext uri="{FF2B5EF4-FFF2-40B4-BE49-F238E27FC236}">
-                <a16:creationId xmlns:a16="http://schemas.microsoft.com/office/drawing/2014/main" id="{D506B5A8-04DE-F581-1F93-6107404007D0}"/>
+                <a16:creationId xmlns:a16="http://schemas.microsoft.com/office/drawing/2014/main" id="{D367460A-67F3-4B6B-3AA1-2F2D1CB30A9E}"/>
               </a:ext>
             </a:extLst>
           </p:cNvPr>
-          <p:cNvGrpSpPr/>
+          <p:cNvSpPr txBox="1"/>
           <p:nvPr/>
-        </p:nvGrpSpPr>
-        <p:grpSpPr>
+        </p:nvSpPr>
+        <p:spPr>
+          <a:xfrm>
+            <a:off x="4729234" y="3867563"/>
+            <a:ext cx="604900" cy="159462"/>
+          </a:xfrm>
+          <a:prstGeom prst="rect">
+            <a:avLst/>
+          </a:prstGeom>
+          <a:solidFill>
+            <a:schemeClr val="bg1"/>
+          </a:solidFill>
+        </p:spPr>
+        <p:txBody>
+          <a:bodyPr wrap="none" lIns="36000" tIns="18000" rIns="36000" bIns="18000" rtlCol="0" anchor="ctr" anchorCtr="0">
+            <a:spAutoFit/>
+          </a:bodyPr>
+          <a:lstStyle/>
+          <a:p>
+            <a:pPr algn="ctr">
+              <a:spcAft>
+                <a:spcPts val="101"/>
+              </a:spcAft>
+            </a:pPr>
+            <a:r>
+              <a:rPr lang="en-US" altLang="ko-KR" sz="800" dirty="0">
+                <a:solidFill>
+                  <a:schemeClr val="bg1">
+                    <a:lumMod val="50000"/>
+                  </a:schemeClr>
+                </a:solidFill>
+                <a:latin typeface="Noto Sans KR" panose="020B0200000000000000" pitchFamily="50" charset="-127"/>
+                <a:ea typeface="Noto Sans KR" panose="020B0200000000000000" pitchFamily="50" charset="-127"/>
+                <a:cs typeface="Pretendard Variable Medium" panose="02000003000000020004" pitchFamily="2" charset="-127"/>
+              </a:rPr>
+              <a:t> 1</a:t>
+            </a:r>
+            <a:r>
+              <a:rPr lang="ko-KR" altLang="en-US" sz="800" dirty="0">
+                <a:solidFill>
+                  <a:schemeClr val="bg1">
+                    <a:lumMod val="50000"/>
+                  </a:schemeClr>
+                </a:solidFill>
+                <a:latin typeface="Noto Sans KR" panose="020B0200000000000000" pitchFamily="50" charset="-127"/>
+                <a:ea typeface="Noto Sans KR" panose="020B0200000000000000" pitchFamily="50" charset="-127"/>
+                <a:cs typeface="Pretendard Variable Medium" panose="02000003000000020004" pitchFamily="2" charset="-127"/>
+              </a:rPr>
+              <a:t>칸</a:t>
+            </a:r>
+            <a:r>
+              <a:rPr lang="en-US" altLang="ko-KR" sz="800" dirty="0">
+                <a:solidFill>
+                  <a:schemeClr val="bg1">
+                    <a:lumMod val="50000"/>
+                  </a:schemeClr>
+                </a:solidFill>
+                <a:latin typeface="Noto Sans KR" panose="020B0200000000000000" pitchFamily="50" charset="-127"/>
+                <a:ea typeface="Noto Sans KR" panose="020B0200000000000000" pitchFamily="50" charset="-127"/>
+                <a:cs typeface="Pretendard Variable Medium" panose="02000003000000020004" pitchFamily="2" charset="-127"/>
+              </a:rPr>
+              <a:t> : 1x1m </a:t>
+            </a:r>
+          </a:p>
+        </p:txBody>
+      </p:sp>
+      <p:sp>
+        <p:nvSpPr>
+          <p:cNvPr id="15" name="직사각형 14">
+            <a:extLst>
+              <a:ext uri="{FF2B5EF4-FFF2-40B4-BE49-F238E27FC236}">
+                <a16:creationId xmlns:a16="http://schemas.microsoft.com/office/drawing/2014/main" id="{4506C4DF-D0E6-2AA2-0197-907AA3459CA0}"/>
+              </a:ext>
+            </a:extLst>
+          </p:cNvPr>
+          <p:cNvSpPr/>
+          <p:nvPr/>
+        </p:nvSpPr>
+        <p:spPr>
           <a:xfrm>
             <a:off x="192088" y="3852823"/>
             <a:ext cx="5156131" cy="2852777"/>
-            <a:chOff x="179898" y="3852823"/>
-            <a:chExt cx="5156131" cy="2852777"/>
           </a:xfrm>
-        </p:grpSpPr>
-        <p:pic>
-          <p:nvPicPr>
-            <p:cNvPr id="12" name="그림 11" descr="원, 도표, 라인이(가) 표시된 사진&#10;&#10;AI 생성 콘텐츠는 정확하지 않을 수 있습니다.">
-              <a:extLst>
-                <a:ext uri="{FF2B5EF4-FFF2-40B4-BE49-F238E27FC236}">
-                  <a16:creationId xmlns:a16="http://schemas.microsoft.com/office/drawing/2014/main" id="{3FE5B347-EC94-79B0-8934-08A51BACCCF3}"/>
-                </a:ext>
-              </a:extLst>
-            </p:cNvPr>
-            <p:cNvPicPr>
-              <a:picLocks noChangeAspect="1"/>
-            </p:cNvPicPr>
-            <p:nvPr/>
-          </p:nvPicPr>
-          <p:blipFill>
-            <a:blip r:embed="rId3">
-              <a:extLst>
-                <a:ext uri="{28A0092B-C50C-407E-A947-70E740481C1C}">
-                  <a14:useLocalDpi xmlns:a14="http://schemas.microsoft.com/office/drawing/2010/main" val="0"/>
-                </a:ext>
-              </a:extLst>
-            </a:blip>
-            <a:stretch>
-              <a:fillRect/>
-            </a:stretch>
-          </p:blipFill>
-          <p:spPr>
-            <a:xfrm>
-              <a:off x="179898" y="3852823"/>
-              <a:ext cx="5156131" cy="2852777"/>
-            </a:xfrm>
-            <a:prstGeom prst="rect">
-              <a:avLst/>
-            </a:prstGeom>
-          </p:spPr>
-        </p:pic>
-        <p:sp>
-          <p:nvSpPr>
-            <p:cNvPr id="13" name="TextBox 12">
-              <a:extLst>
-                <a:ext uri="{FF2B5EF4-FFF2-40B4-BE49-F238E27FC236}">
-                  <a16:creationId xmlns:a16="http://schemas.microsoft.com/office/drawing/2014/main" id="{FE3D0957-8DE4-A0B8-898C-1CF8916ECA9E}"/>
-                </a:ext>
-              </a:extLst>
-            </p:cNvPr>
-            <p:cNvSpPr txBox="1"/>
-            <p:nvPr/>
-          </p:nvSpPr>
-          <p:spPr>
-            <a:xfrm>
-              <a:off x="4717044" y="3867563"/>
-              <a:ext cx="604900" cy="159462"/>
-            </a:xfrm>
-            <a:prstGeom prst="rect">
-              <a:avLst/>
-            </a:prstGeom>
+          <a:prstGeom prst="rect">
+            <a:avLst/>
+          </a:prstGeom>
+          <a:noFill/>
+          <a:ln w="12700">
             <a:solidFill>
-              <a:schemeClr val="bg1"/>
+              <a:schemeClr val="tx1"/>
             </a:solidFill>
-          </p:spPr>
-          <p:txBody>
-            <a:bodyPr wrap="none" lIns="36000" tIns="18000" rIns="36000" bIns="18000" rtlCol="0" anchor="ctr" anchorCtr="0">
-              <a:spAutoFit/>
-            </a:bodyPr>
-            <a:lstStyle/>
-            <a:p>
-              <a:pPr algn="ctr">
-                <a:spcAft>
-                  <a:spcPts val="101"/>
-                </a:spcAft>
-              </a:pPr>
-              <a:r>
-                <a:rPr lang="en-US" altLang="ko-KR" sz="800" dirty="0">
-                  <a:solidFill>
-                    <a:schemeClr val="bg1">
-                      <a:lumMod val="50000"/>
-                    </a:schemeClr>
-                  </a:solidFill>
-                  <a:latin typeface="Noto Sans KR" panose="020B0200000000000000" pitchFamily="50" charset="-127"/>
-                  <a:ea typeface="Noto Sans KR" panose="020B0200000000000000" pitchFamily="50" charset="-127"/>
-                  <a:cs typeface="Pretendard Variable Medium" panose="02000003000000020004" pitchFamily="2" charset="-127"/>
-                </a:rPr>
-                <a:t> 1</a:t>
-              </a:r>
-              <a:r>
-                <a:rPr lang="ko-KR" altLang="en-US" sz="800" dirty="0">
-                  <a:solidFill>
-                    <a:schemeClr val="bg1">
-                      <a:lumMod val="50000"/>
-                    </a:schemeClr>
-                  </a:solidFill>
-                  <a:latin typeface="Noto Sans KR" panose="020B0200000000000000" pitchFamily="50" charset="-127"/>
-                  <a:ea typeface="Noto Sans KR" panose="020B0200000000000000" pitchFamily="50" charset="-127"/>
-                  <a:cs typeface="Pretendard Variable Medium" panose="02000003000000020004" pitchFamily="2" charset="-127"/>
-                </a:rPr>
-                <a:t>칸</a:t>
-              </a:r>
-              <a:r>
-                <a:rPr lang="en-US" altLang="ko-KR" sz="800" dirty="0">
-                  <a:solidFill>
-                    <a:schemeClr val="bg1">
-                      <a:lumMod val="50000"/>
-                    </a:schemeClr>
-                  </a:solidFill>
-                  <a:latin typeface="Noto Sans KR" panose="020B0200000000000000" pitchFamily="50" charset="-127"/>
-                  <a:ea typeface="Noto Sans KR" panose="020B0200000000000000" pitchFamily="50" charset="-127"/>
-                  <a:cs typeface="Pretendard Variable Medium" panose="02000003000000020004" pitchFamily="2" charset="-127"/>
-                </a:rPr>
-                <a:t> : 1x1m </a:t>
-              </a:r>
-            </a:p>
-          </p:txBody>
-        </p:sp>
-        <p:sp>
-          <p:nvSpPr>
-            <p:cNvPr id="15" name="직사각형 14">
-              <a:extLst>
-                <a:ext uri="{FF2B5EF4-FFF2-40B4-BE49-F238E27FC236}">
-                  <a16:creationId xmlns:a16="http://schemas.microsoft.com/office/drawing/2014/main" id="{C658B332-7B91-57E2-1F50-A03A1E360F72}"/>
-                </a:ext>
-              </a:extLst>
-            </p:cNvPr>
-            <p:cNvSpPr/>
-            <p:nvPr/>
-          </p:nvSpPr>
-          <p:spPr>
-            <a:xfrm>
-              <a:off x="179898" y="3852823"/>
-              <a:ext cx="5156131" cy="2852777"/>
-            </a:xfrm>
-            <a:prstGeom prst="rect">
-              <a:avLst/>
-            </a:prstGeom>
-            <a:noFill/>
-            <a:ln w="12700">
-              <a:solidFill>
-                <a:schemeClr val="tx1"/>
-              </a:solidFill>
-            </a:ln>
-          </p:spPr>
-          <p:style>
-            <a:lnRef idx="2">
-              <a:schemeClr val="accent1">
-                <a:shade val="15000"/>
-              </a:schemeClr>
-            </a:lnRef>
-            <a:fillRef idx="1">
-              <a:schemeClr val="accent1"/>
-            </a:fillRef>
-            <a:effectRef idx="0">
-              <a:schemeClr val="accent1"/>
-            </a:effectRef>
-            <a:fontRef idx="minor">
-              <a:schemeClr val="lt1"/>
-            </a:fontRef>
-          </p:style>
-          <p:txBody>
-            <a:bodyPr rtlCol="0" anchor="ctr"/>
-            <a:lstStyle/>
-            <a:p>
-              <a:pPr algn="ctr"/>
-              <a:endParaRPr lang="ko-KR" altLang="en-US"/>
-            </a:p>
-          </p:txBody>
-        </p:sp>
-        <p:grpSp>
-          <p:nvGrpSpPr>
-            <p:cNvPr id="16" name="그룹 15">
-              <a:extLst>
-                <a:ext uri="{FF2B5EF4-FFF2-40B4-BE49-F238E27FC236}">
-                  <a16:creationId xmlns:a16="http://schemas.microsoft.com/office/drawing/2014/main" id="{CE0E7578-25EB-3B20-A837-ADAA1CAF5618}"/>
-                </a:ext>
-              </a:extLst>
-            </p:cNvPr>
-            <p:cNvGrpSpPr/>
-            <p:nvPr/>
-          </p:nvGrpSpPr>
-          <p:grpSpPr>
-            <a:xfrm>
-              <a:off x="179898" y="3852823"/>
-              <a:ext cx="2600666" cy="322994"/>
-              <a:chOff x="236842" y="3951257"/>
-              <a:chExt cx="2600666" cy="322994"/>
-            </a:xfrm>
-          </p:grpSpPr>
-          <p:sp>
-            <p:nvSpPr>
-              <p:cNvPr id="17" name="직사각형 16">
-                <a:extLst>
-                  <a:ext uri="{FF2B5EF4-FFF2-40B4-BE49-F238E27FC236}">
-                    <a16:creationId xmlns:a16="http://schemas.microsoft.com/office/drawing/2014/main" id="{D622476D-BB74-2056-3305-724EED2E98DD}"/>
-                  </a:ext>
-                </a:extLst>
-              </p:cNvPr>
-              <p:cNvSpPr/>
-              <p:nvPr/>
-            </p:nvSpPr>
-            <p:spPr>
-              <a:xfrm>
-                <a:off x="236842" y="3951257"/>
-                <a:ext cx="2600666" cy="322994"/>
-              </a:xfrm>
-              <a:prstGeom prst="rect">
-                <a:avLst/>
-              </a:prstGeom>
-              <a:solidFill>
-                <a:schemeClr val="bg1"/>
-              </a:solidFill>
-              <a:ln w="12700">
-                <a:solidFill>
-                  <a:schemeClr val="tx1"/>
-                </a:solidFill>
-              </a:ln>
-            </p:spPr>
-            <p:style>
-              <a:lnRef idx="2">
-                <a:schemeClr val="accent1">
-                  <a:shade val="15000"/>
-                </a:schemeClr>
-              </a:lnRef>
-              <a:fillRef idx="1">
-                <a:schemeClr val="accent1"/>
-              </a:fillRef>
-              <a:effectRef idx="0">
-                <a:schemeClr val="accent1"/>
-              </a:effectRef>
-              <a:fontRef idx="minor">
-                <a:schemeClr val="lt1"/>
-              </a:fontRef>
-            </p:style>
-            <p:txBody>
-              <a:bodyPr rtlCol="0" anchor="ctr"/>
-              <a:lstStyle/>
-              <a:p>
-                <a:pPr algn="ctr"/>
-                <a:endParaRPr lang="ko-KR" altLang="en-US" dirty="0"/>
-              </a:p>
-            </p:txBody>
-          </p:sp>
-          <p:grpSp>
-            <p:nvGrpSpPr>
-              <p:cNvPr id="19" name="그룹 18">
-                <a:extLst>
-                  <a:ext uri="{FF2B5EF4-FFF2-40B4-BE49-F238E27FC236}">
-                    <a16:creationId xmlns:a16="http://schemas.microsoft.com/office/drawing/2014/main" id="{8D7EE864-B55F-B8FC-B9D4-61B8C2D2C7CC}"/>
-                  </a:ext>
-                </a:extLst>
-              </p:cNvPr>
-              <p:cNvGrpSpPr/>
-              <p:nvPr/>
-            </p:nvGrpSpPr>
-            <p:grpSpPr>
-              <a:xfrm>
-                <a:off x="335121" y="4022754"/>
-                <a:ext cx="2404109" cy="180000"/>
-                <a:chOff x="327542" y="4022754"/>
-                <a:chExt cx="2404109" cy="180000"/>
-              </a:xfrm>
-            </p:grpSpPr>
-            <p:grpSp>
-              <p:nvGrpSpPr>
-                <p:cNvPr id="20" name="그룹 19">
-                  <a:extLst>
-                    <a:ext uri="{FF2B5EF4-FFF2-40B4-BE49-F238E27FC236}">
-                      <a16:creationId xmlns:a16="http://schemas.microsoft.com/office/drawing/2014/main" id="{DF3C1274-495B-62B5-9948-B9EAD3817F98}"/>
-                    </a:ext>
-                  </a:extLst>
-                </p:cNvPr>
-                <p:cNvGrpSpPr/>
-                <p:nvPr/>
-              </p:nvGrpSpPr>
-              <p:grpSpPr>
-                <a:xfrm>
-                  <a:off x="327542" y="4022754"/>
-                  <a:ext cx="622246" cy="180000"/>
-                  <a:chOff x="10376220" y="5903869"/>
-                  <a:chExt cx="622246" cy="180000"/>
-                </a:xfrm>
-              </p:grpSpPr>
-              <p:sp>
-                <p:nvSpPr>
-                  <p:cNvPr id="27" name="타원 26">
-                    <a:extLst>
-                      <a:ext uri="{FF2B5EF4-FFF2-40B4-BE49-F238E27FC236}">
-                        <a16:creationId xmlns:a16="http://schemas.microsoft.com/office/drawing/2014/main" id="{37945C17-15A8-86C0-D16B-E2B6EEA00AB9}"/>
-                      </a:ext>
-                    </a:extLst>
-                  </p:cNvPr>
-                  <p:cNvSpPr/>
-                  <p:nvPr/>
-                </p:nvSpPr>
-                <p:spPr>
-                  <a:xfrm>
-                    <a:off x="10376220" y="5903869"/>
-                    <a:ext cx="180000" cy="180000"/>
-                  </a:xfrm>
-                  <a:prstGeom prst="ellipse">
-                    <a:avLst/>
-                  </a:prstGeom>
-                  <a:solidFill>
-                    <a:schemeClr val="accent4">
-                      <a:lumMod val="20000"/>
-                      <a:lumOff val="80000"/>
-                    </a:schemeClr>
-                  </a:solidFill>
-                  <a:ln w="12700">
-                    <a:solidFill>
-                      <a:schemeClr val="tx1"/>
-                    </a:solidFill>
-                  </a:ln>
-                </p:spPr>
-                <p:style>
-                  <a:lnRef idx="2">
-                    <a:schemeClr val="accent1">
-                      <a:shade val="15000"/>
-                    </a:schemeClr>
-                  </a:lnRef>
-                  <a:fillRef idx="1">
-                    <a:schemeClr val="accent1"/>
-                  </a:fillRef>
-                  <a:effectRef idx="0">
-                    <a:schemeClr val="accent1"/>
-                  </a:effectRef>
-                  <a:fontRef idx="minor">
-                    <a:schemeClr val="lt1"/>
-                  </a:fontRef>
-                </p:style>
-                <p:txBody>
-                  <a:bodyPr rtlCol="0" anchor="ctr"/>
-                  <a:lstStyle/>
-                  <a:p>
-                    <a:pPr algn="ctr"/>
-                    <a:endParaRPr lang="ko-KR" altLang="en-US" sz="801" dirty="0">
-                      <a:latin typeface="Noto Sans KR" panose="020B0200000000000000" pitchFamily="50" charset="-127"/>
-                      <a:ea typeface="Noto Sans KR" panose="020B0200000000000000" pitchFamily="50" charset="-127"/>
-                    </a:endParaRPr>
-                  </a:p>
-                </p:txBody>
-              </p:sp>
-              <p:sp>
-                <p:nvSpPr>
-                  <p:cNvPr id="28" name="TextBox 27">
-                    <a:extLst>
-                      <a:ext uri="{FF2B5EF4-FFF2-40B4-BE49-F238E27FC236}">
-                        <a16:creationId xmlns:a16="http://schemas.microsoft.com/office/drawing/2014/main" id="{7BA953FD-27D8-6EE2-0927-3AFF904E2882}"/>
-                      </a:ext>
-                    </a:extLst>
-                  </p:cNvPr>
-                  <p:cNvSpPr txBox="1"/>
-                  <p:nvPr/>
-                </p:nvSpPr>
-                <p:spPr>
-                  <a:xfrm>
-                    <a:off x="10661699" y="5932252"/>
-                    <a:ext cx="336767" cy="123239"/>
-                  </a:xfrm>
-                  <a:prstGeom prst="rect">
-                    <a:avLst/>
-                  </a:prstGeom>
-                  <a:noFill/>
-                </p:spPr>
-                <p:txBody>
-                  <a:bodyPr wrap="square" lIns="0" tIns="0" rIns="0" bIns="0" rtlCol="0" anchor="ctr" anchorCtr="0">
-                    <a:spAutoFit/>
-                  </a:bodyPr>
-                  <a:lstStyle/>
-                  <a:p>
-                    <a:r>
-                      <a:rPr lang="ko-KR" altLang="en-US" sz="801" dirty="0">
-                        <a:latin typeface="Noto Sans KR" panose="020B0200000000000000" pitchFamily="50" charset="-127"/>
-                        <a:ea typeface="Noto Sans KR" panose="020B0200000000000000" pitchFamily="50" charset="-127"/>
-                        <a:cs typeface="Pretendard Variable Medium" panose="02000003000000020004" pitchFamily="2" charset="-127"/>
-                      </a:rPr>
-                      <a:t>캐릭터</a:t>
-                    </a:r>
-                    <a:endParaRPr lang="en-US" altLang="ko-KR" sz="801" dirty="0">
-                      <a:latin typeface="Noto Sans KR" panose="020B0200000000000000" pitchFamily="50" charset="-127"/>
-                      <a:ea typeface="Noto Sans KR" panose="020B0200000000000000" pitchFamily="50" charset="-127"/>
-                      <a:cs typeface="Pretendard Variable Medium" panose="02000003000000020004" pitchFamily="2" charset="-127"/>
-                    </a:endParaRPr>
-                  </a:p>
-                </p:txBody>
-              </p:sp>
-            </p:grpSp>
-            <p:grpSp>
-              <p:nvGrpSpPr>
-                <p:cNvPr id="21" name="그룹 20">
-                  <a:extLst>
-                    <a:ext uri="{FF2B5EF4-FFF2-40B4-BE49-F238E27FC236}">
-                      <a16:creationId xmlns:a16="http://schemas.microsoft.com/office/drawing/2014/main" id="{8C953A51-718B-C97A-8304-4FEC622F9155}"/>
-                    </a:ext>
-                  </a:extLst>
-                </p:cNvPr>
-                <p:cNvGrpSpPr/>
-                <p:nvPr/>
-              </p:nvGrpSpPr>
-              <p:grpSpPr>
-                <a:xfrm>
-                  <a:off x="1084271" y="4022754"/>
-                  <a:ext cx="727729" cy="180000"/>
-                  <a:chOff x="11103948" y="5903869"/>
-                  <a:chExt cx="727729" cy="180000"/>
-                </a:xfrm>
-              </p:grpSpPr>
-              <p:sp>
-                <p:nvSpPr>
-                  <p:cNvPr id="25" name="타원 24">
-                    <a:extLst>
-                      <a:ext uri="{FF2B5EF4-FFF2-40B4-BE49-F238E27FC236}">
-                        <a16:creationId xmlns:a16="http://schemas.microsoft.com/office/drawing/2014/main" id="{140D1F87-9401-4681-2B38-D9DB0951901D}"/>
-                      </a:ext>
-                    </a:extLst>
-                  </p:cNvPr>
-                  <p:cNvSpPr/>
-                  <p:nvPr/>
-                </p:nvSpPr>
-                <p:spPr>
-                  <a:xfrm>
-                    <a:off x="11103948" y="5903869"/>
-                    <a:ext cx="180000" cy="180000"/>
-                  </a:xfrm>
-                  <a:prstGeom prst="ellipse">
-                    <a:avLst/>
-                  </a:prstGeom>
-                  <a:solidFill>
-                    <a:srgbClr val="FFFF00"/>
-                  </a:solidFill>
-                  <a:ln w="12700">
-                    <a:solidFill>
-                      <a:srgbClr val="FF0000"/>
-                    </a:solidFill>
-                  </a:ln>
-                </p:spPr>
-                <p:style>
-                  <a:lnRef idx="2">
-                    <a:schemeClr val="accent1">
-                      <a:shade val="15000"/>
-                    </a:schemeClr>
-                  </a:lnRef>
-                  <a:fillRef idx="1">
-                    <a:schemeClr val="accent1"/>
-                  </a:fillRef>
-                  <a:effectRef idx="0">
-                    <a:schemeClr val="accent1"/>
-                  </a:effectRef>
-                  <a:fontRef idx="minor">
-                    <a:schemeClr val="lt1"/>
-                  </a:fontRef>
-                </p:style>
-                <p:txBody>
-                  <a:bodyPr rtlCol="0" anchor="ctr"/>
-                  <a:lstStyle/>
-                  <a:p>
-                    <a:pPr algn="ctr"/>
-                    <a:endParaRPr lang="ko-KR" altLang="en-US" sz="801" dirty="0">
-                      <a:latin typeface="Noto Sans KR" panose="020B0200000000000000" pitchFamily="50" charset="-127"/>
-                      <a:ea typeface="Noto Sans KR" panose="020B0200000000000000" pitchFamily="50" charset="-127"/>
-                    </a:endParaRPr>
-                  </a:p>
-                </p:txBody>
-              </p:sp>
-              <p:sp>
-                <p:nvSpPr>
-                  <p:cNvPr id="26" name="TextBox 25">
-                    <a:extLst>
-                      <a:ext uri="{FF2B5EF4-FFF2-40B4-BE49-F238E27FC236}">
-                        <a16:creationId xmlns:a16="http://schemas.microsoft.com/office/drawing/2014/main" id="{2A3D803F-7340-578E-45D8-48F8609D4697}"/>
-                      </a:ext>
-                    </a:extLst>
-                  </p:cNvPr>
-                  <p:cNvSpPr txBox="1"/>
-                  <p:nvPr/>
-                </p:nvSpPr>
-                <p:spPr>
-                  <a:xfrm>
-                    <a:off x="11389428" y="5932248"/>
-                    <a:ext cx="442249" cy="123239"/>
-                  </a:xfrm>
-                  <a:prstGeom prst="rect">
-                    <a:avLst/>
-                  </a:prstGeom>
-                  <a:noFill/>
-                </p:spPr>
-                <p:txBody>
-                  <a:bodyPr wrap="square" lIns="0" tIns="0" rIns="0" bIns="0" rtlCol="0" anchor="ctr" anchorCtr="0">
-                    <a:spAutoFit/>
-                  </a:bodyPr>
-                  <a:lstStyle/>
-                  <a:p>
-                    <a:r>
-                      <a:rPr lang="ko-KR" altLang="en-US" sz="801" dirty="0">
-                        <a:latin typeface="Noto Sans KR" panose="020B0200000000000000" pitchFamily="50" charset="-127"/>
-                        <a:ea typeface="Noto Sans KR" panose="020B0200000000000000" pitchFamily="50" charset="-127"/>
-                        <a:cs typeface="Pretendard Variable Medium" panose="02000003000000020004" pitchFamily="2" charset="-127"/>
-                      </a:rPr>
-                      <a:t>공격 범위</a:t>
-                    </a:r>
-                    <a:endParaRPr lang="en-US" altLang="ko-KR" sz="801" dirty="0">
-                      <a:latin typeface="Noto Sans KR" panose="020B0200000000000000" pitchFamily="50" charset="-127"/>
-                      <a:ea typeface="Noto Sans KR" panose="020B0200000000000000" pitchFamily="50" charset="-127"/>
-                      <a:cs typeface="Pretendard Variable Medium" panose="02000003000000020004" pitchFamily="2" charset="-127"/>
-                    </a:endParaRPr>
-                  </a:p>
-                </p:txBody>
-              </p:sp>
-            </p:grpSp>
-            <p:grpSp>
-              <p:nvGrpSpPr>
-                <p:cNvPr id="22" name="그룹 21">
-                  <a:extLst>
-                    <a:ext uri="{FF2B5EF4-FFF2-40B4-BE49-F238E27FC236}">
-                      <a16:creationId xmlns:a16="http://schemas.microsoft.com/office/drawing/2014/main" id="{9FB3725A-DE08-10AB-CB05-E2EBEA473AA3}"/>
-                    </a:ext>
-                  </a:extLst>
-                </p:cNvPr>
-                <p:cNvGrpSpPr/>
-                <p:nvPr/>
-              </p:nvGrpSpPr>
-              <p:grpSpPr>
-                <a:xfrm>
-                  <a:off x="1946484" y="4022754"/>
-                  <a:ext cx="785167" cy="180000"/>
-                  <a:chOff x="10376220" y="5903869"/>
-                  <a:chExt cx="785167" cy="180000"/>
-                </a:xfrm>
-              </p:grpSpPr>
-              <p:sp>
-                <p:nvSpPr>
-                  <p:cNvPr id="23" name="타원 22">
-                    <a:extLst>
-                      <a:ext uri="{FF2B5EF4-FFF2-40B4-BE49-F238E27FC236}">
-                        <a16:creationId xmlns:a16="http://schemas.microsoft.com/office/drawing/2014/main" id="{BA4814CB-FAAB-B08A-1769-C267310AA0E9}"/>
-                      </a:ext>
-                    </a:extLst>
-                  </p:cNvPr>
-                  <p:cNvSpPr/>
-                  <p:nvPr/>
-                </p:nvSpPr>
-                <p:spPr>
-                  <a:xfrm>
-                    <a:off x="10376220" y="5903869"/>
-                    <a:ext cx="180000" cy="180000"/>
-                  </a:xfrm>
-                  <a:prstGeom prst="ellipse">
-                    <a:avLst/>
-                  </a:prstGeom>
-                  <a:solidFill>
-                    <a:schemeClr val="bg1"/>
-                  </a:solidFill>
-                  <a:ln w="12700">
-                    <a:solidFill>
-                      <a:srgbClr val="0070C0"/>
-                    </a:solidFill>
-                  </a:ln>
-                </p:spPr>
-                <p:style>
-                  <a:lnRef idx="2">
-                    <a:schemeClr val="accent1">
-                      <a:shade val="15000"/>
-                    </a:schemeClr>
-                  </a:lnRef>
-                  <a:fillRef idx="1">
-                    <a:schemeClr val="accent1"/>
-                  </a:fillRef>
-                  <a:effectRef idx="0">
-                    <a:schemeClr val="accent1"/>
-                  </a:effectRef>
-                  <a:fontRef idx="minor">
-                    <a:schemeClr val="lt1"/>
-                  </a:fontRef>
-                </p:style>
-                <p:txBody>
-                  <a:bodyPr rtlCol="0" anchor="ctr"/>
-                  <a:lstStyle/>
-                  <a:p>
-                    <a:pPr algn="ctr"/>
-                    <a:endParaRPr lang="ko-KR" altLang="en-US" dirty="0"/>
-                  </a:p>
-                </p:txBody>
-              </p:sp>
-              <p:sp>
-                <p:nvSpPr>
-                  <p:cNvPr id="24" name="TextBox 23">
-                    <a:extLst>
-                      <a:ext uri="{FF2B5EF4-FFF2-40B4-BE49-F238E27FC236}">
-                        <a16:creationId xmlns:a16="http://schemas.microsoft.com/office/drawing/2014/main" id="{C945E1F6-B070-8518-461B-593193F6222F}"/>
-                      </a:ext>
-                    </a:extLst>
-                  </p:cNvPr>
-                  <p:cNvSpPr txBox="1"/>
-                  <p:nvPr/>
-                </p:nvSpPr>
-                <p:spPr>
-                  <a:xfrm>
-                    <a:off x="10661699" y="5932252"/>
-                    <a:ext cx="499688" cy="123239"/>
-                  </a:xfrm>
-                  <a:prstGeom prst="rect">
-                    <a:avLst/>
-                  </a:prstGeom>
-                  <a:noFill/>
-                </p:spPr>
-                <p:txBody>
-                  <a:bodyPr wrap="square" lIns="0" tIns="0" rIns="0" bIns="0" rtlCol="0" anchor="ctr" anchorCtr="0">
-                    <a:spAutoFit/>
-                  </a:bodyPr>
-                  <a:lstStyle/>
-                  <a:p>
-                    <a:r>
-                      <a:rPr lang="ko-KR" altLang="en-US" sz="801" dirty="0">
-                        <a:latin typeface="Noto Sans KR" panose="020B0200000000000000" pitchFamily="50" charset="-127"/>
-                        <a:ea typeface="Noto Sans KR" panose="020B0200000000000000" pitchFamily="50" charset="-127"/>
-                        <a:cs typeface="Pretendard Variable Medium" panose="02000003000000020004" pitchFamily="2" charset="-127"/>
-                      </a:rPr>
-                      <a:t>최대 사거리</a:t>
-                    </a:r>
-                    <a:endParaRPr lang="en-US" altLang="ko-KR" sz="801" dirty="0">
-                      <a:latin typeface="Noto Sans KR" panose="020B0200000000000000" pitchFamily="50" charset="-127"/>
-                      <a:ea typeface="Noto Sans KR" panose="020B0200000000000000" pitchFamily="50" charset="-127"/>
-                      <a:cs typeface="Pretendard Variable Medium" panose="02000003000000020004" pitchFamily="2" charset="-127"/>
-                    </a:endParaRPr>
-                  </a:p>
-                </p:txBody>
-              </p:sp>
-            </p:grpSp>
-          </p:grpSp>
-        </p:grpSp>
-      </p:grpSp>
+          </a:ln>
+        </p:spPr>
+        <p:style>
+          <a:lnRef idx="2">
+            <a:schemeClr val="accent1">
+              <a:shade val="15000"/>
+            </a:schemeClr>
+          </a:lnRef>
+          <a:fillRef idx="1">
+            <a:schemeClr val="accent1"/>
+          </a:fillRef>
+          <a:effectRef idx="0">
+            <a:schemeClr val="accent1"/>
+          </a:effectRef>
+          <a:fontRef idx="minor">
+            <a:schemeClr val="lt1"/>
+          </a:fontRef>
+        </p:style>
+        <p:txBody>
+          <a:bodyPr rtlCol="0" anchor="ctr"/>
+          <a:lstStyle/>
+          <a:p>
+            <a:pPr algn="ctr"/>
+            <a:endParaRPr lang="ko-KR" altLang="en-US"/>
+          </a:p>
+        </p:txBody>
+      </p:sp>
       <p:graphicFrame>
         <p:nvGraphicFramePr>
           <p:cNvPr id="29" name="표 28">
             <a:extLst>
               <a:ext uri="{FF2B5EF4-FFF2-40B4-BE49-F238E27FC236}">
-                <a16:creationId xmlns:a16="http://schemas.microsoft.com/office/drawing/2014/main" id="{ECC740C8-C72F-6002-A966-AE1D322CA81F}"/>
+                <a16:creationId xmlns:a16="http://schemas.microsoft.com/office/drawing/2014/main" id="{17361B4B-F5A1-0B8D-26C0-D00A6487699F}"/>
               </a:ext>
             </a:extLst>
           </p:cNvPr>
           <p:cNvGraphicFramePr>
             <a:graphicFrameLocks noGrp="1"/>
           </p:cNvGraphicFramePr>
-          <p:nvPr>
-            <p:extLst>
-              <p:ext uri="{D42A27DB-BD31-4B8C-83A1-F6EECF244321}">
-                <p14:modId xmlns:p14="http://schemas.microsoft.com/office/powerpoint/2010/main" val="2126148544"/>
-              </p:ext>
-            </p:extLst>
-          </p:nvPr>
+          <p:nvPr/>
         </p:nvGraphicFramePr>
         <p:xfrm>
           <a:off x="8674236" y="2246598"/>
@@ -9675,7 +9392,7 @@
           <p:cNvPr id="30" name="TextBox 29">
             <a:extLst>
               <a:ext uri="{FF2B5EF4-FFF2-40B4-BE49-F238E27FC236}">
-                <a16:creationId xmlns:a16="http://schemas.microsoft.com/office/drawing/2014/main" id="{35FD2187-2D3E-00AF-364F-E3947A663075}"/>
+                <a16:creationId xmlns:a16="http://schemas.microsoft.com/office/drawing/2014/main" id="{B4B1772D-1700-0B3B-8263-910F75414C21}"/>
               </a:ext>
             </a:extLst>
           </p:cNvPr>
@@ -9729,7 +9446,7 @@
           <p:cNvPr id="41" name="그룹 40">
             <a:extLst>
               <a:ext uri="{FF2B5EF4-FFF2-40B4-BE49-F238E27FC236}">
-                <a16:creationId xmlns:a16="http://schemas.microsoft.com/office/drawing/2014/main" id="{71F3BB48-DC28-580A-976C-2EDB400438EF}"/>
+                <a16:creationId xmlns:a16="http://schemas.microsoft.com/office/drawing/2014/main" id="{2009F1C2-DD2B-87D8-1290-69234FC862A9}"/>
               </a:ext>
             </a:extLst>
           </p:cNvPr>
@@ -9749,7 +9466,7 @@
             <p:cNvPr id="8" name="TextBox 7">
               <a:extLst>
                 <a:ext uri="{FF2B5EF4-FFF2-40B4-BE49-F238E27FC236}">
-                  <a16:creationId xmlns:a16="http://schemas.microsoft.com/office/drawing/2014/main" id="{46C985AC-D06D-43AF-0B5C-1087C00CBFC7}"/>
+                  <a16:creationId xmlns:a16="http://schemas.microsoft.com/office/drawing/2014/main" id="{04E3BCAE-135B-7820-EE83-5A475EAE00DE}"/>
                 </a:ext>
               </a:extLst>
             </p:cNvPr>
@@ -9758,8 +9475,8 @@
           </p:nvSpPr>
           <p:spPr>
             <a:xfrm>
-              <a:off x="5701823" y="6351004"/>
-              <a:ext cx="2095124" cy="271869"/>
+              <a:off x="6087346" y="6351004"/>
+              <a:ext cx="1324080" cy="271869"/>
             </a:xfrm>
             <a:prstGeom prst="rect">
               <a:avLst/>
@@ -9852,7 +9569,7 @@
                     </a:schemeClr>
                   </a:solidFill>
                 </a:rPr>
-                <a:t>공격 범위 만큼의 원형 </a:t>
+                <a:t>원형 </a:t>
               </a:r>
               <a:r>
                 <a:rPr lang="ko-KR" altLang="en-US" sz="800" b="0" dirty="0" err="1">
@@ -9863,16 +9580,6 @@
                   </a:solidFill>
                 </a:rPr>
                 <a:t>마법진</a:t>
-              </a:r>
-              <a:r>
-                <a:rPr lang="ko-KR" altLang="en-US" sz="800" b="0" dirty="0">
-                  <a:solidFill>
-                    <a:schemeClr val="bg1">
-                      <a:lumMod val="50000"/>
-                    </a:schemeClr>
-                  </a:solidFill>
-                </a:rPr>
-                <a:t> </a:t>
               </a:r>
               <a:endParaRPr lang="en-US" altLang="ko-KR" sz="800" b="0" dirty="0">
                 <a:solidFill>
@@ -9889,7 +9596,7 @@
             <p:cNvPr id="40" name="그룹 39">
               <a:extLst>
                 <a:ext uri="{FF2B5EF4-FFF2-40B4-BE49-F238E27FC236}">
-                  <a16:creationId xmlns:a16="http://schemas.microsoft.com/office/drawing/2014/main" id="{4B30A94F-903F-4E93-62C2-055A77A248F4}"/>
+                  <a16:creationId xmlns:a16="http://schemas.microsoft.com/office/drawing/2014/main" id="{BA83911C-917A-759B-62A7-41F7CC3FFD8E}"/>
                 </a:ext>
               </a:extLst>
             </p:cNvPr>
@@ -9909,7 +9616,7 @@
               <p:cNvPr id="5" name="그림 4" descr="원이(가) 표시된 사진&#10;&#10;자동 생성된 설명">
                 <a:extLst>
                   <a:ext uri="{FF2B5EF4-FFF2-40B4-BE49-F238E27FC236}">
-                    <a16:creationId xmlns:a16="http://schemas.microsoft.com/office/drawing/2014/main" id="{45FE7180-3D7A-605F-CF8C-420FB365640B}"/>
+                    <a16:creationId xmlns:a16="http://schemas.microsoft.com/office/drawing/2014/main" id="{12821B97-C324-B82F-EC0A-2778621E2B85}"/>
                   </a:ext>
                 </a:extLst>
               </p:cNvPr>
@@ -9919,7 +9626,7 @@
               <p:nvPr/>
             </p:nvPicPr>
             <p:blipFill>
-              <a:blip r:embed="rId4" cstate="print">
+              <a:blip r:embed="rId5" cstate="print">
                 <a:extLst>
                   <a:ext uri="{28A0092B-C50C-407E-A947-70E740481C1C}">
                     <a14:useLocalDpi xmlns:a14="http://schemas.microsoft.com/office/drawing/2010/main" val="0"/>
@@ -9945,7 +9652,7 @@
               <p:cNvPr id="39" name="그룹 38">
                 <a:extLst>
                   <a:ext uri="{FF2B5EF4-FFF2-40B4-BE49-F238E27FC236}">
-                    <a16:creationId xmlns:a16="http://schemas.microsoft.com/office/drawing/2014/main" id="{10A84AE2-AA41-E5E1-B91F-179DBDE088E7}"/>
+                    <a16:creationId xmlns:a16="http://schemas.microsoft.com/office/drawing/2014/main" id="{2D821D0A-2B44-D086-1325-9FED47C9ED5C}"/>
                   </a:ext>
                 </a:extLst>
               </p:cNvPr>
@@ -9965,7 +9672,7 @@
                 <p:cNvPr id="35" name="직선 연결선 34">
                   <a:extLst>
                     <a:ext uri="{FF2B5EF4-FFF2-40B4-BE49-F238E27FC236}">
-                      <a16:creationId xmlns:a16="http://schemas.microsoft.com/office/drawing/2014/main" id="{EA44ABCB-997E-E3B9-AD88-33E24DB58915}"/>
+                      <a16:creationId xmlns:a16="http://schemas.microsoft.com/office/drawing/2014/main" id="{E840E4B8-1623-D5C9-C428-D8C387101494}"/>
                     </a:ext>
                   </a:extLst>
                 </p:cNvPr>
@@ -10011,7 +9718,7 @@
                 <p:cNvPr id="38" name="원호 37">
                   <a:extLst>
                     <a:ext uri="{FF2B5EF4-FFF2-40B4-BE49-F238E27FC236}">
-                      <a16:creationId xmlns:a16="http://schemas.microsoft.com/office/drawing/2014/main" id="{67D69426-6C33-CA54-679B-4CA66F08CE87}"/>
+                      <a16:creationId xmlns:a16="http://schemas.microsoft.com/office/drawing/2014/main" id="{581B9112-C9F4-2487-1EAD-9FB8CCBC73E9}"/>
                     </a:ext>
                   </a:extLst>
                 </p:cNvPr>
@@ -10067,7 +9774,7 @@
                 <p:cNvPr id="37" name="TextBox 36">
                   <a:extLst>
                     <a:ext uri="{FF2B5EF4-FFF2-40B4-BE49-F238E27FC236}">
-                      <a16:creationId xmlns:a16="http://schemas.microsoft.com/office/drawing/2014/main" id="{5FF6BC84-424C-4ABC-7E06-3EB37169F56B}"/>
+                      <a16:creationId xmlns:a16="http://schemas.microsoft.com/office/drawing/2014/main" id="{C6437BAD-3290-0FBB-0D59-00CDBEF61EA4}"/>
                     </a:ext>
                   </a:extLst>
                 </p:cNvPr>
@@ -10076,8 +9783,8 @@
               </p:nvSpPr>
               <p:spPr>
                 <a:xfrm>
-                  <a:off x="7253465" y="5907444"/>
-                  <a:ext cx="254878" cy="123111"/>
+                  <a:off x="7282319" y="5907444"/>
+                  <a:ext cx="197170" cy="123111"/>
                 </a:xfrm>
                 <a:prstGeom prst="rect">
                   <a:avLst/>
@@ -10113,7 +9820,7 @@
                         </a:schemeClr>
                       </a:solidFill>
                     </a:rPr>
-                    <a:t> 15m </a:t>
+                    <a:t> 7m </a:t>
                   </a:r>
                 </a:p>
               </p:txBody>
@@ -10123,10 +9830,10 @@
       </p:grpSp>
       <p:grpSp>
         <p:nvGrpSpPr>
-          <p:cNvPr id="10" name="그룹 9">
+          <p:cNvPr id="54" name="그룹 53">
             <a:extLst>
               <a:ext uri="{FF2B5EF4-FFF2-40B4-BE49-F238E27FC236}">
-                <a16:creationId xmlns:a16="http://schemas.microsoft.com/office/drawing/2014/main" id="{8EDA7529-C059-E685-8669-B4252DF20F48}"/>
+                <a16:creationId xmlns:a16="http://schemas.microsoft.com/office/drawing/2014/main" id="{5C5950CC-6668-7960-6663-FD8BE4ECE076}"/>
               </a:ext>
             </a:extLst>
           </p:cNvPr>
@@ -10135,18 +9842,766 @@
         </p:nvGrpSpPr>
         <p:grpSpPr>
           <a:xfrm>
-            <a:off x="3430492" y="5829390"/>
-            <a:ext cx="1346192" cy="698073"/>
-            <a:chOff x="1317048" y="5763693"/>
-            <a:chExt cx="1346192" cy="698073"/>
+            <a:off x="192088" y="3852823"/>
+            <a:ext cx="3179000" cy="322994"/>
+            <a:chOff x="192088" y="3852823"/>
+            <a:chExt cx="3179000" cy="322994"/>
           </a:xfrm>
         </p:grpSpPr>
         <p:sp>
           <p:nvSpPr>
-            <p:cNvPr id="14" name="TextBox 13">
+            <p:cNvPr id="17" name="직사각형 16">
               <a:extLst>
                 <a:ext uri="{FF2B5EF4-FFF2-40B4-BE49-F238E27FC236}">
-                  <a16:creationId xmlns:a16="http://schemas.microsoft.com/office/drawing/2014/main" id="{F76616DF-D59B-259B-E814-4FB0742F9174}"/>
+                  <a16:creationId xmlns:a16="http://schemas.microsoft.com/office/drawing/2014/main" id="{23FA7EAD-D77B-99AD-FD94-998005B8354A}"/>
+                </a:ext>
+              </a:extLst>
+            </p:cNvPr>
+            <p:cNvSpPr/>
+            <p:nvPr/>
+          </p:nvSpPr>
+          <p:spPr>
+            <a:xfrm>
+              <a:off x="192088" y="3852823"/>
+              <a:ext cx="3179000" cy="322994"/>
+            </a:xfrm>
+            <a:prstGeom prst="rect">
+              <a:avLst/>
+            </a:prstGeom>
+            <a:solidFill>
+              <a:schemeClr val="bg1"/>
+            </a:solidFill>
+            <a:ln w="12700">
+              <a:solidFill>
+                <a:schemeClr val="tx1"/>
+              </a:solidFill>
+            </a:ln>
+          </p:spPr>
+          <p:style>
+            <a:lnRef idx="2">
+              <a:schemeClr val="accent1">
+                <a:shade val="15000"/>
+              </a:schemeClr>
+            </a:lnRef>
+            <a:fillRef idx="1">
+              <a:schemeClr val="accent1"/>
+            </a:fillRef>
+            <a:effectRef idx="0">
+              <a:schemeClr val="accent1"/>
+            </a:effectRef>
+            <a:fontRef idx="minor">
+              <a:schemeClr val="lt1"/>
+            </a:fontRef>
+          </p:style>
+          <p:txBody>
+            <a:bodyPr rtlCol="0" anchor="ctr"/>
+            <a:lstStyle/>
+            <a:p>
+              <a:pPr algn="ctr"/>
+              <a:endParaRPr lang="ko-KR" altLang="en-US" dirty="0"/>
+            </a:p>
+          </p:txBody>
+        </p:sp>
+        <p:grpSp>
+          <p:nvGrpSpPr>
+            <p:cNvPr id="53" name="그룹 52">
+              <a:extLst>
+                <a:ext uri="{FF2B5EF4-FFF2-40B4-BE49-F238E27FC236}">
+                  <a16:creationId xmlns:a16="http://schemas.microsoft.com/office/drawing/2014/main" id="{FA8F28DA-0AD7-FA0C-D24C-9D44E2AF21B3}"/>
+                </a:ext>
+              </a:extLst>
+            </p:cNvPr>
+            <p:cNvGrpSpPr/>
+            <p:nvPr/>
+          </p:nvGrpSpPr>
+          <p:grpSpPr>
+            <a:xfrm>
+              <a:off x="295552" y="3891081"/>
+              <a:ext cx="2972073" cy="246478"/>
+              <a:chOff x="290367" y="3891081"/>
+              <a:chExt cx="2972073" cy="246478"/>
+            </a:xfrm>
+          </p:grpSpPr>
+          <p:grpSp>
+            <p:nvGrpSpPr>
+              <p:cNvPr id="51" name="그룹 50">
+                <a:extLst>
+                  <a:ext uri="{FF2B5EF4-FFF2-40B4-BE49-F238E27FC236}">
+                    <a16:creationId xmlns:a16="http://schemas.microsoft.com/office/drawing/2014/main" id="{4023F4F3-9285-16DE-7FD2-EE7DC11A9750}"/>
+                  </a:ext>
+                </a:extLst>
+              </p:cNvPr>
+              <p:cNvGrpSpPr/>
+              <p:nvPr/>
+            </p:nvGrpSpPr>
+            <p:grpSpPr>
+              <a:xfrm>
+                <a:off x="290367" y="3924320"/>
+                <a:ext cx="558877" cy="180000"/>
+                <a:chOff x="290367" y="3924320"/>
+                <a:chExt cx="558877" cy="180000"/>
+              </a:xfrm>
+            </p:grpSpPr>
+            <p:sp>
+              <p:nvSpPr>
+                <p:cNvPr id="27" name="타원 26">
+                  <a:extLst>
+                    <a:ext uri="{FF2B5EF4-FFF2-40B4-BE49-F238E27FC236}">
+                      <a16:creationId xmlns:a16="http://schemas.microsoft.com/office/drawing/2014/main" id="{E831B0C5-2DA7-E5CA-D646-6407BC953951}"/>
+                    </a:ext>
+                  </a:extLst>
+                </p:cNvPr>
+                <p:cNvSpPr/>
+                <p:nvPr/>
+              </p:nvSpPr>
+              <p:spPr>
+                <a:xfrm>
+                  <a:off x="290367" y="3924320"/>
+                  <a:ext cx="180000" cy="180000"/>
+                </a:xfrm>
+                <a:prstGeom prst="ellipse">
+                  <a:avLst/>
+                </a:prstGeom>
+                <a:solidFill>
+                  <a:schemeClr val="accent4">
+                    <a:lumMod val="20000"/>
+                    <a:lumOff val="80000"/>
+                  </a:schemeClr>
+                </a:solidFill>
+                <a:ln w="12700">
+                  <a:solidFill>
+                    <a:schemeClr val="tx1"/>
+                  </a:solidFill>
+                </a:ln>
+              </p:spPr>
+              <p:style>
+                <a:lnRef idx="2">
+                  <a:schemeClr val="accent1">
+                    <a:shade val="15000"/>
+                  </a:schemeClr>
+                </a:lnRef>
+                <a:fillRef idx="1">
+                  <a:schemeClr val="accent1"/>
+                </a:fillRef>
+                <a:effectRef idx="0">
+                  <a:schemeClr val="accent1"/>
+                </a:effectRef>
+                <a:fontRef idx="minor">
+                  <a:schemeClr val="lt1"/>
+                </a:fontRef>
+              </p:style>
+              <p:txBody>
+                <a:bodyPr rtlCol="0" anchor="ctr"/>
+                <a:lstStyle/>
+                <a:p>
+                  <a:pPr algn="ctr"/>
+                  <a:endParaRPr lang="ko-KR" altLang="en-US" sz="801" dirty="0">
+                    <a:latin typeface="Noto Sans KR" panose="020B0200000000000000" pitchFamily="50" charset="-127"/>
+                    <a:ea typeface="Noto Sans KR" panose="020B0200000000000000" pitchFamily="50" charset="-127"/>
+                  </a:endParaRPr>
+                </a:p>
+              </p:txBody>
+            </p:sp>
+            <p:sp>
+              <p:nvSpPr>
+                <p:cNvPr id="28" name="TextBox 27">
+                  <a:extLst>
+                    <a:ext uri="{FF2B5EF4-FFF2-40B4-BE49-F238E27FC236}">
+                      <a16:creationId xmlns:a16="http://schemas.microsoft.com/office/drawing/2014/main" id="{CCBCF472-1A04-099B-5C7C-58CB2912A106}"/>
+                    </a:ext>
+                  </a:extLst>
+                </p:cNvPr>
+                <p:cNvSpPr txBox="1"/>
+                <p:nvPr/>
+              </p:nvSpPr>
+              <p:spPr>
+                <a:xfrm>
+                  <a:off x="470367" y="3952703"/>
+                  <a:ext cx="378877" cy="123239"/>
+                </a:xfrm>
+                <a:prstGeom prst="rect">
+                  <a:avLst/>
+                </a:prstGeom>
+                <a:noFill/>
+              </p:spPr>
+              <p:txBody>
+                <a:bodyPr wrap="none" lIns="72000" tIns="0" rIns="0" bIns="0" rtlCol="0" anchor="ctr" anchorCtr="0">
+                  <a:spAutoFit/>
+                </a:bodyPr>
+                <a:lstStyle/>
+                <a:p>
+                  <a:r>
+                    <a:rPr lang="ko-KR" altLang="en-US" sz="801" dirty="0">
+                      <a:latin typeface="Noto Sans KR" panose="020B0200000000000000" pitchFamily="50" charset="-127"/>
+                      <a:ea typeface="Noto Sans KR" panose="020B0200000000000000" pitchFamily="50" charset="-127"/>
+                      <a:cs typeface="Pretendard Variable Medium" panose="02000003000000020004" pitchFamily="2" charset="-127"/>
+                    </a:rPr>
+                    <a:t>캐릭터 </a:t>
+                  </a:r>
+                  <a:endParaRPr lang="en-US" altLang="ko-KR" sz="801" dirty="0">
+                    <a:latin typeface="Noto Sans KR" panose="020B0200000000000000" pitchFamily="50" charset="-127"/>
+                    <a:ea typeface="Noto Sans KR" panose="020B0200000000000000" pitchFamily="50" charset="-127"/>
+                    <a:cs typeface="Pretendard Variable Medium" panose="02000003000000020004" pitchFamily="2" charset="-127"/>
+                  </a:endParaRPr>
+                </a:p>
+              </p:txBody>
+            </p:sp>
+          </p:grpSp>
+          <p:grpSp>
+            <p:nvGrpSpPr>
+              <p:cNvPr id="52" name="그룹 51">
+                <a:extLst>
+                  <a:ext uri="{FF2B5EF4-FFF2-40B4-BE49-F238E27FC236}">
+                    <a16:creationId xmlns:a16="http://schemas.microsoft.com/office/drawing/2014/main" id="{133CC775-6778-2250-3222-171AA4BCC22B}"/>
+                  </a:ext>
+                </a:extLst>
+              </p:cNvPr>
+              <p:cNvGrpSpPr/>
+              <p:nvPr/>
+            </p:nvGrpSpPr>
+            <p:grpSpPr>
+              <a:xfrm>
+                <a:off x="2362124" y="3924320"/>
+                <a:ext cx="900316" cy="180000"/>
+                <a:chOff x="2682196" y="3937025"/>
+                <a:chExt cx="900316" cy="180000"/>
+              </a:xfrm>
+            </p:grpSpPr>
+            <p:sp>
+              <p:nvSpPr>
+                <p:cNvPr id="43" name="타원 42">
+                  <a:extLst>
+                    <a:ext uri="{FF2B5EF4-FFF2-40B4-BE49-F238E27FC236}">
+                      <a16:creationId xmlns:a16="http://schemas.microsoft.com/office/drawing/2014/main" id="{A5B4CD30-0B13-A31D-DA65-F70C03EA3913}"/>
+                    </a:ext>
+                  </a:extLst>
+                </p:cNvPr>
+                <p:cNvSpPr/>
+                <p:nvPr/>
+              </p:nvSpPr>
+              <p:spPr>
+                <a:xfrm>
+                  <a:off x="2682196" y="3937025"/>
+                  <a:ext cx="180000" cy="180000"/>
+                </a:xfrm>
+                <a:prstGeom prst="ellipse">
+                  <a:avLst/>
+                </a:prstGeom>
+                <a:solidFill>
+                  <a:srgbClr val="FFFF00"/>
+                </a:solidFill>
+                <a:ln w="12700">
+                  <a:solidFill>
+                    <a:srgbClr val="FF0000"/>
+                  </a:solidFill>
+                </a:ln>
+              </p:spPr>
+              <p:style>
+                <a:lnRef idx="2">
+                  <a:schemeClr val="accent1">
+                    <a:shade val="15000"/>
+                  </a:schemeClr>
+                </a:lnRef>
+                <a:fillRef idx="1">
+                  <a:schemeClr val="accent1"/>
+                </a:fillRef>
+                <a:effectRef idx="0">
+                  <a:schemeClr val="accent1"/>
+                </a:effectRef>
+                <a:fontRef idx="minor">
+                  <a:schemeClr val="lt1"/>
+                </a:fontRef>
+              </p:style>
+              <p:txBody>
+                <a:bodyPr rtlCol="0" anchor="ctr"/>
+                <a:lstStyle/>
+                <a:p>
+                  <a:pPr algn="ctr"/>
+                  <a:endParaRPr lang="ko-KR" altLang="en-US" sz="801" dirty="0">
+                    <a:latin typeface="Noto Sans KR" panose="020B0200000000000000" pitchFamily="50" charset="-127"/>
+                    <a:ea typeface="Noto Sans KR" panose="020B0200000000000000" pitchFamily="50" charset="-127"/>
+                  </a:endParaRPr>
+                </a:p>
+              </p:txBody>
+            </p:sp>
+            <p:sp>
+              <p:nvSpPr>
+                <p:cNvPr id="44" name="TextBox 43">
+                  <a:extLst>
+                    <a:ext uri="{FF2B5EF4-FFF2-40B4-BE49-F238E27FC236}">
+                      <a16:creationId xmlns:a16="http://schemas.microsoft.com/office/drawing/2014/main" id="{987AE9F0-0838-A71E-73CD-4590B210C285}"/>
+                    </a:ext>
+                  </a:extLst>
+                </p:cNvPr>
+                <p:cNvSpPr txBox="1"/>
+                <p:nvPr/>
+              </p:nvSpPr>
+              <p:spPr>
+                <a:xfrm>
+                  <a:off x="2862196" y="3965404"/>
+                  <a:ext cx="720316" cy="123239"/>
+                </a:xfrm>
+                <a:prstGeom prst="rect">
+                  <a:avLst/>
+                </a:prstGeom>
+                <a:noFill/>
+              </p:spPr>
+              <p:txBody>
+                <a:bodyPr wrap="none" lIns="72000" tIns="0" rIns="0" bIns="0" rtlCol="0" anchor="ctr" anchorCtr="0">
+                  <a:spAutoFit/>
+                </a:bodyPr>
+                <a:lstStyle>
+                  <a:defPPr>
+                    <a:defRPr lang="ko-KR"/>
+                  </a:defPPr>
+                  <a:lvl1pPr>
+                    <a:defRPr sz="801">
+                      <a:latin typeface="Noto Sans KR" panose="020B0200000000000000" pitchFamily="50" charset="-127"/>
+                      <a:ea typeface="Noto Sans KR" panose="020B0200000000000000" pitchFamily="50" charset="-127"/>
+                      <a:cs typeface="Pretendard Variable Medium" panose="02000003000000020004" pitchFamily="2" charset="-127"/>
+                    </a:defRPr>
+                  </a:lvl1pPr>
+                </a:lstStyle>
+                <a:p>
+                  <a:r>
+                    <a:rPr lang="ko-KR" altLang="en-US" dirty="0"/>
+                    <a:t>폭발 공격 </a:t>
+                  </a:r>
+                  <a:r>
+                    <a:rPr lang="ko-KR" altLang="en-US"/>
+                    <a:t>범위 </a:t>
+                  </a:r>
+                  <a:endParaRPr lang="en-US" altLang="ko-KR" dirty="0"/>
+                </a:p>
+              </p:txBody>
+            </p:sp>
+          </p:grpSp>
+          <p:grpSp>
+            <p:nvGrpSpPr>
+              <p:cNvPr id="50" name="그룹 49">
+                <a:extLst>
+                  <a:ext uri="{FF2B5EF4-FFF2-40B4-BE49-F238E27FC236}">
+                    <a16:creationId xmlns:a16="http://schemas.microsoft.com/office/drawing/2014/main" id="{68E52627-7043-9320-7964-FA9EE62CB371}"/>
+                  </a:ext>
+                </a:extLst>
+              </p:cNvPr>
+              <p:cNvGrpSpPr/>
+              <p:nvPr/>
+            </p:nvGrpSpPr>
+            <p:grpSpPr>
+              <a:xfrm>
+                <a:off x="1057743" y="3891081"/>
+                <a:ext cx="948406" cy="246478"/>
+                <a:chOff x="1047096" y="3891084"/>
+                <a:chExt cx="948406" cy="246478"/>
+              </a:xfrm>
+            </p:grpSpPr>
+            <p:sp>
+              <p:nvSpPr>
+                <p:cNvPr id="49" name="자유형: 도형 48">
+                  <a:extLst>
+                    <a:ext uri="{FF2B5EF4-FFF2-40B4-BE49-F238E27FC236}">
+                      <a16:creationId xmlns:a16="http://schemas.microsoft.com/office/drawing/2014/main" id="{F0E12D71-CF3F-3B1B-0699-82943E46D649}"/>
+                    </a:ext>
+                  </a:extLst>
+                </p:cNvPr>
+                <p:cNvSpPr/>
+                <p:nvPr/>
+              </p:nvSpPr>
+              <p:spPr>
+                <a:xfrm rot="5400000">
+                  <a:off x="1047096" y="3924323"/>
+                  <a:ext cx="180000" cy="180000"/>
+                </a:xfrm>
+                <a:custGeom>
+                  <a:avLst/>
+                  <a:gdLst>
+                    <a:gd name="connsiteX0" fmla="*/ 1296000 w 3888000"/>
+                    <a:gd name="connsiteY0" fmla="*/ 1944000 h 3888000"/>
+                    <a:gd name="connsiteX1" fmla="*/ 1944000 w 3888000"/>
+                    <a:gd name="connsiteY1" fmla="*/ 2592000 h 3888000"/>
+                    <a:gd name="connsiteX2" fmla="*/ 2592000 w 3888000"/>
+                    <a:gd name="connsiteY2" fmla="*/ 1944000 h 3888000"/>
+                    <a:gd name="connsiteX3" fmla="*/ 1944000 w 3888000"/>
+                    <a:gd name="connsiteY3" fmla="*/ 1296000 h 3888000"/>
+                    <a:gd name="connsiteX4" fmla="*/ 1296000 w 3888000"/>
+                    <a:gd name="connsiteY4" fmla="*/ 1944000 h 3888000"/>
+                    <a:gd name="connsiteX5" fmla="*/ 0 w 3888000"/>
+                    <a:gd name="connsiteY5" fmla="*/ 1944000 h 3888000"/>
+                    <a:gd name="connsiteX6" fmla="*/ 1944000 w 3888000"/>
+                    <a:gd name="connsiteY6" fmla="*/ 0 h 3888000"/>
+                    <a:gd name="connsiteX7" fmla="*/ 3888000 w 3888000"/>
+                    <a:gd name="connsiteY7" fmla="*/ 1944000 h 3888000"/>
+                    <a:gd name="connsiteX8" fmla="*/ 1944000 w 3888000"/>
+                    <a:gd name="connsiteY8" fmla="*/ 3888000 h 3888000"/>
+                    <a:gd name="connsiteX9" fmla="*/ 0 w 3888000"/>
+                    <a:gd name="connsiteY9" fmla="*/ 1944000 h 3888000"/>
+                  </a:gdLst>
+                  <a:ahLst/>
+                  <a:cxnLst>
+                    <a:cxn ang="0">
+                      <a:pos x="connsiteX0" y="connsiteY0"/>
+                    </a:cxn>
+                    <a:cxn ang="0">
+                      <a:pos x="connsiteX1" y="connsiteY1"/>
+                    </a:cxn>
+                    <a:cxn ang="0">
+                      <a:pos x="connsiteX2" y="connsiteY2"/>
+                    </a:cxn>
+                    <a:cxn ang="0">
+                      <a:pos x="connsiteX3" y="connsiteY3"/>
+                    </a:cxn>
+                    <a:cxn ang="0">
+                      <a:pos x="connsiteX4" y="connsiteY4"/>
+                    </a:cxn>
+                    <a:cxn ang="0">
+                      <a:pos x="connsiteX5" y="connsiteY5"/>
+                    </a:cxn>
+                    <a:cxn ang="0">
+                      <a:pos x="connsiteX6" y="connsiteY6"/>
+                    </a:cxn>
+                    <a:cxn ang="0">
+                      <a:pos x="connsiteX7" y="connsiteY7"/>
+                    </a:cxn>
+                    <a:cxn ang="0">
+                      <a:pos x="connsiteX8" y="connsiteY8"/>
+                    </a:cxn>
+                    <a:cxn ang="0">
+                      <a:pos x="connsiteX9" y="connsiteY9"/>
+                    </a:cxn>
+                  </a:cxnLst>
+                  <a:rect l="l" t="t" r="r" b="b"/>
+                  <a:pathLst>
+                    <a:path w="3888000" h="3888000">
+                      <a:moveTo>
+                        <a:pt x="1296000" y="1944000"/>
+                      </a:moveTo>
+                      <a:cubicBezTo>
+                        <a:pt x="1296000" y="2301881"/>
+                        <a:pt x="1586119" y="2592000"/>
+                        <a:pt x="1944000" y="2592000"/>
+                      </a:cubicBezTo>
+                      <a:cubicBezTo>
+                        <a:pt x="2301881" y="2592000"/>
+                        <a:pt x="2592000" y="2301881"/>
+                        <a:pt x="2592000" y="1944000"/>
+                      </a:cubicBezTo>
+                      <a:cubicBezTo>
+                        <a:pt x="2592000" y="1586119"/>
+                        <a:pt x="2301881" y="1296000"/>
+                        <a:pt x="1944000" y="1296000"/>
+                      </a:cubicBezTo>
+                      <a:cubicBezTo>
+                        <a:pt x="1586119" y="1296000"/>
+                        <a:pt x="1296000" y="1586119"/>
+                        <a:pt x="1296000" y="1944000"/>
+                      </a:cubicBezTo>
+                      <a:close/>
+                      <a:moveTo>
+                        <a:pt x="0" y="1944000"/>
+                      </a:moveTo>
+                      <a:cubicBezTo>
+                        <a:pt x="0" y="870358"/>
+                        <a:pt x="870358" y="0"/>
+                        <a:pt x="1944000" y="0"/>
+                      </a:cubicBezTo>
+                      <a:cubicBezTo>
+                        <a:pt x="3017642" y="0"/>
+                        <a:pt x="3888000" y="870358"/>
+                        <a:pt x="3888000" y="1944000"/>
+                      </a:cubicBezTo>
+                      <a:cubicBezTo>
+                        <a:pt x="3888000" y="3017642"/>
+                        <a:pt x="3017642" y="3888000"/>
+                        <a:pt x="1944000" y="3888000"/>
+                      </a:cubicBezTo>
+                      <a:cubicBezTo>
+                        <a:pt x="870358" y="3888000"/>
+                        <a:pt x="0" y="3017642"/>
+                        <a:pt x="0" y="1944000"/>
+                      </a:cubicBezTo>
+                      <a:close/>
+                    </a:path>
+                  </a:pathLst>
+                </a:custGeom>
+                <a:solidFill>
+                  <a:schemeClr val="tx2">
+                    <a:lumMod val="10000"/>
+                    <a:lumOff val="90000"/>
+                  </a:schemeClr>
+                </a:solidFill>
+                <a:ln w="12700">
+                  <a:solidFill>
+                    <a:srgbClr val="0070C0"/>
+                  </a:solidFill>
+                  <a:prstDash val="solid"/>
+                </a:ln>
+              </p:spPr>
+              <p:style>
+                <a:lnRef idx="2">
+                  <a:schemeClr val="accent1">
+                    <a:shade val="15000"/>
+                  </a:schemeClr>
+                </a:lnRef>
+                <a:fillRef idx="1">
+                  <a:schemeClr val="accent1"/>
+                </a:fillRef>
+                <a:effectRef idx="0">
+                  <a:schemeClr val="accent1"/>
+                </a:effectRef>
+                <a:fontRef idx="minor">
+                  <a:schemeClr val="lt1"/>
+                </a:fontRef>
+              </p:style>
+              <p:txBody>
+                <a:bodyPr wrap="square" rtlCol="0" anchor="ctr">
+                  <a:noAutofit/>
+                </a:bodyPr>
+                <a:lstStyle/>
+                <a:p>
+                  <a:pPr algn="ctr"/>
+                  <a:endParaRPr lang="ko-KR" altLang="en-US" dirty="0"/>
+                </a:p>
+              </p:txBody>
+            </p:sp>
+            <p:sp>
+              <p:nvSpPr>
+                <p:cNvPr id="24" name="TextBox 23">
+                  <a:extLst>
+                    <a:ext uri="{FF2B5EF4-FFF2-40B4-BE49-F238E27FC236}">
+                      <a16:creationId xmlns:a16="http://schemas.microsoft.com/office/drawing/2014/main" id="{7609BD86-DF7F-223A-BC68-6D78F4D7B4E4}"/>
+                    </a:ext>
+                  </a:extLst>
+                </p:cNvPr>
+                <p:cNvSpPr txBox="1"/>
+                <p:nvPr/>
+              </p:nvSpPr>
+              <p:spPr>
+                <a:xfrm>
+                  <a:off x="1227096" y="3891084"/>
+                  <a:ext cx="768406" cy="246478"/>
+                </a:xfrm>
+                <a:prstGeom prst="rect">
+                  <a:avLst/>
+                </a:prstGeom>
+                <a:noFill/>
+              </p:spPr>
+              <p:txBody>
+                <a:bodyPr wrap="none" lIns="72000" tIns="0" rIns="0" bIns="0" rtlCol="0" anchor="ctr" anchorCtr="0">
+                  <a:spAutoFit/>
+                </a:bodyPr>
+                <a:lstStyle>
+                  <a:defPPr>
+                    <a:defRPr lang="ko-KR"/>
+                  </a:defPPr>
+                  <a:lvl1pPr>
+                    <a:defRPr sz="801">
+                      <a:latin typeface="Noto Sans KR" panose="020B0200000000000000" pitchFamily="50" charset="-127"/>
+                      <a:ea typeface="Noto Sans KR" panose="020B0200000000000000" pitchFamily="50" charset="-127"/>
+                      <a:cs typeface="Pretendard Variable Medium" panose="02000003000000020004" pitchFamily="2" charset="-127"/>
+                    </a:defRPr>
+                  </a:lvl1pPr>
+                </a:lstStyle>
+                <a:p>
+                  <a:r>
+                    <a:rPr lang="ko-KR" altLang="en-US" dirty="0"/>
+                    <a:t>지점 설정 범위</a:t>
+                  </a:r>
+                  <a:endParaRPr lang="en-US" altLang="ko-KR" dirty="0"/>
+                </a:p>
+                <a:p>
+                  <a:r>
+                    <a:rPr lang="en-US" altLang="ko-KR" dirty="0"/>
+                    <a:t>(</a:t>
+                  </a:r>
+                  <a:r>
+                    <a:rPr lang="ko-KR" altLang="en-US" dirty="0"/>
+                    <a:t>시전 가능 거리</a:t>
+                  </a:r>
+                  <a:r>
+                    <a:rPr lang="en-US" altLang="ko-KR" dirty="0"/>
+                    <a:t>)</a:t>
+                  </a:r>
+                </a:p>
+              </p:txBody>
+            </p:sp>
+          </p:grpSp>
+        </p:grpSp>
+      </p:grpSp>
+      <p:grpSp>
+        <p:nvGrpSpPr>
+          <p:cNvPr id="16" name="그룹 15">
+            <a:extLst>
+              <a:ext uri="{FF2B5EF4-FFF2-40B4-BE49-F238E27FC236}">
+                <a16:creationId xmlns:a16="http://schemas.microsoft.com/office/drawing/2014/main" id="{D248543F-FF10-9965-952A-91A1FD63A88B}"/>
+              </a:ext>
+            </a:extLst>
+          </p:cNvPr>
+          <p:cNvGrpSpPr/>
+          <p:nvPr/>
+        </p:nvGrpSpPr>
+        <p:grpSpPr>
+          <a:xfrm>
+            <a:off x="3328932" y="4782280"/>
+            <a:ext cx="1023337" cy="698073"/>
+            <a:chOff x="3328932" y="4782280"/>
+            <a:chExt cx="1023337" cy="698073"/>
+          </a:xfrm>
+        </p:grpSpPr>
+        <p:grpSp>
+          <p:nvGrpSpPr>
+            <p:cNvPr id="12" name="그룹 11">
+              <a:extLst>
+                <a:ext uri="{FF2B5EF4-FFF2-40B4-BE49-F238E27FC236}">
+                  <a16:creationId xmlns:a16="http://schemas.microsoft.com/office/drawing/2014/main" id="{BAB4963D-23B1-E1AF-B786-DEA7F6BEA98A}"/>
+                </a:ext>
+              </a:extLst>
+            </p:cNvPr>
+            <p:cNvGrpSpPr/>
+            <p:nvPr/>
+          </p:nvGrpSpPr>
+          <p:grpSpPr>
+            <a:xfrm>
+              <a:off x="3328932" y="5152753"/>
+              <a:ext cx="1023337" cy="327600"/>
+              <a:chOff x="3328932" y="5152753"/>
+              <a:chExt cx="1023337" cy="327600"/>
+            </a:xfrm>
+          </p:grpSpPr>
+          <p:sp>
+            <p:nvSpPr>
+              <p:cNvPr id="57" name="직사각형 56">
+                <a:extLst>
+                  <a:ext uri="{FF2B5EF4-FFF2-40B4-BE49-F238E27FC236}">
+                    <a16:creationId xmlns:a16="http://schemas.microsoft.com/office/drawing/2014/main" id="{3B1E4D21-DD73-1D8C-C0DF-1CF52AF47A07}"/>
+                  </a:ext>
+                </a:extLst>
+              </p:cNvPr>
+              <p:cNvSpPr/>
+              <p:nvPr/>
+            </p:nvSpPr>
+            <p:spPr>
+              <a:xfrm flipH="1">
+                <a:off x="3328932" y="5152753"/>
+                <a:ext cx="1023337" cy="327600"/>
+              </a:xfrm>
+              <a:prstGeom prst="rect">
+                <a:avLst/>
+              </a:prstGeom>
+              <a:solidFill>
+                <a:schemeClr val="bg1"/>
+              </a:solidFill>
+              <a:ln w="6350">
+                <a:solidFill>
+                  <a:schemeClr val="bg1">
+                    <a:lumMod val="75000"/>
+                  </a:schemeClr>
+                </a:solidFill>
+              </a:ln>
+            </p:spPr>
+            <p:txBody>
+              <a:bodyPr wrap="square" lIns="0" tIns="35998" rIns="0" bIns="35998" rtlCol="0" anchor="ctr" anchorCtr="0">
+                <a:noAutofit/>
+              </a:bodyPr>
+              <a:lstStyle/>
+              <a:p>
+                <a:pPr algn="ctr">
+                  <a:spcAft>
+                    <a:spcPts val="400"/>
+                  </a:spcAft>
+                </a:pPr>
+                <a:endParaRPr lang="ko-KR" altLang="en-US" sz="801">
+                  <a:solidFill>
+                    <a:schemeClr val="tx1"/>
+                  </a:solidFill>
+                  <a:latin typeface="Noto Sans KR" panose="020B0200000000000000" pitchFamily="50" charset="-127"/>
+                  <a:ea typeface="Noto Sans KR" panose="020B0200000000000000" pitchFamily="50" charset="-127"/>
+                </a:endParaRPr>
+              </a:p>
+            </p:txBody>
+          </p:sp>
+          <p:sp>
+            <p:nvSpPr>
+              <p:cNvPr id="58" name="TextBox 57">
+                <a:extLst>
+                  <a:ext uri="{FF2B5EF4-FFF2-40B4-BE49-F238E27FC236}">
+                    <a16:creationId xmlns:a16="http://schemas.microsoft.com/office/drawing/2014/main" id="{BC62C213-3F66-C23C-A4B0-93B0FA469B61}"/>
+                  </a:ext>
+                </a:extLst>
+              </p:cNvPr>
+              <p:cNvSpPr txBox="1"/>
+              <p:nvPr/>
+            </p:nvSpPr>
+            <p:spPr>
+              <a:xfrm>
+                <a:off x="3629805" y="5186902"/>
+                <a:ext cx="421590" cy="259302"/>
+              </a:xfrm>
+              <a:prstGeom prst="rect">
+                <a:avLst/>
+              </a:prstGeom>
+              <a:noFill/>
+            </p:spPr>
+            <p:txBody>
+              <a:bodyPr wrap="none" lIns="0" tIns="0" rIns="0" bIns="0" rtlCol="0" anchor="ctr" anchorCtr="0">
+                <a:spAutoFit/>
+              </a:bodyPr>
+              <a:lstStyle/>
+              <a:p>
+                <a:pPr>
+                  <a:spcAft>
+                    <a:spcPts val="101"/>
+                  </a:spcAft>
+                </a:pPr>
+                <a:r>
+                  <a:rPr lang="ko-KR" altLang="en-US" sz="801" dirty="0">
+                    <a:latin typeface="Noto Sans KR" panose="020B0200000000000000" pitchFamily="50" charset="-127"/>
+                    <a:ea typeface="Noto Sans KR" panose="020B0200000000000000" pitchFamily="50" charset="-127"/>
+                    <a:cs typeface="Pretendard Variable Medium" panose="02000003000000020004" pitchFamily="2" charset="-127"/>
+                  </a:rPr>
+                  <a:t>최소 </a:t>
+                </a:r>
+                <a:r>
+                  <a:rPr lang="en-US" altLang="ko-KR" sz="801" dirty="0">
+                    <a:latin typeface="Noto Sans KR" panose="020B0200000000000000" pitchFamily="50" charset="-127"/>
+                    <a:ea typeface="Noto Sans KR" panose="020B0200000000000000" pitchFamily="50" charset="-127"/>
+                    <a:cs typeface="Pretendard Variable Medium" panose="02000003000000020004" pitchFamily="2" charset="-127"/>
+                  </a:rPr>
+                  <a:t>6m</a:t>
+                </a:r>
+              </a:p>
+              <a:p>
+                <a:pPr>
+                  <a:spcAft>
+                    <a:spcPts val="101"/>
+                  </a:spcAft>
+                </a:pPr>
+                <a:r>
+                  <a:rPr lang="ko-KR" altLang="en-US" sz="801" dirty="0">
+                    <a:latin typeface="Noto Sans KR" panose="020B0200000000000000" pitchFamily="50" charset="-127"/>
+                    <a:ea typeface="Noto Sans KR" panose="020B0200000000000000" pitchFamily="50" charset="-127"/>
+                    <a:cs typeface="Pretendard Variable Medium" panose="02000003000000020004" pitchFamily="2" charset="-127"/>
+                  </a:rPr>
+                  <a:t>최대 </a:t>
+                </a:r>
+                <a:r>
+                  <a:rPr lang="en-US" altLang="ko-KR" sz="801" dirty="0">
+                    <a:latin typeface="Noto Sans KR" panose="020B0200000000000000" pitchFamily="50" charset="-127"/>
+                    <a:ea typeface="Noto Sans KR" panose="020B0200000000000000" pitchFamily="50" charset="-127"/>
+                    <a:cs typeface="Pretendard Variable Medium" panose="02000003000000020004" pitchFamily="2" charset="-127"/>
+                  </a:rPr>
+                  <a:t>18m</a:t>
+                </a:r>
+              </a:p>
+            </p:txBody>
+          </p:sp>
+        </p:grpSp>
+        <p:sp>
+          <p:nvSpPr>
+            <p:cNvPr id="56" name="TextBox 55">
+              <a:extLst>
+                <a:ext uri="{FF2B5EF4-FFF2-40B4-BE49-F238E27FC236}">
+                  <a16:creationId xmlns:a16="http://schemas.microsoft.com/office/drawing/2014/main" id="{30A14268-630F-3FC5-B13F-2A0ED3522442}"/>
                 </a:ext>
               </a:extLst>
             </p:cNvPr>
@@ -10155,22 +10610,21 @@
           </p:nvSpPr>
           <p:spPr>
             <a:xfrm>
-              <a:off x="1317048" y="5763693"/>
-              <a:ext cx="1346192" cy="370473"/>
+              <a:off x="3328932" y="4782280"/>
+              <a:ext cx="1023337" cy="370473"/>
             </a:xfrm>
             <a:prstGeom prst="rect">
               <a:avLst/>
             </a:prstGeom>
             <a:solidFill>
-              <a:schemeClr val="bg1">
-                <a:lumMod val="50000"/>
+              <a:schemeClr val="tx2">
+                <a:lumMod val="10000"/>
+                <a:lumOff val="90000"/>
               </a:schemeClr>
             </a:solidFill>
             <a:ln w="6350">
               <a:solidFill>
-                <a:schemeClr val="bg1">
-                  <a:lumMod val="75000"/>
-                </a:schemeClr>
+                <a:srgbClr val="0070C0"/>
               </a:solidFill>
             </a:ln>
           </p:spPr>
@@ -10196,28 +10650,25 @@
             <a:p>
               <a:pPr algn="ctr"/>
               <a:r>
-                <a:rPr lang="en-US" altLang="ko-KR" sz="801" b="1" dirty="0">
+                <a:rPr lang="ko-KR" altLang="en-US" sz="801" b="1" dirty="0">
                   <a:solidFill>
-                    <a:schemeClr val="bg1"/>
+                    <a:sysClr val="windowText" lastClr="000000"/>
                   </a:solidFill>
                 </a:rPr>
-                <a:t>{dmg_2} ~ {dmg_4}</a:t>
+                <a:t>지점 설정</a:t>
               </a:r>
-              <a:r>
-                <a:rPr lang="en-US" altLang="ko-KR" sz="801" dirty="0">
-                  <a:solidFill>
-                    <a:schemeClr val="bg1"/>
-                  </a:solidFill>
-                </a:rPr>
-                <a:t> </a:t>
-              </a:r>
+              <a:endParaRPr lang="en-US" altLang="ko-KR" sz="801" dirty="0">
+                <a:solidFill>
+                  <a:sysClr val="windowText" lastClr="000000"/>
+                </a:solidFill>
+              </a:endParaRPr>
             </a:p>
             <a:p>
               <a:pPr algn="ctr"/>
               <a:r>
                 <a:rPr lang="en-US" altLang="ko-KR" sz="801" dirty="0">
                   <a:solidFill>
-                    <a:schemeClr val="bg1"/>
+                    <a:sysClr val="windowText" lastClr="000000"/>
                   </a:solidFill>
                 </a:rPr>
                 <a:t>(</a:t>
@@ -10225,15 +10676,15 @@
               <a:r>
                 <a:rPr lang="ko-KR" altLang="en-US" sz="801" dirty="0">
                   <a:solidFill>
-                    <a:schemeClr val="bg1"/>
+                    <a:sysClr val="windowText" lastClr="000000"/>
                   </a:solidFill>
                 </a:rPr>
-                <a:t>폭발 공격 범위</a:t>
+                <a:t>시전 가능 거리</a:t>
               </a:r>
               <a:r>
                 <a:rPr lang="en-US" altLang="ko-KR" sz="801" dirty="0">
                   <a:solidFill>
-                    <a:schemeClr val="bg1"/>
+                    <a:sysClr val="windowText" lastClr="000000"/>
                   </a:solidFill>
                 </a:rPr>
                 <a:t>)</a:t>
@@ -10241,12 +10692,33 @@
             </a:p>
           </p:txBody>
         </p:sp>
+      </p:grpSp>
+      <p:grpSp>
+        <p:nvGrpSpPr>
+          <p:cNvPr id="19" name="그룹 18">
+            <a:extLst>
+              <a:ext uri="{FF2B5EF4-FFF2-40B4-BE49-F238E27FC236}">
+                <a16:creationId xmlns:a16="http://schemas.microsoft.com/office/drawing/2014/main" id="{1C994E92-CF99-976E-11A1-C5509B85C6F7}"/>
+              </a:ext>
+            </a:extLst>
+          </p:cNvPr>
+          <p:cNvGrpSpPr/>
+          <p:nvPr/>
+        </p:nvGrpSpPr>
+        <p:grpSpPr>
+          <a:xfrm>
+            <a:off x="3328932" y="5829390"/>
+            <a:ext cx="1346192" cy="698073"/>
+            <a:chOff x="3328932" y="5829390"/>
+            <a:chExt cx="1346192" cy="698073"/>
+          </a:xfrm>
+        </p:grpSpPr>
         <p:sp>
           <p:nvSpPr>
             <p:cNvPr id="31" name="직사각형 30">
               <a:extLst>
                 <a:ext uri="{FF2B5EF4-FFF2-40B4-BE49-F238E27FC236}">
-                  <a16:creationId xmlns:a16="http://schemas.microsoft.com/office/drawing/2014/main" id="{EA371232-C010-B2D9-7DE2-A0386BD5821C}"/>
+                  <a16:creationId xmlns:a16="http://schemas.microsoft.com/office/drawing/2014/main" id="{0D2AC0FC-90D8-DA2A-E0BA-72FBE7AB5416}"/>
                 </a:ext>
               </a:extLst>
             </p:cNvPr>
@@ -10255,7 +10727,7 @@
           </p:nvSpPr>
           <p:spPr>
             <a:xfrm flipH="1">
-              <a:off x="1317048" y="6134166"/>
+              <a:off x="3328932" y="6199863"/>
               <a:ext cx="1346192" cy="327600"/>
             </a:xfrm>
             <a:prstGeom prst="rect">
@@ -10298,7 +10770,7 @@
             <p:cNvPr id="32" name="TextBox 31">
               <a:extLst>
                 <a:ext uri="{FF2B5EF4-FFF2-40B4-BE49-F238E27FC236}">
-                  <a16:creationId xmlns:a16="http://schemas.microsoft.com/office/drawing/2014/main" id="{9F37C112-67F5-2491-ECFF-E9D7E65B9C8A}"/>
+                  <a16:creationId xmlns:a16="http://schemas.microsoft.com/office/drawing/2014/main" id="{0C0661F0-1173-88E7-2854-6658A2144DA3}"/>
                 </a:ext>
               </a:extLst>
             </p:cNvPr>
@@ -10307,8 +10779,8 @@
           </p:nvSpPr>
           <p:spPr>
             <a:xfrm>
-              <a:off x="1706413" y="6236346"/>
-              <a:ext cx="567463" cy="123239"/>
+              <a:off x="3718297" y="6302043"/>
+              <a:ext cx="509755" cy="123239"/>
             </a:xfrm>
             <a:prstGeom prst="rect">
               <a:avLst/>
@@ -10340,325 +10812,112 @@
                   <a:ea typeface="Noto Sans KR" panose="020B0200000000000000" pitchFamily="50" charset="-127"/>
                   <a:cs typeface="Pretendard Variable Medium" panose="02000003000000020004" pitchFamily="2" charset="-127"/>
                 </a:rPr>
-                <a:t>: 15m</a:t>
+                <a:t>: 7m</a:t>
+              </a:r>
+            </a:p>
+          </p:txBody>
+        </p:sp>
+        <p:sp>
+          <p:nvSpPr>
+            <p:cNvPr id="14" name="TextBox 13">
+              <a:extLst>
+                <a:ext uri="{FF2B5EF4-FFF2-40B4-BE49-F238E27FC236}">
+                  <a16:creationId xmlns:a16="http://schemas.microsoft.com/office/drawing/2014/main" id="{38649129-89D2-A8FB-57D2-E77142972FCF}"/>
+                </a:ext>
+              </a:extLst>
+            </p:cNvPr>
+            <p:cNvSpPr txBox="1"/>
+            <p:nvPr/>
+          </p:nvSpPr>
+          <p:spPr>
+            <a:xfrm>
+              <a:off x="3328932" y="5829390"/>
+              <a:ext cx="1346192" cy="370473"/>
+            </a:xfrm>
+            <a:prstGeom prst="rect">
+              <a:avLst/>
+            </a:prstGeom>
+            <a:solidFill>
+              <a:srgbClr val="FFFF00"/>
+            </a:solidFill>
+            <a:ln w="6350">
+              <a:solidFill>
+                <a:srgbClr val="FF0000"/>
+              </a:solidFill>
+            </a:ln>
+          </p:spPr>
+          <p:txBody>
+            <a:bodyPr wrap="square" lIns="0" tIns="35998" rIns="0" bIns="35998" rtlCol="0" anchor="ctr" anchorCtr="0">
+              <a:spAutoFit/>
+            </a:bodyPr>
+            <a:lstStyle>
+              <a:defPPr>
+                <a:defRPr lang="ko-KR"/>
+              </a:defPPr>
+              <a:lvl1pPr>
+                <a:spcAft>
+                  <a:spcPts val="400"/>
+                </a:spcAft>
+                <a:defRPr sz="800">
+                  <a:latin typeface="Noto Sans KR" panose="020B0200000000000000" pitchFamily="50" charset="-127"/>
+                  <a:ea typeface="Noto Sans KR" panose="020B0200000000000000" pitchFamily="50" charset="-127"/>
+                  <a:cs typeface="Pretendard Variable Medium" panose="02000003000000020004" pitchFamily="2" charset="-127"/>
+                </a:defRPr>
+              </a:lvl1pPr>
+            </a:lstStyle>
+            <a:p>
+              <a:pPr algn="ctr"/>
+              <a:r>
+                <a:rPr lang="en-US" altLang="ko-KR" sz="801" b="1" dirty="0">
+                  <a:solidFill>
+                    <a:sysClr val="windowText" lastClr="000000"/>
+                  </a:solidFill>
+                </a:rPr>
+                <a:t>{dmg_2} ~ {dmg_4}</a:t>
+              </a:r>
+              <a:r>
+                <a:rPr lang="en-US" altLang="ko-KR" sz="801" dirty="0">
+                  <a:solidFill>
+                    <a:sysClr val="windowText" lastClr="000000"/>
+                  </a:solidFill>
+                </a:rPr>
+                <a:t> </a:t>
+              </a:r>
+            </a:p>
+            <a:p>
+              <a:pPr algn="ctr"/>
+              <a:r>
+                <a:rPr lang="en-US" altLang="ko-KR" sz="801" dirty="0">
+                  <a:solidFill>
+                    <a:sysClr val="windowText" lastClr="000000"/>
+                  </a:solidFill>
+                </a:rPr>
+                <a:t>(</a:t>
+              </a:r>
+              <a:r>
+                <a:rPr lang="ko-KR" altLang="en-US" sz="801" dirty="0">
+                  <a:solidFill>
+                    <a:sysClr val="windowText" lastClr="000000"/>
+                  </a:solidFill>
+                </a:rPr>
+                <a:t>폭발 공격 범위</a:t>
+              </a:r>
+              <a:r>
+                <a:rPr lang="en-US" altLang="ko-KR" sz="801" dirty="0">
+                  <a:solidFill>
+                    <a:sysClr val="windowText" lastClr="000000"/>
+                  </a:solidFill>
+                </a:rPr>
+                <a:t>)</a:t>
               </a:r>
             </a:p>
           </p:txBody>
         </p:sp>
       </p:grpSp>
-      <p:sp>
-        <p:nvSpPr>
-          <p:cNvPr id="33" name="TextBox 32">
-            <a:extLst>
-              <a:ext uri="{FF2B5EF4-FFF2-40B4-BE49-F238E27FC236}">
-                <a16:creationId xmlns:a16="http://schemas.microsoft.com/office/drawing/2014/main" id="{81E24A90-9005-2C47-CAAC-868CBFA0810C}"/>
-              </a:ext>
-            </a:extLst>
-          </p:cNvPr>
-          <p:cNvSpPr txBox="1"/>
-          <p:nvPr/>
-        </p:nvSpPr>
-        <p:spPr>
-          <a:xfrm>
-            <a:off x="8666081" y="3729689"/>
-            <a:ext cx="2421138" cy="692497"/>
-          </a:xfrm>
-          <a:prstGeom prst="rect">
-            <a:avLst/>
-          </a:prstGeom>
-          <a:noFill/>
-        </p:spPr>
-        <p:txBody>
-          <a:bodyPr wrap="square" lIns="0" tIns="0" rIns="0" bIns="0" rtlCol="0">
-            <a:spAutoFit/>
-          </a:bodyPr>
-          <a:lstStyle>
-            <a:defPPr>
-              <a:defRPr lang="ko-KR"/>
-            </a:defPPr>
-            <a:lvl1pPr>
-              <a:defRPr sz="1200" b="1">
-                <a:latin typeface="Noto Sans KR" panose="020B0200000000000000" pitchFamily="50" charset="-127"/>
-                <a:ea typeface="Noto Sans KR" panose="020B0200000000000000" pitchFamily="50" charset="-127"/>
-              </a:defRPr>
-            </a:lvl1pPr>
-          </a:lstStyle>
-          <a:p>
-            <a:pPr marL="171450" indent="-171450">
-              <a:spcAft>
-                <a:spcPts val="200"/>
-              </a:spcAft>
-              <a:buFontTx/>
-              <a:buChar char="-"/>
-            </a:pPr>
-            <a:r>
-              <a:rPr lang="ko-KR" altLang="en-US" sz="1000" b="0" dirty="0">
-                <a:solidFill>
-                  <a:srgbClr val="FF0000"/>
-                </a:solidFill>
-              </a:rPr>
-              <a:t>최대 사거리 </a:t>
-            </a:r>
-            <a:r>
-              <a:rPr lang="en-US" altLang="ko-KR" sz="1000" b="0" dirty="0">
-                <a:solidFill>
-                  <a:srgbClr val="FF0000"/>
-                </a:solidFill>
-              </a:rPr>
-              <a:t>: 18m</a:t>
-            </a:r>
-          </a:p>
-          <a:p>
-            <a:pPr marL="171450" indent="-171450">
-              <a:spcAft>
-                <a:spcPts val="200"/>
-              </a:spcAft>
-              <a:buFontTx/>
-              <a:buChar char="-"/>
-            </a:pPr>
-            <a:r>
-              <a:rPr lang="ko-KR" altLang="en-US" sz="1000" b="0" dirty="0">
-                <a:solidFill>
-                  <a:srgbClr val="FF0000"/>
-                </a:solidFill>
-              </a:rPr>
-              <a:t>최소 사거리 </a:t>
-            </a:r>
-            <a:r>
-              <a:rPr lang="en-US" altLang="ko-KR" sz="1000" b="0" dirty="0">
-                <a:solidFill>
-                  <a:srgbClr val="FF0000"/>
-                </a:solidFill>
-              </a:rPr>
-              <a:t>: 6m    (</a:t>
-            </a:r>
-            <a:r>
-              <a:rPr lang="ko-KR" altLang="en-US" sz="1000" b="0" dirty="0">
-                <a:solidFill>
-                  <a:srgbClr val="FF0000"/>
-                </a:solidFill>
-              </a:rPr>
-              <a:t>표시 있어야 함</a:t>
-            </a:r>
-            <a:r>
-              <a:rPr lang="en-US" altLang="ko-KR" sz="1000" b="0" dirty="0">
-                <a:solidFill>
-                  <a:srgbClr val="FF0000"/>
-                </a:solidFill>
-              </a:rPr>
-              <a:t>)</a:t>
-            </a:r>
-          </a:p>
-          <a:p>
-            <a:pPr marL="171450" indent="-171450">
-              <a:spcAft>
-                <a:spcPts val="200"/>
-              </a:spcAft>
-              <a:buFontTx/>
-              <a:buChar char="-"/>
-            </a:pPr>
-            <a:r>
-              <a:rPr lang="ko-KR" altLang="en-US" sz="1000" b="0" dirty="0">
-                <a:solidFill>
-                  <a:srgbClr val="FF0000"/>
-                </a:solidFill>
-              </a:rPr>
-              <a:t>공격 범위 반지름 </a:t>
-            </a:r>
-            <a:r>
-              <a:rPr lang="en-US" altLang="ko-KR" sz="1000" b="0" dirty="0">
-                <a:solidFill>
-                  <a:srgbClr val="FF0000"/>
-                </a:solidFill>
-              </a:rPr>
-              <a:t>:</a:t>
-            </a:r>
-            <a:r>
-              <a:rPr lang="ko-KR" altLang="en-US" sz="1000" b="0" dirty="0">
-                <a:solidFill>
-                  <a:srgbClr val="FF0000"/>
-                </a:solidFill>
-              </a:rPr>
-              <a:t> </a:t>
-            </a:r>
-            <a:r>
-              <a:rPr lang="en-US" altLang="ko-KR" sz="1000" b="0" dirty="0">
-                <a:solidFill>
-                  <a:srgbClr val="FF0000"/>
-                </a:solidFill>
-              </a:rPr>
-              <a:t>7m</a:t>
-            </a:r>
-          </a:p>
-          <a:p>
-            <a:pPr marL="171450" indent="-171450">
-              <a:spcAft>
-                <a:spcPts val="200"/>
-              </a:spcAft>
-              <a:buFontTx/>
-              <a:buChar char="-"/>
-            </a:pPr>
-            <a:endParaRPr lang="en-US" altLang="ko-KR" sz="1000" b="0" dirty="0">
-              <a:solidFill>
-                <a:srgbClr val="FF0000"/>
-              </a:solidFill>
-            </a:endParaRPr>
-          </a:p>
-        </p:txBody>
-      </p:sp>
-      <p:sp>
-        <p:nvSpPr>
-          <p:cNvPr id="34" name="타원 33">
-            <a:extLst>
-              <a:ext uri="{FF2B5EF4-FFF2-40B4-BE49-F238E27FC236}">
-                <a16:creationId xmlns:a16="http://schemas.microsoft.com/office/drawing/2014/main" id="{6E919BAD-938F-8632-040A-97629A9B8324}"/>
-              </a:ext>
-            </a:extLst>
-          </p:cNvPr>
-          <p:cNvSpPr/>
-          <p:nvPr/>
-        </p:nvSpPr>
-        <p:spPr>
-          <a:xfrm>
-            <a:off x="8788824" y="4422186"/>
-            <a:ext cx="2160000" cy="2160000"/>
-          </a:xfrm>
-          <a:prstGeom prst="ellipse">
-            <a:avLst/>
-          </a:prstGeom>
-        </p:spPr>
-        <p:style>
-          <a:lnRef idx="2">
-            <a:schemeClr val="accent1">
-              <a:shade val="15000"/>
-            </a:schemeClr>
-          </a:lnRef>
-          <a:fillRef idx="1">
-            <a:schemeClr val="accent1"/>
-          </a:fillRef>
-          <a:effectRef idx="0">
-            <a:schemeClr val="accent1"/>
-          </a:effectRef>
-          <a:fontRef idx="minor">
-            <a:schemeClr val="lt1"/>
-          </a:fontRef>
-        </p:style>
-        <p:txBody>
-          <a:bodyPr rtlCol="0" anchor="ctr"/>
-          <a:lstStyle/>
-          <a:p>
-            <a:pPr algn="ctr"/>
-            <a:endParaRPr lang="ko-KR" altLang="en-US"/>
-          </a:p>
-        </p:txBody>
-      </p:sp>
-      <p:sp>
-        <p:nvSpPr>
-          <p:cNvPr id="36" name="타원 35">
-            <a:extLst>
-              <a:ext uri="{FF2B5EF4-FFF2-40B4-BE49-F238E27FC236}">
-                <a16:creationId xmlns:a16="http://schemas.microsoft.com/office/drawing/2014/main" id="{6EB4B246-AC49-C444-CF31-8E13CF6682CD}"/>
-              </a:ext>
-            </a:extLst>
-          </p:cNvPr>
-          <p:cNvSpPr/>
-          <p:nvPr/>
-        </p:nvSpPr>
-        <p:spPr>
-          <a:xfrm>
-            <a:off x="9508824" y="5142186"/>
-            <a:ext cx="720000" cy="720000"/>
-          </a:xfrm>
-          <a:prstGeom prst="ellipse">
-            <a:avLst/>
-          </a:prstGeom>
-          <a:solidFill>
-            <a:schemeClr val="accent1">
-              <a:lumMod val="20000"/>
-              <a:lumOff val="80000"/>
-            </a:schemeClr>
-          </a:solidFill>
-        </p:spPr>
-        <p:style>
-          <a:lnRef idx="2">
-            <a:schemeClr val="accent1">
-              <a:shade val="15000"/>
-            </a:schemeClr>
-          </a:lnRef>
-          <a:fillRef idx="1">
-            <a:schemeClr val="accent1"/>
-          </a:fillRef>
-          <a:effectRef idx="0">
-            <a:schemeClr val="accent1"/>
-          </a:effectRef>
-          <a:fontRef idx="minor">
-            <a:schemeClr val="lt1"/>
-          </a:fontRef>
-        </p:style>
-        <p:txBody>
-          <a:bodyPr rtlCol="0" anchor="ctr"/>
-          <a:lstStyle/>
-          <a:p>
-            <a:pPr algn="ctr"/>
-            <a:endParaRPr lang="ko-KR" altLang="en-US"/>
-          </a:p>
-        </p:txBody>
-      </p:sp>
-      <p:sp>
-        <p:nvSpPr>
-          <p:cNvPr id="42" name="TextBox 41">
-            <a:extLst>
-              <a:ext uri="{FF2B5EF4-FFF2-40B4-BE49-F238E27FC236}">
-                <a16:creationId xmlns:a16="http://schemas.microsoft.com/office/drawing/2014/main" id="{B70DAAF0-3ED8-987E-CCE2-2041F6240A9D}"/>
-              </a:ext>
-            </a:extLst>
-          </p:cNvPr>
-          <p:cNvSpPr txBox="1"/>
-          <p:nvPr/>
-        </p:nvSpPr>
-        <p:spPr>
-          <a:xfrm>
-            <a:off x="9556239" y="5440631"/>
-            <a:ext cx="625171" cy="123111"/>
-          </a:xfrm>
-          <a:prstGeom prst="rect">
-            <a:avLst/>
-          </a:prstGeom>
-          <a:noFill/>
-        </p:spPr>
-        <p:txBody>
-          <a:bodyPr wrap="none" lIns="0" tIns="0" rIns="0" bIns="0" rtlCol="0">
-            <a:spAutoFit/>
-          </a:bodyPr>
-          <a:lstStyle>
-            <a:defPPr>
-              <a:defRPr lang="ko-KR"/>
-            </a:defPPr>
-            <a:lvl1pPr>
-              <a:defRPr sz="1200" b="1">
-                <a:latin typeface="Noto Sans KR" panose="020B0200000000000000" pitchFamily="50" charset="-127"/>
-                <a:ea typeface="Noto Sans KR" panose="020B0200000000000000" pitchFamily="50" charset="-127"/>
-              </a:defRPr>
-            </a:lvl1pPr>
-          </a:lstStyle>
-          <a:p>
-            <a:pPr>
-              <a:spcAft>
-                <a:spcPts val="200"/>
-              </a:spcAft>
-            </a:pPr>
-            <a:r>
-              <a:rPr lang="ko-KR" altLang="en-US" sz="800" b="0" dirty="0"/>
-              <a:t>최소 시전 거리</a:t>
-            </a:r>
-            <a:endParaRPr lang="en-US" altLang="ko-KR" sz="800" b="0" dirty="0"/>
-          </a:p>
-        </p:txBody>
-      </p:sp>
     </p:spTree>
     <p:extLst>
       <p:ext uri="{BB962C8B-B14F-4D97-AF65-F5344CB8AC3E}">
-        <p14:creationId xmlns:p14="http://schemas.microsoft.com/office/powerpoint/2010/main" val="3381485364"/>
+        <p14:creationId xmlns:p14="http://schemas.microsoft.com/office/powerpoint/2010/main" val="3182457416"/>
       </p:ext>
     </p:extLst>
   </p:cSld>
@@ -17363,8 +17622,8 @@
         </p:nvGrpSpPr>
         <p:grpSpPr>
           <a:xfrm>
-            <a:off x="189102" y="590388"/>
-            <a:ext cx="11810811" cy="2819252"/>
+            <a:off x="189102" y="1741781"/>
+            <a:ext cx="11810811" cy="3101177"/>
             <a:chOff x="189102" y="775286"/>
             <a:chExt cx="11810811" cy="2819252"/>
           </a:xfrm>
@@ -17767,7 +18026,7 @@
           </p:style>
           <p:txBody>
             <a:bodyPr wrap="square" lIns="108000" tIns="0" rIns="0" bIns="0" rtlCol="0" anchor="ctr" anchorCtr="0">
-              <a:normAutofit lnSpcReduction="10000"/>
+              <a:normAutofit/>
             </a:bodyPr>
             <a:lstStyle/>
             <a:p>
@@ -29221,7 +29480,7 @@
             </p:style>
             <p:txBody>
               <a:bodyPr lIns="0" tIns="0" rIns="0" bIns="0" rtlCol="0" anchor="b">
-                <a:normAutofit lnSpcReduction="10000"/>
+                <a:normAutofit/>
               </a:bodyPr>
               <a:lstStyle/>
               <a:p>
@@ -30247,12 +30506,48 @@
           </p:txBody>
         </p:sp>
       </p:grpSp>
+    </p:spTree>
+    <p:extLst>
+      <p:ext uri="{BB962C8B-B14F-4D97-AF65-F5344CB8AC3E}">
+        <p14:creationId xmlns:p14="http://schemas.microsoft.com/office/powerpoint/2010/main" val="3038748224"/>
+      </p:ext>
+    </p:extLst>
+  </p:cSld>
+  <p:clrMapOvr>
+    <a:masterClrMapping/>
+  </p:clrMapOvr>
+</p:sld>
+</file>
+
+<file path=ppt/slides/slide4.xml><?xml version="1.0" encoding="utf-8"?>
+<p:sld xmlns:a="http://schemas.openxmlformats.org/drawingml/2006/main" xmlns:r="http://schemas.openxmlformats.org/officeDocument/2006/relationships" xmlns:p="http://schemas.openxmlformats.org/presentationml/2006/main">
+  <p:cSld>
+    <p:spTree>
+      <p:nvGrpSpPr>
+        <p:cNvPr id="1" name="">
+          <a:extLst>
+            <a:ext uri="{FF2B5EF4-FFF2-40B4-BE49-F238E27FC236}">
+              <a16:creationId xmlns:a16="http://schemas.microsoft.com/office/drawing/2014/main" id="{0BBE6F67-3DE3-8BEF-E422-8E2AE0ECAC62}"/>
+            </a:ext>
+          </a:extLst>
+        </p:cNvPr>
+        <p:cNvGrpSpPr/>
+        <p:nvPr/>
+      </p:nvGrpSpPr>
+      <p:grpSpPr>
+        <a:xfrm>
+          <a:off x="0" y="0"/>
+          <a:ext cx="0" cy="0"/>
+          <a:chOff x="0" y="0"/>
+          <a:chExt cx="0" cy="0"/>
+        </a:xfrm>
+      </p:grpSpPr>
       <p:grpSp>
         <p:nvGrpSpPr>
           <p:cNvPr id="1692" name="그룹 1691">
             <a:extLst>
               <a:ext uri="{FF2B5EF4-FFF2-40B4-BE49-F238E27FC236}">
-                <a16:creationId xmlns:a16="http://schemas.microsoft.com/office/drawing/2014/main" id="{253E45B3-234F-CEAB-884B-0225C9E97F5E}"/>
+                <a16:creationId xmlns:a16="http://schemas.microsoft.com/office/drawing/2014/main" id="{DCCF965E-18D8-6ED1-A9E3-A9FB6CEA0EDD}"/>
               </a:ext>
             </a:extLst>
           </p:cNvPr>
@@ -30261,7 +30556,7 @@
         </p:nvGrpSpPr>
         <p:grpSpPr>
           <a:xfrm>
-            <a:off x="192088" y="3727097"/>
+            <a:off x="192088" y="158946"/>
             <a:ext cx="11807825" cy="402775"/>
             <a:chOff x="192088" y="54772"/>
             <a:chExt cx="11807825" cy="402775"/>
@@ -30272,7 +30567,7 @@
             <p:cNvPr id="1693" name="그룹 1692">
               <a:extLst>
                 <a:ext uri="{FF2B5EF4-FFF2-40B4-BE49-F238E27FC236}">
-                  <a16:creationId xmlns:a16="http://schemas.microsoft.com/office/drawing/2014/main" id="{957E55A9-80E9-357F-3E7C-21929F95DE37}"/>
+                  <a16:creationId xmlns:a16="http://schemas.microsoft.com/office/drawing/2014/main" id="{D755A14D-6D19-5ABD-FE51-5B8A0BD5EF18}"/>
                 </a:ext>
               </a:extLst>
             </p:cNvPr>
@@ -30292,7 +30587,7 @@
               <p:cNvPr id="1695" name="TextBox 1694">
                 <a:extLst>
                   <a:ext uri="{FF2B5EF4-FFF2-40B4-BE49-F238E27FC236}">
-                    <a16:creationId xmlns:a16="http://schemas.microsoft.com/office/drawing/2014/main" id="{DECF3711-26EB-E549-55D7-485848A59F2E}"/>
+                    <a16:creationId xmlns:a16="http://schemas.microsoft.com/office/drawing/2014/main" id="{8702846F-ADC5-AECE-8F06-F07442CB81A0}"/>
                   </a:ext>
                 </a:extLst>
               </p:cNvPr>
@@ -30356,7 +30651,7 @@
               <p:cNvPr id="1696" name="직선 연결선 1695">
                 <a:extLst>
                   <a:ext uri="{FF2B5EF4-FFF2-40B4-BE49-F238E27FC236}">
-                    <a16:creationId xmlns:a16="http://schemas.microsoft.com/office/drawing/2014/main" id="{D4B1F074-CCA1-2EF9-72D1-67EC439259FB}"/>
+                    <a16:creationId xmlns:a16="http://schemas.microsoft.com/office/drawing/2014/main" id="{105B63C9-D7F4-A886-A01A-0B1383278FDA}"/>
                   </a:ext>
                 </a:extLst>
               </p:cNvPr>
@@ -30403,7 +30698,7 @@
             <p:cNvPr id="1694" name="타원 1693">
               <a:extLst>
                 <a:ext uri="{FF2B5EF4-FFF2-40B4-BE49-F238E27FC236}">
-                  <a16:creationId xmlns:a16="http://schemas.microsoft.com/office/drawing/2014/main" id="{A3285766-516D-618D-CDFA-2A45685476F4}"/>
+                  <a16:creationId xmlns:a16="http://schemas.microsoft.com/office/drawing/2014/main" id="{5E439862-25AB-0F5C-749B-1C8D5863B1DF}"/>
                 </a:ext>
               </a:extLst>
             </p:cNvPr>
@@ -30460,7 +30755,7 @@
           <p:cNvPr id="1697" name="표 1696">
             <a:extLst>
               <a:ext uri="{FF2B5EF4-FFF2-40B4-BE49-F238E27FC236}">
-                <a16:creationId xmlns:a16="http://schemas.microsoft.com/office/drawing/2014/main" id="{095D429A-2F11-62F5-95E9-7DE748CD90F2}"/>
+                <a16:creationId xmlns:a16="http://schemas.microsoft.com/office/drawing/2014/main" id="{6403611D-40B7-7938-AFD2-AE92C9C348D3}"/>
               </a:ext>
             </a:extLst>
           </p:cNvPr>
@@ -30470,14 +30765,14 @@
           <p:nvPr>
             <p:extLst>
               <p:ext uri="{D42A27DB-BD31-4B8C-83A1-F6EECF244321}">
-                <p14:modId xmlns:p14="http://schemas.microsoft.com/office/powerpoint/2010/main" val="869636747"/>
+                <p14:modId xmlns:p14="http://schemas.microsoft.com/office/powerpoint/2010/main" val="1178095953"/>
               </p:ext>
             </p:extLst>
           </p:nvPr>
         </p:nvGraphicFramePr>
         <p:xfrm>
-          <a:off x="192088" y="4174871"/>
-          <a:ext cx="11799284" cy="2534400"/>
+          <a:off x="192088" y="1827000"/>
+          <a:ext cx="11799284" cy="3204000"/>
         </p:xfrm>
         <a:graphic>
           <a:graphicData uri="http://schemas.openxmlformats.org/drawingml/2006/table">
@@ -30550,7 +30845,7 @@
                   </a:extLst>
                 </a:gridCol>
               </a:tblGrid>
-              <a:tr h="266400">
+              <a:tr h="288000">
                 <a:tc>
                   <a:txBody>
                     <a:bodyPr/>
@@ -31400,7 +31695,7 @@
                   </a:ext>
                 </a:extLst>
               </a:tr>
-              <a:tr h="252000">
+              <a:tr h="324000">
                 <a:tc>
                   <a:txBody>
                     <a:bodyPr/>
@@ -32133,7 +32428,7 @@
                   </a:ext>
                 </a:extLst>
               </a:tr>
-              <a:tr h="252000">
+              <a:tr h="324000">
                 <a:tc>
                   <a:txBody>
                     <a:bodyPr/>
@@ -32890,7 +33185,7 @@
                   </a:ext>
                 </a:extLst>
               </a:tr>
-              <a:tr h="252000">
+              <a:tr h="324000">
                 <a:tc>
                   <a:txBody>
                     <a:bodyPr/>
@@ -33664,7 +33959,7 @@
                   </a:ext>
                 </a:extLst>
               </a:tr>
-              <a:tr h="252000">
+              <a:tr h="324000">
                 <a:tc>
                   <a:txBody>
                     <a:bodyPr/>
@@ -34532,7 +34827,7 @@
                   </a:ext>
                 </a:extLst>
               </a:tr>
-              <a:tr h="252000">
+              <a:tr h="324000">
                 <a:tc>
                   <a:txBody>
                     <a:bodyPr/>
@@ -35399,7 +35694,7 @@
                   </a:ext>
                 </a:extLst>
               </a:tr>
-              <a:tr h="252000">
+              <a:tr h="324000">
                 <a:tc>
                   <a:txBody>
                     <a:bodyPr/>
@@ -36301,7 +36596,7 @@
                   </a:ext>
                 </a:extLst>
               </a:tr>
-              <a:tr h="252000">
+              <a:tr h="324000">
                 <a:tc>
                   <a:txBody>
                     <a:bodyPr/>
@@ -37185,7 +37480,7 @@
                   </a:ext>
                 </a:extLst>
               </a:tr>
-              <a:tr h="252000">
+              <a:tr h="324000">
                 <a:tc>
                   <a:txBody>
                     <a:bodyPr/>
@@ -37959,7 +38254,7 @@
                   </a:ext>
                 </a:extLst>
               </a:tr>
-              <a:tr h="252000">
+              <a:tr h="324000">
                 <a:tc>
                   <a:txBody>
                     <a:bodyPr/>
@@ -38717,7 +39012,7 @@
     </p:spTree>
     <p:extLst>
       <p:ext uri="{BB962C8B-B14F-4D97-AF65-F5344CB8AC3E}">
-        <p14:creationId xmlns:p14="http://schemas.microsoft.com/office/powerpoint/2010/main" val="3038748224"/>
+        <p14:creationId xmlns:p14="http://schemas.microsoft.com/office/powerpoint/2010/main" val="4006341015"/>
       </p:ext>
     </p:extLst>
   </p:cSld>
@@ -38727,7 +39022,7 @@
 </p:sld>
 </file>
 
-<file path=ppt/slides/slide4.xml><?xml version="1.0" encoding="utf-8"?>
+<file path=ppt/slides/slide5.xml><?xml version="1.0" encoding="utf-8"?>
 <p:sld xmlns:a="http://schemas.openxmlformats.org/drawingml/2006/main" xmlns:r="http://schemas.openxmlformats.org/officeDocument/2006/relationships" xmlns:p="http://schemas.openxmlformats.org/presentationml/2006/main">
   <p:cSld>
     <p:spTree>

--- a/로스트아크/창술사 역기획/스킬/[1차 각성기] 연가창식 은하유성탄.pptx
+++ b/로스트아크/창술사 역기획/스킬/[1차 각성기] 연가창식 은하유성탄.pptx
@@ -232,7 +232,7 @@
           <a:p>
             <a:fld id="{5C3DAF4C-20C0-4A95-ABB7-DD59F513659F}" type="datetimeFigureOut">
               <a:rPr lang="ko-KR" altLang="en-US" smtClean="0"/>
-              <a:t>2025-07-24</a:t>
+              <a:t>2025-07-25</a:t>
             </a:fld>
             <a:endParaRPr lang="ko-KR" altLang="en-US"/>
           </a:p>
@@ -1078,7 +1078,7 @@
           <a:p>
             <a:fld id="{EF9BB6E4-2FC1-4730-B741-304BD3A4AD8B}" type="datetimeFigureOut">
               <a:rPr lang="ko-KR" altLang="en-US" smtClean="0"/>
-              <a:t>2025-07-24</a:t>
+              <a:t>2025-07-25</a:t>
             </a:fld>
             <a:endParaRPr lang="ko-KR" altLang="en-US"/>
           </a:p>
@@ -1276,7 +1276,7 @@
           <a:p>
             <a:fld id="{EF9BB6E4-2FC1-4730-B741-304BD3A4AD8B}" type="datetimeFigureOut">
               <a:rPr lang="ko-KR" altLang="en-US" smtClean="0"/>
-              <a:t>2025-07-24</a:t>
+              <a:t>2025-07-25</a:t>
             </a:fld>
             <a:endParaRPr lang="ko-KR" altLang="en-US"/>
           </a:p>
@@ -1484,7 +1484,7 @@
           <a:p>
             <a:fld id="{EF9BB6E4-2FC1-4730-B741-304BD3A4AD8B}" type="datetimeFigureOut">
               <a:rPr lang="ko-KR" altLang="en-US" smtClean="0"/>
-              <a:t>2025-07-24</a:t>
+              <a:t>2025-07-25</a:t>
             </a:fld>
             <a:endParaRPr lang="ko-KR" altLang="en-US"/>
           </a:p>
@@ -1682,7 +1682,7 @@
           <a:p>
             <a:fld id="{EF9BB6E4-2FC1-4730-B741-304BD3A4AD8B}" type="datetimeFigureOut">
               <a:rPr lang="ko-KR" altLang="en-US" smtClean="0"/>
-              <a:t>2025-07-24</a:t>
+              <a:t>2025-07-25</a:t>
             </a:fld>
             <a:endParaRPr lang="ko-KR" altLang="en-US"/>
           </a:p>
@@ -1957,7 +1957,7 @@
           <a:p>
             <a:fld id="{EF9BB6E4-2FC1-4730-B741-304BD3A4AD8B}" type="datetimeFigureOut">
               <a:rPr lang="ko-KR" altLang="en-US" smtClean="0"/>
-              <a:t>2025-07-24</a:t>
+              <a:t>2025-07-25</a:t>
             </a:fld>
             <a:endParaRPr lang="ko-KR" altLang="en-US"/>
           </a:p>
@@ -2222,7 +2222,7 @@
           <a:p>
             <a:fld id="{EF9BB6E4-2FC1-4730-B741-304BD3A4AD8B}" type="datetimeFigureOut">
               <a:rPr lang="ko-KR" altLang="en-US" smtClean="0"/>
-              <a:t>2025-07-24</a:t>
+              <a:t>2025-07-25</a:t>
             </a:fld>
             <a:endParaRPr lang="ko-KR" altLang="en-US"/>
           </a:p>
@@ -2634,7 +2634,7 @@
           <a:p>
             <a:fld id="{EF9BB6E4-2FC1-4730-B741-304BD3A4AD8B}" type="datetimeFigureOut">
               <a:rPr lang="ko-KR" altLang="en-US" smtClean="0"/>
-              <a:t>2025-07-24</a:t>
+              <a:t>2025-07-25</a:t>
             </a:fld>
             <a:endParaRPr lang="ko-KR" altLang="en-US"/>
           </a:p>
@@ -2775,7 +2775,7 @@
           <a:p>
             <a:fld id="{EF9BB6E4-2FC1-4730-B741-304BD3A4AD8B}" type="datetimeFigureOut">
               <a:rPr lang="ko-KR" altLang="en-US" smtClean="0"/>
-              <a:t>2025-07-24</a:t>
+              <a:t>2025-07-25</a:t>
             </a:fld>
             <a:endParaRPr lang="ko-KR" altLang="en-US"/>
           </a:p>
@@ -2888,7 +2888,7 @@
           <a:p>
             <a:fld id="{EF9BB6E4-2FC1-4730-B741-304BD3A4AD8B}" type="datetimeFigureOut">
               <a:rPr lang="ko-KR" altLang="en-US" smtClean="0"/>
-              <a:t>2025-07-24</a:t>
+              <a:t>2025-07-25</a:t>
             </a:fld>
             <a:endParaRPr lang="ko-KR" altLang="en-US"/>
           </a:p>
@@ -3199,7 +3199,7 @@
           <a:p>
             <a:fld id="{EF9BB6E4-2FC1-4730-B741-304BD3A4AD8B}" type="datetimeFigureOut">
               <a:rPr lang="ko-KR" altLang="en-US" smtClean="0"/>
-              <a:t>2025-07-24</a:t>
+              <a:t>2025-07-25</a:t>
             </a:fld>
             <a:endParaRPr lang="ko-KR" altLang="en-US"/>
           </a:p>
@@ -3487,7 +3487,7 @@
           <a:p>
             <a:fld id="{EF9BB6E4-2FC1-4730-B741-304BD3A4AD8B}" type="datetimeFigureOut">
               <a:rPr lang="ko-KR" altLang="en-US" smtClean="0"/>
-              <a:t>2025-07-24</a:t>
+              <a:t>2025-07-25</a:t>
             </a:fld>
             <a:endParaRPr lang="ko-KR" altLang="en-US"/>
           </a:p>
@@ -3728,7 +3728,7 @@
           <a:p>
             <a:fld id="{EF9BB6E4-2FC1-4730-B741-304BD3A4AD8B}" type="datetimeFigureOut">
               <a:rPr lang="ko-KR" altLang="en-US" smtClean="0"/>
-              <a:t>2025-07-24</a:t>
+              <a:t>2025-07-25</a:t>
             </a:fld>
             <a:endParaRPr lang="ko-KR" altLang="en-US"/>
           </a:p>
@@ -28985,7 +28985,7 @@
             <a:lstStyle/>
             <a:p>
               <a:r>
-                <a:rPr lang="ko-KR" altLang="en-US" sz="700" dirty="0">
+                <a:rPr lang="ko-KR" altLang="en-US" sz="800" dirty="0">
                   <a:solidFill>
                     <a:schemeClr val="tx1"/>
                   </a:solidFill>
@@ -28995,7 +28995,7 @@
                 <a:t>전투 </a:t>
               </a:r>
               <a:r>
-                <a:rPr lang="en-US" altLang="ko-KR" sz="700" dirty="0">
+                <a:rPr lang="en-US" altLang="ko-KR" sz="800" dirty="0">
                   <a:solidFill>
                     <a:schemeClr val="tx1"/>
                   </a:solidFill>
@@ -29005,7 +29005,7 @@
                 <a:t>IDLE</a:t>
               </a:r>
               <a:r>
-                <a:rPr lang="ko-KR" altLang="en-US" sz="700" dirty="0">
+                <a:rPr lang="ko-KR" altLang="en-US" sz="800" dirty="0">
                   <a:solidFill>
                     <a:schemeClr val="tx1"/>
                   </a:solidFill>
@@ -29138,7 +29138,7 @@
                 </a:spcAft>
               </a:pPr>
               <a:r>
-                <a:rPr lang="ko-KR" altLang="en-US" sz="700" dirty="0">
+                <a:rPr lang="ko-KR" altLang="en-US" sz="800" dirty="0">
                   <a:latin typeface="Noto Sans KR" panose="020B0200000000000000" pitchFamily="50" charset="-127"/>
                   <a:ea typeface="Noto Sans KR" panose="020B0200000000000000" pitchFamily="50" charset="-127"/>
                 </a:rPr>
@@ -30765,7 +30765,7 @@
           <p:nvPr>
             <p:extLst>
               <p:ext uri="{D42A27DB-BD31-4B8C-83A1-F6EECF244321}">
-                <p14:modId xmlns:p14="http://schemas.microsoft.com/office/powerpoint/2010/main" val="1178095953"/>
+                <p14:modId xmlns:p14="http://schemas.microsoft.com/office/powerpoint/2010/main" val="3252454312"/>
               </p:ext>
             </p:extLst>
           </p:nvPr>
@@ -30855,7 +30855,7 @@
                       <a:r>
                         <a:rPr lang="en-US" altLang="ko-KR" sz="900" b="1" i="0" u="none" strike="noStrike" dirty="0">
                           <a:solidFill>
-                            <a:schemeClr val="tx1"/>
+                            <a:schemeClr val="bg1"/>
                           </a:solidFill>
                           <a:effectLst/>
                           <a:latin typeface="Noto Sans KR" panose="020B0200000000000000" pitchFamily="50" charset="-127"/>
@@ -30865,7 +30865,7 @@
                       </a:r>
                       <a:endParaRPr lang="ko-KR" altLang="en-US" sz="900" b="1" i="0" u="none" strike="noStrike" dirty="0">
                         <a:solidFill>
-                          <a:schemeClr val="tx1"/>
+                          <a:schemeClr val="bg1"/>
                         </a:solidFill>
                         <a:effectLst/>
                         <a:latin typeface="Noto Sans KR" panose="020B0200000000000000" pitchFamily="50" charset="-127"/>
@@ -30919,7 +30919,7 @@
                       <a:prstDash val="solid"/>
                     </a:lnBlToTr>
                     <a:solidFill>
-                      <a:srgbClr val="FBE8A5"/>
+                      <a:schemeClr val="tx1"/>
                     </a:solidFill>
                   </a:tcPr>
                 </a:tc>
@@ -39054,7 +39054,7 @@
           <p:nvPr>
             <p:extLst>
               <p:ext uri="{D42A27DB-BD31-4B8C-83A1-F6EECF244321}">
-                <p14:modId xmlns:p14="http://schemas.microsoft.com/office/powerpoint/2010/main" val="1966619404"/>
+                <p14:modId xmlns:p14="http://schemas.microsoft.com/office/powerpoint/2010/main" val="2627742399"/>
               </p:ext>
             </p:extLst>
           </p:nvPr>
@@ -39102,7 +39102,7 @@
                       <a:r>
                         <a:rPr lang="ko-KR" altLang="en-US" sz="900" b="1" i="0" u="none" strike="noStrike" dirty="0">
                           <a:solidFill>
-                            <a:schemeClr val="bg1"/>
+                            <a:schemeClr val="tx1"/>
                           </a:solidFill>
                           <a:effectLst/>
                           <a:latin typeface="Noto Sans KR" panose="020B0200000000000000" pitchFamily="50" charset="-127"/>
@@ -39112,7 +39112,7 @@
                       </a:r>
                       <a:endParaRPr lang="en-US" sz="900" b="1" i="0" u="none" strike="noStrike" dirty="0">
                         <a:solidFill>
-                          <a:schemeClr val="bg1"/>
+                          <a:schemeClr val="tx1"/>
                         </a:solidFill>
                         <a:effectLst/>
                         <a:latin typeface="Noto Sans KR" panose="020B0200000000000000" pitchFamily="50" charset="-127"/>
@@ -39130,9 +39130,9 @@
                       <a:headEnd type="none" w="med" len="med"/>
                       <a:tailEnd type="none" w="med" len="med"/>
                     </a:lnL>
-                    <a:lnR w="9525" cap="flat" cmpd="sng" algn="ctr">
-                      <a:solidFill>
-                        <a:schemeClr val="bg1"/>
+                    <a:lnR w="12700" cap="flat" cmpd="sng" algn="ctr">
+                      <a:solidFill>
+                        <a:schemeClr val="tx1"/>
                       </a:solidFill>
                       <a:prstDash val="solid"/>
                       <a:round/>
@@ -39166,7 +39166,7 @@
                       <a:prstDash val="solid"/>
                     </a:lnBlToTr>
                     <a:solidFill>
-                      <a:srgbClr val="5B9BD5"/>
+                      <a:srgbClr val="FBE8A5"/>
                     </a:solidFill>
                   </a:tcPr>
                 </a:tc>
@@ -39179,7 +39179,7 @@
                       <a:r>
                         <a:rPr lang="ko-KR" altLang="en-US" sz="900" b="1" i="0" u="none" strike="noStrike" dirty="0">
                           <a:solidFill>
-                            <a:schemeClr val="bg1"/>
+                            <a:schemeClr val="tx1"/>
                           </a:solidFill>
                           <a:effectLst/>
                           <a:latin typeface="Noto Sans KR" panose="020B0200000000000000" pitchFamily="50" charset="-127"/>
@@ -39189,7 +39189,7 @@
                       </a:r>
                       <a:endParaRPr lang="en-US" sz="900" b="1" i="0" u="none" strike="noStrike" dirty="0">
                         <a:solidFill>
-                          <a:schemeClr val="bg1"/>
+                          <a:schemeClr val="tx1"/>
                         </a:solidFill>
                         <a:effectLst/>
                         <a:latin typeface="Noto Sans KR" panose="020B0200000000000000" pitchFamily="50" charset="-127"/>
@@ -39198,18 +39198,18 @@
                     </a:p>
                   </a:txBody>
                   <a:tcPr marL="7620" marR="7620" marT="7620" marB="0" anchor="ctr">
-                    <a:lnL w="9525" cap="flat" cmpd="sng" algn="ctr">
-                      <a:solidFill>
-                        <a:schemeClr val="bg1"/>
+                    <a:lnL w="12700" cap="flat" cmpd="sng" algn="ctr">
+                      <a:solidFill>
+                        <a:schemeClr val="tx1"/>
                       </a:solidFill>
                       <a:prstDash val="solid"/>
                       <a:round/>
                       <a:headEnd type="none" w="med" len="med"/>
                       <a:tailEnd type="none" w="med" len="med"/>
                     </a:lnL>
-                    <a:lnR w="9525" cap="flat" cmpd="sng" algn="ctr">
-                      <a:solidFill>
-                        <a:schemeClr val="bg1"/>
+                    <a:lnR w="12700" cap="flat" cmpd="sng" algn="ctr">
+                      <a:solidFill>
+                        <a:schemeClr val="tx1"/>
                       </a:solidFill>
                       <a:prstDash val="solid"/>
                       <a:round/>
@@ -39243,7 +39243,7 @@
                       <a:prstDash val="solid"/>
                     </a:lnBlToTr>
                     <a:solidFill>
-                      <a:srgbClr val="5B9BD5"/>
+                      <a:srgbClr val="FBE8A5"/>
                     </a:solidFill>
                   </a:tcPr>
                 </a:tc>
@@ -39256,7 +39256,7 @@
                       <a:r>
                         <a:rPr lang="ko-KR" altLang="en-US" sz="900" b="1" i="0" u="none" strike="noStrike" dirty="0">
                           <a:solidFill>
-                            <a:schemeClr val="bg1"/>
+                            <a:schemeClr val="tx1"/>
                           </a:solidFill>
                           <a:effectLst/>
                           <a:latin typeface="Noto Sans KR" panose="020B0200000000000000" pitchFamily="50" charset="-127"/>
@@ -39266,7 +39266,7 @@
                       </a:r>
                       <a:endParaRPr lang="en-US" sz="900" b="1" i="0" u="none" strike="noStrike" dirty="0">
                         <a:solidFill>
-                          <a:schemeClr val="bg1"/>
+                          <a:schemeClr val="tx1"/>
                         </a:solidFill>
                         <a:effectLst/>
                         <a:latin typeface="Noto Sans KR" panose="020B0200000000000000" pitchFamily="50" charset="-127"/>
@@ -39275,9 +39275,9 @@
                     </a:p>
                   </a:txBody>
                   <a:tcPr marL="7620" marR="7620" marT="7620" marB="0" anchor="ctr">
-                    <a:lnL w="9525" cap="flat" cmpd="sng" algn="ctr">
-                      <a:solidFill>
-                        <a:schemeClr val="bg1"/>
+                    <a:lnL w="12700" cap="flat" cmpd="sng" algn="ctr">
+                      <a:solidFill>
+                        <a:schemeClr val="tx1"/>
                       </a:solidFill>
                       <a:prstDash val="solid"/>
                       <a:round/>
@@ -39320,7 +39320,7 @@
                       <a:prstDash val="solid"/>
                     </a:lnBlToTr>
                     <a:solidFill>
-                      <a:srgbClr val="5B9BD5"/>
+                      <a:srgbClr val="FBE8A5"/>
                     </a:solidFill>
                   </a:tcPr>
                 </a:tc>

--- a/로스트아크/창술사 역기획/스킬/[1차 각성기] 연가창식 은하유성탄.pptx
+++ b/로스트아크/창술사 역기획/스킬/[1차 각성기] 연가창식 은하유성탄.pptx
@@ -232,7 +232,7 @@
           <a:p>
             <a:fld id="{5C3DAF4C-20C0-4A95-ABB7-DD59F513659F}" type="datetimeFigureOut">
               <a:rPr lang="ko-KR" altLang="en-US" smtClean="0"/>
-              <a:t>2025-07-25</a:t>
+              <a:t>2025-07-28</a:t>
             </a:fld>
             <a:endParaRPr lang="ko-KR" altLang="en-US"/>
           </a:p>
@@ -1078,7 +1078,7 @@
           <a:p>
             <a:fld id="{EF9BB6E4-2FC1-4730-B741-304BD3A4AD8B}" type="datetimeFigureOut">
               <a:rPr lang="ko-KR" altLang="en-US" smtClean="0"/>
-              <a:t>2025-07-25</a:t>
+              <a:t>2025-07-28</a:t>
             </a:fld>
             <a:endParaRPr lang="ko-KR" altLang="en-US"/>
           </a:p>
@@ -1276,7 +1276,7 @@
           <a:p>
             <a:fld id="{EF9BB6E4-2FC1-4730-B741-304BD3A4AD8B}" type="datetimeFigureOut">
               <a:rPr lang="ko-KR" altLang="en-US" smtClean="0"/>
-              <a:t>2025-07-25</a:t>
+              <a:t>2025-07-28</a:t>
             </a:fld>
             <a:endParaRPr lang="ko-KR" altLang="en-US"/>
           </a:p>
@@ -1484,7 +1484,7 @@
           <a:p>
             <a:fld id="{EF9BB6E4-2FC1-4730-B741-304BD3A4AD8B}" type="datetimeFigureOut">
               <a:rPr lang="ko-KR" altLang="en-US" smtClean="0"/>
-              <a:t>2025-07-25</a:t>
+              <a:t>2025-07-28</a:t>
             </a:fld>
             <a:endParaRPr lang="ko-KR" altLang="en-US"/>
           </a:p>
@@ -1682,7 +1682,7 @@
           <a:p>
             <a:fld id="{EF9BB6E4-2FC1-4730-B741-304BD3A4AD8B}" type="datetimeFigureOut">
               <a:rPr lang="ko-KR" altLang="en-US" smtClean="0"/>
-              <a:t>2025-07-25</a:t>
+              <a:t>2025-07-28</a:t>
             </a:fld>
             <a:endParaRPr lang="ko-KR" altLang="en-US"/>
           </a:p>
@@ -1957,7 +1957,7 @@
           <a:p>
             <a:fld id="{EF9BB6E4-2FC1-4730-B741-304BD3A4AD8B}" type="datetimeFigureOut">
               <a:rPr lang="ko-KR" altLang="en-US" smtClean="0"/>
-              <a:t>2025-07-25</a:t>
+              <a:t>2025-07-28</a:t>
             </a:fld>
             <a:endParaRPr lang="ko-KR" altLang="en-US"/>
           </a:p>
@@ -2222,7 +2222,7 @@
           <a:p>
             <a:fld id="{EF9BB6E4-2FC1-4730-B741-304BD3A4AD8B}" type="datetimeFigureOut">
               <a:rPr lang="ko-KR" altLang="en-US" smtClean="0"/>
-              <a:t>2025-07-25</a:t>
+              <a:t>2025-07-28</a:t>
             </a:fld>
             <a:endParaRPr lang="ko-KR" altLang="en-US"/>
           </a:p>
@@ -2634,7 +2634,7 @@
           <a:p>
             <a:fld id="{EF9BB6E4-2FC1-4730-B741-304BD3A4AD8B}" type="datetimeFigureOut">
               <a:rPr lang="ko-KR" altLang="en-US" smtClean="0"/>
-              <a:t>2025-07-25</a:t>
+              <a:t>2025-07-28</a:t>
             </a:fld>
             <a:endParaRPr lang="ko-KR" altLang="en-US"/>
           </a:p>
@@ -2775,7 +2775,7 @@
           <a:p>
             <a:fld id="{EF9BB6E4-2FC1-4730-B741-304BD3A4AD8B}" type="datetimeFigureOut">
               <a:rPr lang="ko-KR" altLang="en-US" smtClean="0"/>
-              <a:t>2025-07-25</a:t>
+              <a:t>2025-07-28</a:t>
             </a:fld>
             <a:endParaRPr lang="ko-KR" altLang="en-US"/>
           </a:p>
@@ -2888,7 +2888,7 @@
           <a:p>
             <a:fld id="{EF9BB6E4-2FC1-4730-B741-304BD3A4AD8B}" type="datetimeFigureOut">
               <a:rPr lang="ko-KR" altLang="en-US" smtClean="0"/>
-              <a:t>2025-07-25</a:t>
+              <a:t>2025-07-28</a:t>
             </a:fld>
             <a:endParaRPr lang="ko-KR" altLang="en-US"/>
           </a:p>
@@ -3199,7 +3199,7 @@
           <a:p>
             <a:fld id="{EF9BB6E4-2FC1-4730-B741-304BD3A4AD8B}" type="datetimeFigureOut">
               <a:rPr lang="ko-KR" altLang="en-US" smtClean="0"/>
-              <a:t>2025-07-25</a:t>
+              <a:t>2025-07-28</a:t>
             </a:fld>
             <a:endParaRPr lang="ko-KR" altLang="en-US"/>
           </a:p>
@@ -3487,7 +3487,7 @@
           <a:p>
             <a:fld id="{EF9BB6E4-2FC1-4730-B741-304BD3A4AD8B}" type="datetimeFigureOut">
               <a:rPr lang="ko-KR" altLang="en-US" smtClean="0"/>
-              <a:t>2025-07-25</a:t>
+              <a:t>2025-07-28</a:t>
             </a:fld>
             <a:endParaRPr lang="ko-KR" altLang="en-US"/>
           </a:p>
@@ -3728,7 +3728,7 @@
           <a:p>
             <a:fld id="{EF9BB6E4-2FC1-4730-B741-304BD3A4AD8B}" type="datetimeFigureOut">
               <a:rPr lang="ko-KR" altLang="en-US" smtClean="0"/>
-              <a:t>2025-07-25</a:t>
+              <a:t>2025-07-28</a:t>
             </a:fld>
             <a:endParaRPr lang="ko-KR" altLang="en-US"/>
           </a:p>
@@ -13479,7 +13479,7 @@
                       <a:ea typeface="Noto Sans KR" panose="020B0200000000000000" pitchFamily="50" charset="-127"/>
                       <a:cs typeface="Pretendard Medium" panose="02000603000000020004" pitchFamily="2" charset="-127"/>
                     </a:rPr>
-                    <a:t>이동</a:t>
+                    <a:t>모션</a:t>
                   </a:r>
                   <a:endParaRPr lang="en-US" altLang="ko-KR" sz="800" dirty="0">
                     <a:latin typeface="Noto Sans KR" panose="020B0200000000000000" pitchFamily="50" charset="-127"/>
@@ -30765,7 +30765,7 @@
           <p:nvPr>
             <p:extLst>
               <p:ext uri="{D42A27DB-BD31-4B8C-83A1-F6EECF244321}">
-                <p14:modId xmlns:p14="http://schemas.microsoft.com/office/powerpoint/2010/main" val="3252454312"/>
+                <p14:modId xmlns:p14="http://schemas.microsoft.com/office/powerpoint/2010/main" val="1151890431"/>
               </p:ext>
             </p:extLst>
           </p:nvPr>
@@ -32116,7 +32116,7 @@
                     <a:p>
                       <a:pPr algn="ctr" fontAlgn="ctr"/>
                       <a:r>
-                        <a:rPr lang="en-US" altLang="ko-KR" sz="800" b="0" i="0" u="none" strike="noStrike" dirty="0">
+                        <a:rPr lang="en-US" altLang="ko-KR" sz="800" b="0" i="0" u="none" strike="noStrike" dirty="0" err="1">
                           <a:solidFill>
                             <a:srgbClr val="000000"/>
                           </a:solidFill>
@@ -32124,8 +32124,16 @@
                           <a:latin typeface="Noto Sans KR" panose="020B0200000000000000" pitchFamily="50" charset="-127"/>
                           <a:ea typeface="Noto Sans KR" panose="020B0200000000000000" pitchFamily="50" charset="-127"/>
                         </a:rPr>
-                        <a:t>lm_skill_26</a:t>
+                        <a:t>push_immune</a:t>
                       </a:r>
+                      <a:endParaRPr lang="en-US" altLang="ko-KR" sz="800" b="0" i="0" u="none" strike="noStrike" dirty="0">
+                        <a:solidFill>
+                          <a:srgbClr val="000000"/>
+                        </a:solidFill>
+                        <a:effectLst/>
+                        <a:latin typeface="Noto Sans KR" panose="020B0200000000000000" pitchFamily="50" charset="-127"/>
+                        <a:ea typeface="Noto Sans KR" panose="020B0200000000000000" pitchFamily="50" charset="-127"/>
+                      </a:endParaRPr>
                     </a:p>
                   </a:txBody>
                   <a:tcPr marL="0" marR="0" marT="7620" marB="0" anchor="ctr">
@@ -32877,7 +32885,7 @@
                     <a:p>
                       <a:pPr algn="ctr" fontAlgn="ctr"/>
                       <a:r>
-                        <a:rPr lang="en-US" altLang="ko-KR" sz="800" b="0" i="0" u="none" strike="noStrike" dirty="0">
+                        <a:rPr lang="en-US" altLang="ko-KR" sz="800" b="0" i="0" u="none" strike="noStrike" dirty="0" err="1">
                           <a:solidFill>
                             <a:srgbClr val="000000"/>
                           </a:solidFill>
@@ -32885,8 +32893,16 @@
                           <a:latin typeface="Noto Sans KR" panose="020B0200000000000000" pitchFamily="50" charset="-127"/>
                           <a:ea typeface="Noto Sans KR" panose="020B0200000000000000" pitchFamily="50" charset="-127"/>
                         </a:rPr>
-                        <a:t>lm_skill_26</a:t>
+                        <a:t>debuff_immune</a:t>
                       </a:r>
+                      <a:endParaRPr lang="en-US" altLang="ko-KR" sz="800" b="0" i="0" u="none" strike="noStrike" dirty="0">
+                        <a:solidFill>
+                          <a:srgbClr val="000000"/>
+                        </a:solidFill>
+                        <a:effectLst/>
+                        <a:latin typeface="Noto Sans KR" panose="020B0200000000000000" pitchFamily="50" charset="-127"/>
+                        <a:ea typeface="Noto Sans KR" panose="020B0200000000000000" pitchFamily="50" charset="-127"/>
+                      </a:endParaRPr>
                     </a:p>
                   </a:txBody>
                   <a:tcPr marL="0" marR="0" marT="7620" marB="0" anchor="ctr">
@@ -34470,7 +34486,7 @@
                           <a:ea typeface="Noto Sans KR" panose="020B0200000000000000" pitchFamily="50" charset="-127"/>
                           <a:cs typeface="+mn-cs"/>
                         </a:rPr>
-                        <a:t>projectile</a:t>
+                        <a:t>atk_1</a:t>
                       </a:r>
                     </a:p>
                   </a:txBody>
@@ -35321,7 +35337,7 @@
                           <a:ea typeface="Noto Sans KR" panose="020B0200000000000000" pitchFamily="50" charset="-127"/>
                           <a:cs typeface="+mn-cs"/>
                         </a:rPr>
-                        <a:t>explosion_hit_1</a:t>
+                        <a:t>atk_2</a:t>
                       </a:r>
                     </a:p>
                   </a:txBody>
@@ -36207,7 +36223,7 @@
                           <a:ea typeface="Noto Sans KR" panose="020B0200000000000000" pitchFamily="50" charset="-127"/>
                           <a:cs typeface="+mn-cs"/>
                         </a:rPr>
-                        <a:t>explosion_hit_2</a:t>
+                        <a:t>atk_3</a:t>
                       </a:r>
                     </a:p>
                   </a:txBody>
@@ -37107,7 +37123,7 @@
                           <a:ea typeface="Noto Sans KR" panose="020B0200000000000000" pitchFamily="50" charset="-127"/>
                           <a:cs typeface="+mn-cs"/>
                         </a:rPr>
-                        <a:t>explosion_hit_3</a:t>
+                        <a:t>atk_4</a:t>
                       </a:r>
                     </a:p>
                   </a:txBody>

--- a/로스트아크/창술사 역기획/스킬/[1차 각성기] 연가창식 은하유성탄.pptx
+++ b/로스트아크/창술사 역기획/스킬/[1차 각성기] 연가창식 은하유성탄.pptx
@@ -232,7 +232,7 @@
           <a:p>
             <a:fld id="{5C3DAF4C-20C0-4A95-ABB7-DD59F513659F}" type="datetimeFigureOut">
               <a:rPr lang="ko-KR" altLang="en-US" smtClean="0"/>
-              <a:t>2025-07-28</a:t>
+              <a:t>2025-08-27</a:t>
             </a:fld>
             <a:endParaRPr lang="ko-KR" altLang="en-US"/>
           </a:p>
@@ -1078,7 +1078,7 @@
           <a:p>
             <a:fld id="{EF9BB6E4-2FC1-4730-B741-304BD3A4AD8B}" type="datetimeFigureOut">
               <a:rPr lang="ko-KR" altLang="en-US" smtClean="0"/>
-              <a:t>2025-07-28</a:t>
+              <a:t>2025-08-27</a:t>
             </a:fld>
             <a:endParaRPr lang="ko-KR" altLang="en-US"/>
           </a:p>
@@ -1276,7 +1276,7 @@
           <a:p>
             <a:fld id="{EF9BB6E4-2FC1-4730-B741-304BD3A4AD8B}" type="datetimeFigureOut">
               <a:rPr lang="ko-KR" altLang="en-US" smtClean="0"/>
-              <a:t>2025-07-28</a:t>
+              <a:t>2025-08-27</a:t>
             </a:fld>
             <a:endParaRPr lang="ko-KR" altLang="en-US"/>
           </a:p>
@@ -1484,7 +1484,7 @@
           <a:p>
             <a:fld id="{EF9BB6E4-2FC1-4730-B741-304BD3A4AD8B}" type="datetimeFigureOut">
               <a:rPr lang="ko-KR" altLang="en-US" smtClean="0"/>
-              <a:t>2025-07-28</a:t>
+              <a:t>2025-08-27</a:t>
             </a:fld>
             <a:endParaRPr lang="ko-KR" altLang="en-US"/>
           </a:p>
@@ -1682,7 +1682,7 @@
           <a:p>
             <a:fld id="{EF9BB6E4-2FC1-4730-B741-304BD3A4AD8B}" type="datetimeFigureOut">
               <a:rPr lang="ko-KR" altLang="en-US" smtClean="0"/>
-              <a:t>2025-07-28</a:t>
+              <a:t>2025-08-27</a:t>
             </a:fld>
             <a:endParaRPr lang="ko-KR" altLang="en-US"/>
           </a:p>
@@ -1957,7 +1957,7 @@
           <a:p>
             <a:fld id="{EF9BB6E4-2FC1-4730-B741-304BD3A4AD8B}" type="datetimeFigureOut">
               <a:rPr lang="ko-KR" altLang="en-US" smtClean="0"/>
-              <a:t>2025-07-28</a:t>
+              <a:t>2025-08-27</a:t>
             </a:fld>
             <a:endParaRPr lang="ko-KR" altLang="en-US"/>
           </a:p>
@@ -2222,7 +2222,7 @@
           <a:p>
             <a:fld id="{EF9BB6E4-2FC1-4730-B741-304BD3A4AD8B}" type="datetimeFigureOut">
               <a:rPr lang="ko-KR" altLang="en-US" smtClean="0"/>
-              <a:t>2025-07-28</a:t>
+              <a:t>2025-08-27</a:t>
             </a:fld>
             <a:endParaRPr lang="ko-KR" altLang="en-US"/>
           </a:p>
@@ -2634,7 +2634,7 @@
           <a:p>
             <a:fld id="{EF9BB6E4-2FC1-4730-B741-304BD3A4AD8B}" type="datetimeFigureOut">
               <a:rPr lang="ko-KR" altLang="en-US" smtClean="0"/>
-              <a:t>2025-07-28</a:t>
+              <a:t>2025-08-27</a:t>
             </a:fld>
             <a:endParaRPr lang="ko-KR" altLang="en-US"/>
           </a:p>
@@ -2775,7 +2775,7 @@
           <a:p>
             <a:fld id="{EF9BB6E4-2FC1-4730-B741-304BD3A4AD8B}" type="datetimeFigureOut">
               <a:rPr lang="ko-KR" altLang="en-US" smtClean="0"/>
-              <a:t>2025-07-28</a:t>
+              <a:t>2025-08-27</a:t>
             </a:fld>
             <a:endParaRPr lang="ko-KR" altLang="en-US"/>
           </a:p>
@@ -2888,7 +2888,7 @@
           <a:p>
             <a:fld id="{EF9BB6E4-2FC1-4730-B741-304BD3A4AD8B}" type="datetimeFigureOut">
               <a:rPr lang="ko-KR" altLang="en-US" smtClean="0"/>
-              <a:t>2025-07-28</a:t>
+              <a:t>2025-08-27</a:t>
             </a:fld>
             <a:endParaRPr lang="ko-KR" altLang="en-US"/>
           </a:p>
@@ -3199,7 +3199,7 @@
           <a:p>
             <a:fld id="{EF9BB6E4-2FC1-4730-B741-304BD3A4AD8B}" type="datetimeFigureOut">
               <a:rPr lang="ko-KR" altLang="en-US" smtClean="0"/>
-              <a:t>2025-07-28</a:t>
+              <a:t>2025-08-27</a:t>
             </a:fld>
             <a:endParaRPr lang="ko-KR" altLang="en-US"/>
           </a:p>
@@ -3487,7 +3487,7 @@
           <a:p>
             <a:fld id="{EF9BB6E4-2FC1-4730-B741-304BD3A4AD8B}" type="datetimeFigureOut">
               <a:rPr lang="ko-KR" altLang="en-US" smtClean="0"/>
-              <a:t>2025-07-28</a:t>
+              <a:t>2025-08-27</a:t>
             </a:fld>
             <a:endParaRPr lang="ko-KR" altLang="en-US"/>
           </a:p>
@@ -3728,7 +3728,7 @@
           <a:p>
             <a:fld id="{EF9BB6E4-2FC1-4730-B741-304BD3A4AD8B}" type="datetimeFigureOut">
               <a:rPr lang="ko-KR" altLang="en-US" smtClean="0"/>
-              <a:t>2025-07-28</a:t>
+              <a:t>2025-08-27</a:t>
             </a:fld>
             <a:endParaRPr lang="ko-KR" altLang="en-US"/>
           </a:p>
@@ -30765,14 +30765,14 @@
           <p:nvPr>
             <p:extLst>
               <p:ext uri="{D42A27DB-BD31-4B8C-83A1-F6EECF244321}">
-                <p14:modId xmlns:p14="http://schemas.microsoft.com/office/powerpoint/2010/main" val="1151890431"/>
+                <p14:modId xmlns:p14="http://schemas.microsoft.com/office/powerpoint/2010/main" val="2514987549"/>
               </p:ext>
             </p:extLst>
           </p:nvPr>
         </p:nvGraphicFramePr>
         <p:xfrm>
           <a:off x="192088" y="1827000"/>
-          <a:ext cx="11799284" cy="3204000"/>
+          <a:ext cx="11799286" cy="3204000"/>
         </p:xfrm>
         <a:graphic>
           <a:graphicData uri="http://schemas.openxmlformats.org/drawingml/2006/table">
@@ -30781,63 +30781,70 @@
                 <a:tableStyleId>{69CF1AB2-1976-4502-BF36-3FF5EA218861}</a:tableStyleId>
               </a:tblPr>
               <a:tblGrid>
-                <a:gridCol w="1385252">
+                <a:gridCol w="1247731">
                   <a:extLst>
                     <a:ext uri="{9D8B030D-6E8A-4147-A177-3AD203B41FA5}">
                       <a16:colId xmlns:a16="http://schemas.microsoft.com/office/drawing/2014/main" val="3224492914"/>
                     </a:ext>
                   </a:extLst>
                 </a:gridCol>
-                <a:gridCol w="810923">
+                <a:gridCol w="730419">
                   <a:extLst>
                     <a:ext uri="{9D8B030D-6E8A-4147-A177-3AD203B41FA5}">
                       <a16:colId xmlns:a16="http://schemas.microsoft.com/office/drawing/2014/main" val="1096947331"/>
                     </a:ext>
                   </a:extLst>
                 </a:gridCol>
-                <a:gridCol w="779000">
+                <a:gridCol w="701665">
                   <a:extLst>
                     <a:ext uri="{9D8B030D-6E8A-4147-A177-3AD203B41FA5}">
                       <a16:colId xmlns:a16="http://schemas.microsoft.com/office/drawing/2014/main" val="779781128"/>
                     </a:ext>
                   </a:extLst>
                 </a:gridCol>
-                <a:gridCol w="779000">
+                <a:gridCol w="701665">
                   <a:extLst>
                     <a:ext uri="{9D8B030D-6E8A-4147-A177-3AD203B41FA5}">
                       <a16:colId xmlns:a16="http://schemas.microsoft.com/office/drawing/2014/main" val="525992108"/>
                     </a:ext>
                   </a:extLst>
                 </a:gridCol>
-                <a:gridCol w="1045700">
+                <a:gridCol w="941888">
                   <a:extLst>
                     <a:ext uri="{9D8B030D-6E8A-4147-A177-3AD203B41FA5}">
                       <a16:colId xmlns:a16="http://schemas.microsoft.com/office/drawing/2014/main" val="3673612956"/>
                     </a:ext>
                   </a:extLst>
                 </a:gridCol>
-                <a:gridCol w="1175157">
+                <a:gridCol w="1058493">
                   <a:extLst>
                     <a:ext uri="{9D8B030D-6E8A-4147-A177-3AD203B41FA5}">
                       <a16:colId xmlns:a16="http://schemas.microsoft.com/office/drawing/2014/main" val="1075642464"/>
                     </a:ext>
                   </a:extLst>
                 </a:gridCol>
-                <a:gridCol w="1016000">
+                <a:gridCol w="915137">
                   <a:extLst>
                     <a:ext uri="{9D8B030D-6E8A-4147-A177-3AD203B41FA5}">
                       <a16:colId xmlns:a16="http://schemas.microsoft.com/office/drawing/2014/main" val="2466142552"/>
                     </a:ext>
                   </a:extLst>
                 </a:gridCol>
-                <a:gridCol w="1300480">
+                <a:gridCol w="1171375">
                   <a:extLst>
                     <a:ext uri="{9D8B030D-6E8A-4147-A177-3AD203B41FA5}">
                       <a16:colId xmlns:a16="http://schemas.microsoft.com/office/drawing/2014/main" val="2531026986"/>
                     </a:ext>
                   </a:extLst>
                 </a:gridCol>
-                <a:gridCol w="3507772">
+                <a:gridCol w="1171375">
+                  <a:extLst>
+                    <a:ext uri="{9D8B030D-6E8A-4147-A177-3AD203B41FA5}">
+                      <a16:colId xmlns:a16="http://schemas.microsoft.com/office/drawing/2014/main" val="3068785776"/>
+                    </a:ext>
+                  </a:extLst>
+                </a:gridCol>
+                <a:gridCol w="3159538">
                   <a:extLst>
                     <a:ext uri="{9D8B030D-6E8A-4147-A177-3AD203B41FA5}">
                       <a16:colId xmlns:a16="http://schemas.microsoft.com/office/drawing/2014/main" val="2258684766"/>
@@ -31544,16 +31551,102 @@
                           <a:latin typeface="Noto Sans KR" panose="020B0200000000000000" pitchFamily="50" charset="-127"/>
                           <a:ea typeface="Noto Sans KR" panose="020B0200000000000000" pitchFamily="50" charset="-127"/>
                         </a:rPr>
-                        <a:t>영역 값</a:t>
+                        <a:t>영역 값 </a:t>
                       </a:r>
-                      <a:endParaRPr lang="en-US" altLang="ko-KR" sz="900" b="1" i="0" u="none" strike="noStrike" dirty="0">
-                        <a:solidFill>
-                          <a:schemeClr val="bg1"/>
-                        </a:solidFill>
-                        <a:effectLst/>
-                        <a:latin typeface="Noto Sans KR" panose="020B0200000000000000" pitchFamily="50" charset="-127"/>
-                        <a:ea typeface="Noto Sans KR" panose="020B0200000000000000" pitchFamily="50" charset="-127"/>
-                      </a:endParaRPr>
+                      <a:r>
+                        <a:rPr lang="en-US" altLang="ko-KR" sz="900" b="1" i="0" u="none" strike="noStrike" dirty="0">
+                          <a:solidFill>
+                            <a:schemeClr val="bg1"/>
+                          </a:solidFill>
+                          <a:effectLst/>
+                          <a:latin typeface="Noto Sans KR" panose="020B0200000000000000" pitchFamily="50" charset="-127"/>
+                          <a:ea typeface="Noto Sans KR" panose="020B0200000000000000" pitchFamily="50" charset="-127"/>
+                        </a:rPr>
+                        <a:t>1</a:t>
+                      </a:r>
+                    </a:p>
+                  </a:txBody>
+                  <a:tcPr marL="72000" marR="72000" marT="7620" marB="0" anchor="ctr">
+                    <a:lnL w="9525" cap="flat" cmpd="sng" algn="ctr">
+                      <a:solidFill>
+                        <a:schemeClr val="bg1"/>
+                      </a:solidFill>
+                      <a:prstDash val="solid"/>
+                      <a:round/>
+                      <a:headEnd type="none" w="med" len="med"/>
+                      <a:tailEnd type="none" w="med" len="med"/>
+                    </a:lnL>
+                    <a:lnR w="9525" cap="flat" cmpd="sng" algn="ctr">
+                      <a:solidFill>
+                        <a:schemeClr val="bg1"/>
+                      </a:solidFill>
+                      <a:prstDash val="solid"/>
+                      <a:round/>
+                      <a:headEnd type="none" w="med" len="med"/>
+                      <a:tailEnd type="none" w="med" len="med"/>
+                    </a:lnR>
+                    <a:lnT w="12700" cap="flat" cmpd="sng" algn="ctr">
+                      <a:solidFill>
+                        <a:schemeClr val="tx1"/>
+                      </a:solidFill>
+                      <a:prstDash val="solid"/>
+                      <a:round/>
+                      <a:headEnd type="none" w="med" len="med"/>
+                      <a:tailEnd type="none" w="med" len="med"/>
+                    </a:lnT>
+                    <a:lnB w="9525" cap="flat" cmpd="sng" algn="ctr">
+                      <a:solidFill>
+                        <a:schemeClr val="tx1">
+                          <a:lumMod val="75000"/>
+                          <a:lumOff val="25000"/>
+                        </a:schemeClr>
+                      </a:solidFill>
+                      <a:prstDash val="solid"/>
+                      <a:round/>
+                      <a:headEnd type="none" w="med" len="med"/>
+                      <a:tailEnd type="none" w="med" len="med"/>
+                    </a:lnB>
+                    <a:lnTlToBr w="12700" cmpd="sng">
+                      <a:noFill/>
+                      <a:prstDash val="solid"/>
+                    </a:lnTlToBr>
+                    <a:lnBlToTr w="12700" cmpd="sng">
+                      <a:noFill/>
+                      <a:prstDash val="solid"/>
+                    </a:lnBlToTr>
+                    <a:solidFill>
+                      <a:srgbClr val="5B9BD5"/>
+                    </a:solidFill>
+                  </a:tcPr>
+                </a:tc>
+                <a:tc>
+                  <a:txBody>
+                    <a:bodyPr/>
+                    <a:lstStyle/>
+                    <a:p>
+                      <a:pPr algn="ctr" fontAlgn="ctr"/>
+                      <a:r>
+                        <a:rPr lang="ko-KR" altLang="en-US" sz="900" b="1" i="0" u="none" strike="noStrike" dirty="0">
+                          <a:solidFill>
+                            <a:schemeClr val="bg1"/>
+                          </a:solidFill>
+                          <a:effectLst/>
+                          <a:latin typeface="Noto Sans KR" panose="020B0200000000000000" pitchFamily="50" charset="-127"/>
+                          <a:ea typeface="Noto Sans KR" panose="020B0200000000000000" pitchFamily="50" charset="-127"/>
+                        </a:rPr>
+                        <a:t>영역 값 </a:t>
+                      </a:r>
+                      <a:r>
+                        <a:rPr lang="en-US" altLang="ko-KR" sz="900" b="1" i="0" u="none" strike="noStrike" dirty="0">
+                          <a:solidFill>
+                            <a:schemeClr val="bg1"/>
+                          </a:solidFill>
+                          <a:effectLst/>
+                          <a:latin typeface="Noto Sans KR" panose="020B0200000000000000" pitchFamily="50" charset="-127"/>
+                          <a:ea typeface="Noto Sans KR" panose="020B0200000000000000" pitchFamily="50" charset="-127"/>
+                        </a:rPr>
+                        <a:t>2</a:t>
+                      </a:r>
                     </a:p>
                   </a:txBody>
                   <a:tcPr marL="72000" marR="72000" marT="7620" marB="0" anchor="ctr">
@@ -31950,16 +32043,8 @@
                           <a:latin typeface="Noto Sans KR" panose="020B0200000000000000" pitchFamily="50" charset="-127"/>
                           <a:ea typeface="Noto Sans KR" panose="020B0200000000000000" pitchFamily="50" charset="-127"/>
                         </a:rPr>
-                        <a:t>4980</a:t>
+                        <a:t>3001</a:t>
                       </a:r>
-                      <a:endParaRPr lang="ko-KR" altLang="en-US" sz="800" b="0" i="0" u="none" strike="noStrike" dirty="0">
-                        <a:solidFill>
-                          <a:srgbClr val="000000"/>
-                        </a:solidFill>
-                        <a:effectLst/>
-                        <a:latin typeface="Noto Sans KR" panose="020B0200000000000000" pitchFamily="50" charset="-127"/>
-                        <a:ea typeface="Noto Sans KR" panose="020B0200000000000000" pitchFamily="50" charset="-127"/>
-                      </a:endParaRPr>
                     </a:p>
                   </a:txBody>
                   <a:tcPr marL="7620" marR="7620" marT="7620" marB="0" anchor="ctr">
@@ -32290,7 +32375,7 @@
                           <a:ea typeface="Noto Sans KR" panose="020B0200000000000000" pitchFamily="50" charset="-127"/>
                           <a:cs typeface="+mn-cs"/>
                         </a:rPr>
-                        <a:t>{}</a:t>
+                        <a:t>-</a:t>
                       </a:r>
                     </a:p>
                   </a:txBody>
@@ -32369,7 +32454,134 @@
                           <a:ea typeface="Noto Sans KR" panose="020B0200000000000000" pitchFamily="50" charset="-127"/>
                           <a:cs typeface="+mn-cs"/>
                         </a:rPr>
-                        <a:t>{}</a:t>
+                        <a:t>-</a:t>
+                      </a:r>
+                    </a:p>
+                  </a:txBody>
+                  <a:tcPr anchor="ctr">
+                    <a:lnL w="9525" cap="flat" cmpd="sng" algn="ctr">
+                      <a:solidFill>
+                        <a:schemeClr val="bg1">
+                          <a:lumMod val="50000"/>
+                        </a:schemeClr>
+                      </a:solidFill>
+                      <a:prstDash val="solid"/>
+                      <a:round/>
+                      <a:headEnd type="none" w="med" len="med"/>
+                      <a:tailEnd type="none" w="med" len="med"/>
+                    </a:lnL>
+                    <a:lnR w="9525" cap="flat" cmpd="sng" algn="ctr">
+                      <a:solidFill>
+                        <a:schemeClr val="bg1">
+                          <a:lumMod val="50000"/>
+                        </a:schemeClr>
+                      </a:solidFill>
+                      <a:prstDash val="solid"/>
+                      <a:round/>
+                      <a:headEnd type="none" w="med" len="med"/>
+                      <a:tailEnd type="none" w="med" len="med"/>
+                    </a:lnR>
+                    <a:lnT w="9525" cap="flat" cmpd="sng" algn="ctr">
+                      <a:solidFill>
+                        <a:schemeClr val="tx1">
+                          <a:lumMod val="75000"/>
+                          <a:lumOff val="25000"/>
+                        </a:schemeClr>
+                      </a:solidFill>
+                      <a:prstDash val="solid"/>
+                      <a:round/>
+                      <a:headEnd type="none" w="med" len="med"/>
+                      <a:tailEnd type="none" w="med" len="med"/>
+                    </a:lnT>
+                    <a:lnB w="9525" cap="flat" cmpd="sng" algn="ctr">
+                      <a:solidFill>
+                        <a:schemeClr val="bg1">
+                          <a:lumMod val="50000"/>
+                        </a:schemeClr>
+                      </a:solidFill>
+                      <a:prstDash val="solid"/>
+                      <a:round/>
+                      <a:headEnd type="none" w="med" len="med"/>
+                      <a:tailEnd type="none" w="med" len="med"/>
+                    </a:lnB>
+                    <a:lnTlToBr w="12700" cmpd="sng">
+                      <a:noFill/>
+                      <a:prstDash val="solid"/>
+                    </a:lnTlToBr>
+                    <a:lnBlToTr w="12700" cmpd="sng">
+                      <a:noFill/>
+                      <a:prstDash val="solid"/>
+                    </a:lnBlToTr>
+                    <a:solidFill>
+                      <a:schemeClr val="bg1"/>
+                    </a:solidFill>
+                  </a:tcPr>
+                </a:tc>
+                <a:tc>
+                  <a:txBody>
+                    <a:bodyPr/>
+                    <a:lstStyle/>
+                    <a:p>
+                      <a:pPr marL="0" algn="ctr" defTabSz="914400" rtl="0" eaLnBrk="1" fontAlgn="ctr" latinLnBrk="1" hangingPunct="1"/>
+                      <a:r>
+                        <a:rPr lang="en-US" altLang="ko-KR" sz="800" b="0" i="0" u="none" strike="noStrike" kern="1200" dirty="0">
+                          <a:solidFill>
+                            <a:srgbClr val="000000"/>
+                          </a:solidFill>
+                          <a:effectLst/>
+                          <a:latin typeface="Noto Sans KR" panose="020B0200000000000000" pitchFamily="50" charset="-127"/>
+                          <a:ea typeface="Noto Sans KR" panose="020B0200000000000000" pitchFamily="50" charset="-127"/>
+                          <a:cs typeface="+mn-cs"/>
+                        </a:rPr>
+                        <a:t>{“</a:t>
+                      </a:r>
+                      <a:r>
+                        <a:rPr lang="en-US" altLang="ko-KR" sz="800" b="0" i="0" u="none" strike="noStrike" kern="1200" dirty="0" err="1">
+                          <a:solidFill>
+                            <a:srgbClr val="000000"/>
+                          </a:solidFill>
+                          <a:effectLst/>
+                          <a:latin typeface="Noto Sans KR" panose="020B0200000000000000" pitchFamily="50" charset="-127"/>
+                          <a:ea typeface="Noto Sans KR" panose="020B0200000000000000" pitchFamily="50" charset="-127"/>
+                          <a:cs typeface="+mn-cs"/>
+                        </a:rPr>
+                        <a:t>immune_type</a:t>
+                      </a:r>
+                      <a:r>
+                        <a:rPr lang="en-US" altLang="ko-KR" sz="800" b="0" i="0" u="none" strike="noStrike" kern="1200" dirty="0">
+                          <a:solidFill>
+                            <a:srgbClr val="000000"/>
+                          </a:solidFill>
+                          <a:effectLst/>
+                          <a:latin typeface="Noto Sans KR" panose="020B0200000000000000" pitchFamily="50" charset="-127"/>
+                          <a:ea typeface="Noto Sans KR" panose="020B0200000000000000" pitchFamily="50" charset="-127"/>
+                          <a:cs typeface="+mn-cs"/>
+                        </a:rPr>
+                        <a:t>” : </a:t>
+                      </a:r>
+                      <a:r>
+                        <a:rPr lang="en-US" altLang="ko-KR" sz="800" b="0" i="0" u="none" strike="noStrike" kern="1200" dirty="0" err="1">
+                          <a:solidFill>
+                            <a:srgbClr val="000000"/>
+                          </a:solidFill>
+                          <a:effectLst/>
+                          <a:latin typeface="Noto Sans KR" panose="020B0200000000000000" pitchFamily="50" charset="-127"/>
+                          <a:ea typeface="Noto Sans KR" panose="020B0200000000000000" pitchFamily="50" charset="-127"/>
+                          <a:cs typeface="+mn-cs"/>
+                        </a:rPr>
+                        <a:t>push_immune</a:t>
+                      </a:r>
+                      <a:r>
+                        <a:rPr lang="en-US" altLang="ko-KR" sz="800" b="0" i="0" u="none" strike="noStrike" kern="1200" dirty="0">
+                          <a:solidFill>
+                            <a:srgbClr val="000000"/>
+                          </a:solidFill>
+                          <a:effectLst/>
+                          <a:latin typeface="Noto Sans KR" panose="020B0200000000000000" pitchFamily="50" charset="-127"/>
+                          <a:ea typeface="Noto Sans KR" panose="020B0200000000000000" pitchFamily="50" charset="-127"/>
+                          <a:cs typeface="+mn-cs"/>
+                        </a:rPr>
+                        <a:t>}</a:t>
                       </a:r>
                     </a:p>
                   </a:txBody>
@@ -32721,7 +32933,7 @@
                           <a:latin typeface="Noto Sans KR" panose="020B0200000000000000" pitchFamily="50" charset="-127"/>
                           <a:ea typeface="Noto Sans KR" panose="020B0200000000000000" pitchFamily="50" charset="-127"/>
                         </a:rPr>
-                        <a:t>4982</a:t>
+                        <a:t>3002</a:t>
                       </a:r>
                       <a:endParaRPr lang="ko-KR" altLang="en-US" sz="800" b="0" i="0" u="none" strike="noStrike" dirty="0">
                         <a:solidFill>
@@ -33057,7 +33269,7 @@
                           <a:ea typeface="Noto Sans KR" panose="020B0200000000000000" pitchFamily="50" charset="-127"/>
                           <a:cs typeface="+mn-cs"/>
                         </a:rPr>
-                        <a:t>{}</a:t>
+                        <a:t>-</a:t>
                       </a:r>
                     </a:p>
                   </a:txBody>
@@ -33135,7 +33347,133 @@
                           <a:ea typeface="Noto Sans KR" panose="020B0200000000000000" pitchFamily="50" charset="-127"/>
                           <a:cs typeface="+mn-cs"/>
                         </a:rPr>
-                        <a:t>{}</a:t>
+                        <a:t>-</a:t>
+                      </a:r>
+                    </a:p>
+                  </a:txBody>
+                  <a:tcPr anchor="ctr">
+                    <a:lnL w="9525" cap="flat" cmpd="sng" algn="ctr">
+                      <a:solidFill>
+                        <a:schemeClr val="bg1">
+                          <a:lumMod val="50000"/>
+                        </a:schemeClr>
+                      </a:solidFill>
+                      <a:prstDash val="solid"/>
+                      <a:round/>
+                      <a:headEnd type="none" w="med" len="med"/>
+                      <a:tailEnd type="none" w="med" len="med"/>
+                    </a:lnL>
+                    <a:lnR w="9525" cap="flat" cmpd="sng" algn="ctr">
+                      <a:solidFill>
+                        <a:schemeClr val="bg1">
+                          <a:lumMod val="50000"/>
+                        </a:schemeClr>
+                      </a:solidFill>
+                      <a:prstDash val="solid"/>
+                      <a:round/>
+                      <a:headEnd type="none" w="med" len="med"/>
+                      <a:tailEnd type="none" w="med" len="med"/>
+                    </a:lnR>
+                    <a:lnT w="9525" cap="flat" cmpd="sng" algn="ctr">
+                      <a:solidFill>
+                        <a:schemeClr val="bg1">
+                          <a:lumMod val="50000"/>
+                        </a:schemeClr>
+                      </a:solidFill>
+                      <a:prstDash val="solid"/>
+                      <a:round/>
+                      <a:headEnd type="none" w="med" len="med"/>
+                      <a:tailEnd type="none" w="med" len="med"/>
+                    </a:lnT>
+                    <a:lnB w="9525" cap="flat" cmpd="sng" algn="ctr">
+                      <a:solidFill>
+                        <a:schemeClr val="bg1">
+                          <a:lumMod val="50000"/>
+                        </a:schemeClr>
+                      </a:solidFill>
+                      <a:prstDash val="solid"/>
+                      <a:round/>
+                      <a:headEnd type="none" w="med" len="med"/>
+                      <a:tailEnd type="none" w="med" len="med"/>
+                    </a:lnB>
+                    <a:lnTlToBr w="12700" cmpd="sng">
+                      <a:noFill/>
+                      <a:prstDash val="solid"/>
+                    </a:lnTlToBr>
+                    <a:lnBlToTr w="12700" cmpd="sng">
+                      <a:noFill/>
+                      <a:prstDash val="solid"/>
+                    </a:lnBlToTr>
+                    <a:solidFill>
+                      <a:schemeClr val="bg1"/>
+                    </a:solidFill>
+                  </a:tcPr>
+                </a:tc>
+                <a:tc>
+                  <a:txBody>
+                    <a:bodyPr/>
+                    <a:lstStyle/>
+                    <a:p>
+                      <a:pPr marL="0" algn="ctr" defTabSz="914400" rtl="0" eaLnBrk="1" fontAlgn="ctr" latinLnBrk="1" hangingPunct="1"/>
+                      <a:r>
+                        <a:rPr lang="en-US" altLang="ko-KR" sz="800" b="0" i="0" u="none" strike="noStrike" kern="1200" dirty="0">
+                          <a:solidFill>
+                            <a:srgbClr val="000000"/>
+                          </a:solidFill>
+                          <a:effectLst/>
+                          <a:latin typeface="Noto Sans KR" panose="020B0200000000000000" pitchFamily="50" charset="-127"/>
+                          <a:ea typeface="Noto Sans KR" panose="020B0200000000000000" pitchFamily="50" charset="-127"/>
+                          <a:cs typeface="+mn-cs"/>
+                        </a:rPr>
+                        <a:t>{“</a:t>
+                      </a:r>
+                      <a:r>
+                        <a:rPr lang="en-US" altLang="ko-KR" sz="800" b="0" i="0" u="none" strike="noStrike" kern="1200" dirty="0" err="1">
+                          <a:solidFill>
+                            <a:srgbClr val="000000"/>
+                          </a:solidFill>
+                          <a:effectLst/>
+                          <a:latin typeface="Noto Sans KR" panose="020B0200000000000000" pitchFamily="50" charset="-127"/>
+                          <a:ea typeface="Noto Sans KR" panose="020B0200000000000000" pitchFamily="50" charset="-127"/>
+                          <a:cs typeface="+mn-cs"/>
+                        </a:rPr>
+                        <a:t>immune_type</a:t>
+                      </a:r>
+                      <a:r>
+                        <a:rPr lang="en-US" altLang="ko-KR" sz="800" b="0" i="0" u="none" strike="noStrike" kern="1200" dirty="0">
+                          <a:solidFill>
+                            <a:srgbClr val="000000"/>
+                          </a:solidFill>
+                          <a:effectLst/>
+                          <a:latin typeface="Noto Sans KR" panose="020B0200000000000000" pitchFamily="50" charset="-127"/>
+                          <a:ea typeface="Noto Sans KR" panose="020B0200000000000000" pitchFamily="50" charset="-127"/>
+                          <a:cs typeface="+mn-cs"/>
+                        </a:rPr>
+                        <a:t>” : </a:t>
+                      </a:r>
+                      <a:r>
+                        <a:rPr lang="en-US" altLang="ko-KR" sz="800" b="0" i="0" u="none" strike="noStrike" kern="1200" dirty="0" err="1">
+                          <a:solidFill>
+                            <a:srgbClr val="000000"/>
+                          </a:solidFill>
+                          <a:effectLst/>
+                          <a:latin typeface="Noto Sans KR" panose="020B0200000000000000" pitchFamily="50" charset="-127"/>
+                          <a:ea typeface="Noto Sans KR" panose="020B0200000000000000" pitchFamily="50" charset="-127"/>
+                          <a:cs typeface="+mn-cs"/>
+                        </a:rPr>
+                        <a:t>debuff_immune</a:t>
+                      </a:r>
+                      <a:r>
+                        <a:rPr lang="en-US" altLang="ko-KR" sz="800" b="0" i="0" u="none" strike="noStrike" kern="1200" dirty="0">
+                          <a:solidFill>
+                            <a:srgbClr val="000000"/>
+                          </a:solidFill>
+                          <a:effectLst/>
+                          <a:latin typeface="Noto Sans KR" panose="020B0200000000000000" pitchFamily="50" charset="-127"/>
+                          <a:ea typeface="Noto Sans KR" panose="020B0200000000000000" pitchFamily="50" charset="-127"/>
+                          <a:cs typeface="+mn-cs"/>
+                        </a:rPr>
+                        <a:t>}</a:t>
                       </a:r>
                     </a:p>
                   </a:txBody>
@@ -33478,7 +33816,7 @@
                           <a:latin typeface="Noto Sans KR" panose="020B0200000000000000" pitchFamily="50" charset="-127"/>
                           <a:ea typeface="Noto Sans KR" panose="020B0200000000000000" pitchFamily="50" charset="-127"/>
                         </a:rPr>
-                        <a:t>8000</a:t>
+                        <a:t>6001</a:t>
                       </a:r>
                       <a:endParaRPr lang="ko-KR" altLang="en-US" sz="800" b="0" i="0" u="none" strike="noStrike" dirty="0">
                         <a:solidFill>
@@ -33807,7 +34145,85 @@
                           <a:ea typeface="Noto Sans KR" panose="020B0200000000000000" pitchFamily="50" charset="-127"/>
                           <a:cs typeface="+mn-cs"/>
                         </a:rPr>
-                        <a:t>{}</a:t>
+                        <a:t>-</a:t>
+                      </a:r>
+                    </a:p>
+                  </a:txBody>
+                  <a:tcPr anchor="ctr">
+                    <a:lnL w="9525" cap="flat" cmpd="sng" algn="ctr">
+                      <a:solidFill>
+                        <a:schemeClr val="bg1">
+                          <a:lumMod val="50000"/>
+                        </a:schemeClr>
+                      </a:solidFill>
+                      <a:prstDash val="solid"/>
+                      <a:round/>
+                      <a:headEnd type="none" w="med" len="med"/>
+                      <a:tailEnd type="none" w="med" len="med"/>
+                    </a:lnL>
+                    <a:lnR w="9525" cap="flat" cmpd="sng" algn="ctr">
+                      <a:solidFill>
+                        <a:schemeClr val="bg1">
+                          <a:lumMod val="50000"/>
+                        </a:schemeClr>
+                      </a:solidFill>
+                      <a:prstDash val="solid"/>
+                      <a:round/>
+                      <a:headEnd type="none" w="med" len="med"/>
+                      <a:tailEnd type="none" w="med" len="med"/>
+                    </a:lnR>
+                    <a:lnT w="9525" cap="flat" cmpd="sng" algn="ctr">
+                      <a:solidFill>
+                        <a:schemeClr val="bg1">
+                          <a:lumMod val="50000"/>
+                        </a:schemeClr>
+                      </a:solidFill>
+                      <a:prstDash val="solid"/>
+                      <a:round/>
+                      <a:headEnd type="none" w="med" len="med"/>
+                      <a:tailEnd type="none" w="med" len="med"/>
+                    </a:lnT>
+                    <a:lnB w="9525" cap="flat" cmpd="sng" algn="ctr">
+                      <a:solidFill>
+                        <a:schemeClr val="bg1">
+                          <a:lumMod val="50000"/>
+                        </a:schemeClr>
+                      </a:solidFill>
+                      <a:prstDash val="solid"/>
+                      <a:round/>
+                      <a:headEnd type="none" w="med" len="med"/>
+                      <a:tailEnd type="none" w="med" len="med"/>
+                    </a:lnB>
+                    <a:lnTlToBr w="12700" cmpd="sng">
+                      <a:noFill/>
+                      <a:prstDash val="solid"/>
+                    </a:lnTlToBr>
+                    <a:lnBlToTr w="12700" cmpd="sng">
+                      <a:noFill/>
+                      <a:prstDash val="solid"/>
+                    </a:lnBlToTr>
+                    <a:solidFill>
+                      <a:schemeClr val="bg1"/>
+                    </a:solidFill>
+                  </a:tcPr>
+                </a:tc>
+                <a:tc>
+                  <a:txBody>
+                    <a:bodyPr/>
+                    <a:lstStyle/>
+                    <a:p>
+                      <a:pPr marL="0" algn="ctr" defTabSz="914400" rtl="0" eaLnBrk="1" fontAlgn="ctr" latinLnBrk="1" hangingPunct="1"/>
+                      <a:r>
+                        <a:rPr lang="en-US" altLang="ko-KR" sz="800" b="0" i="0" u="none" strike="noStrike" kern="1200" dirty="0">
+                          <a:solidFill>
+                            <a:srgbClr val="000000"/>
+                          </a:solidFill>
+                          <a:effectLst/>
+                          <a:latin typeface="Noto Sans KR" panose="020B0200000000000000" pitchFamily="50" charset="-127"/>
+                          <a:ea typeface="Noto Sans KR" panose="020B0200000000000000" pitchFamily="50" charset="-127"/>
+                          <a:cs typeface="+mn-cs"/>
+                        </a:rPr>
+                        <a:t>-</a:t>
                       </a:r>
                     </a:p>
                   </a:txBody>
@@ -34313,7 +34729,7 @@
                           <a:latin typeface="Noto Sans KR" panose="020B0200000000000000" pitchFamily="50" charset="-127"/>
                           <a:ea typeface="Noto Sans KR" panose="020B0200000000000000" pitchFamily="50" charset="-127"/>
                         </a:rPr>
-                        <a:t>1000</a:t>
+                        <a:t>100</a:t>
                       </a:r>
                       <a:endParaRPr lang="ko-KR" altLang="en-US" sz="800" b="0" i="0" u="none" strike="noStrike" dirty="0">
                         <a:solidFill>
@@ -34651,7 +35067,85 @@
                           <a:ea typeface="Noto Sans KR" panose="020B0200000000000000" pitchFamily="50" charset="-127"/>
                           <a:cs typeface="+mn-cs"/>
                         </a:rPr>
-                        <a:t>{}</a:t>
+                        <a:t>-</a:t>
+                      </a:r>
+                    </a:p>
+                  </a:txBody>
+                  <a:tcPr anchor="ctr">
+                    <a:lnL w="9525" cap="flat" cmpd="sng" algn="ctr">
+                      <a:solidFill>
+                        <a:schemeClr val="bg1">
+                          <a:lumMod val="50000"/>
+                        </a:schemeClr>
+                      </a:solidFill>
+                      <a:prstDash val="solid"/>
+                      <a:round/>
+                      <a:headEnd type="none" w="med" len="med"/>
+                      <a:tailEnd type="none" w="med" len="med"/>
+                    </a:lnL>
+                    <a:lnR w="9525" cap="flat" cmpd="sng" algn="ctr">
+                      <a:solidFill>
+                        <a:schemeClr val="bg1">
+                          <a:lumMod val="50000"/>
+                        </a:schemeClr>
+                      </a:solidFill>
+                      <a:prstDash val="solid"/>
+                      <a:round/>
+                      <a:headEnd type="none" w="med" len="med"/>
+                      <a:tailEnd type="none" w="med" len="med"/>
+                    </a:lnR>
+                    <a:lnT w="9525" cap="flat" cmpd="sng" algn="ctr">
+                      <a:solidFill>
+                        <a:schemeClr val="bg1">
+                          <a:lumMod val="50000"/>
+                        </a:schemeClr>
+                      </a:solidFill>
+                      <a:prstDash val="solid"/>
+                      <a:round/>
+                      <a:headEnd type="none" w="med" len="med"/>
+                      <a:tailEnd type="none" w="med" len="med"/>
+                    </a:lnT>
+                    <a:lnB w="9525" cap="flat" cmpd="sng" algn="ctr">
+                      <a:solidFill>
+                        <a:schemeClr val="bg1">
+                          <a:lumMod val="50000"/>
+                        </a:schemeClr>
+                      </a:solidFill>
+                      <a:prstDash val="solid"/>
+                      <a:round/>
+                      <a:headEnd type="none" w="med" len="med"/>
+                      <a:tailEnd type="none" w="med" len="med"/>
+                    </a:lnB>
+                    <a:lnTlToBr w="12700" cmpd="sng">
+                      <a:noFill/>
+                      <a:prstDash val="solid"/>
+                    </a:lnTlToBr>
+                    <a:lnBlToTr w="12700" cmpd="sng">
+                      <a:noFill/>
+                      <a:prstDash val="solid"/>
+                    </a:lnBlToTr>
+                    <a:solidFill>
+                      <a:schemeClr val="bg1"/>
+                    </a:solidFill>
+                  </a:tcPr>
+                </a:tc>
+                <a:tc>
+                  <a:txBody>
+                    <a:bodyPr/>
+                    <a:lstStyle/>
+                    <a:p>
+                      <a:pPr marL="0" algn="ctr" defTabSz="914400" rtl="0" eaLnBrk="1" fontAlgn="ctr" latinLnBrk="1" hangingPunct="1"/>
+                      <a:r>
+                        <a:rPr lang="en-US" altLang="ko-KR" sz="800" b="0" i="0" u="none" strike="noStrike" kern="1200" dirty="0">
+                          <a:solidFill>
+                            <a:srgbClr val="000000"/>
+                          </a:solidFill>
+                          <a:effectLst/>
+                          <a:latin typeface="Noto Sans KR" panose="020B0200000000000000" pitchFamily="50" charset="-127"/>
+                          <a:ea typeface="Noto Sans KR" panose="020B0200000000000000" pitchFamily="50" charset="-127"/>
+                          <a:cs typeface="+mn-cs"/>
+                        </a:rPr>
+                        <a:t>-</a:t>
                       </a:r>
                     </a:p>
                   </a:txBody>
@@ -35164,7 +35658,7 @@
                           <a:latin typeface="Noto Sans KR" panose="020B0200000000000000" pitchFamily="50" charset="-127"/>
                           <a:ea typeface="Noto Sans KR" panose="020B0200000000000000" pitchFamily="50" charset="-127"/>
                         </a:rPr>
-                        <a:t>1000</a:t>
+                        <a:t>100</a:t>
                       </a:r>
                       <a:endParaRPr lang="ko-KR" altLang="en-US" sz="800" b="0" i="0" u="none" strike="noStrike" dirty="0">
                         <a:solidFill>
@@ -35502,8 +35996,83 @@
                           <a:ea typeface="Noto Sans KR" panose="020B0200000000000000" pitchFamily="50" charset="-127"/>
                           <a:cs typeface="+mn-cs"/>
                         </a:rPr>
-                        <a:t>{‘radius’ : 8.00}</a:t>
+                        <a:t>8.00</a:t>
                       </a:r>
+                    </a:p>
+                  </a:txBody>
+                  <a:tcPr anchor="ctr">
+                    <a:lnL w="9525" cap="flat" cmpd="sng" algn="ctr">
+                      <a:solidFill>
+                        <a:schemeClr val="bg1">
+                          <a:lumMod val="50000"/>
+                        </a:schemeClr>
+                      </a:solidFill>
+                      <a:prstDash val="solid"/>
+                      <a:round/>
+                      <a:headEnd type="none" w="med" len="med"/>
+                      <a:tailEnd type="none" w="med" len="med"/>
+                    </a:lnL>
+                    <a:lnR w="9525" cap="flat" cmpd="sng" algn="ctr">
+                      <a:solidFill>
+                        <a:schemeClr val="bg1">
+                          <a:lumMod val="50000"/>
+                        </a:schemeClr>
+                      </a:solidFill>
+                      <a:prstDash val="solid"/>
+                      <a:round/>
+                      <a:headEnd type="none" w="med" len="med"/>
+                      <a:tailEnd type="none" w="med" len="med"/>
+                    </a:lnR>
+                    <a:lnT w="9525" cap="flat" cmpd="sng" algn="ctr">
+                      <a:solidFill>
+                        <a:schemeClr val="bg1">
+                          <a:lumMod val="50000"/>
+                        </a:schemeClr>
+                      </a:solidFill>
+                      <a:prstDash val="solid"/>
+                      <a:round/>
+                      <a:headEnd type="none" w="med" len="med"/>
+                      <a:tailEnd type="none" w="med" len="med"/>
+                    </a:lnT>
+                    <a:lnB w="9525" cap="flat" cmpd="sng" algn="ctr">
+                      <a:solidFill>
+                        <a:schemeClr val="bg1">
+                          <a:lumMod val="50000"/>
+                        </a:schemeClr>
+                      </a:solidFill>
+                      <a:prstDash val="solid"/>
+                      <a:round/>
+                      <a:headEnd type="none" w="med" len="med"/>
+                      <a:tailEnd type="none" w="med" len="med"/>
+                    </a:lnB>
+                    <a:lnTlToBr w="12700" cmpd="sng">
+                      <a:noFill/>
+                      <a:prstDash val="solid"/>
+                    </a:lnTlToBr>
+                    <a:lnBlToTr w="12700" cmpd="sng">
+                      <a:noFill/>
+                      <a:prstDash val="solid"/>
+                    </a:lnBlToTr>
+                    <a:solidFill>
+                      <a:schemeClr val="bg1"/>
+                    </a:solidFill>
+                  </a:tcPr>
+                </a:tc>
+                <a:tc>
+                  <a:txBody>
+                    <a:bodyPr/>
+                    <a:lstStyle/>
+                    <a:p>
+                      <a:pPr marL="0" algn="ctr" defTabSz="914400" rtl="0" eaLnBrk="1" fontAlgn="ctr" latinLnBrk="1" hangingPunct="1"/>
+                      <a:endParaRPr lang="en-US" altLang="ko-KR" sz="800" b="0" i="0" u="none" strike="noStrike" kern="1200" dirty="0">
+                        <a:solidFill>
+                          <a:srgbClr val="000000"/>
+                        </a:solidFill>
+                        <a:effectLst/>
+                        <a:latin typeface="Noto Sans KR" panose="020B0200000000000000" pitchFamily="50" charset="-127"/>
+                        <a:ea typeface="Noto Sans KR" panose="020B0200000000000000" pitchFamily="50" charset="-127"/>
+                        <a:cs typeface="+mn-cs"/>
+                      </a:endParaRPr>
                     </a:p>
                   </a:txBody>
                   <a:tcPr anchor="ctr">
@@ -36050,7 +36619,7 @@
                           <a:latin typeface="Noto Sans KR" panose="020B0200000000000000" pitchFamily="50" charset="-127"/>
                           <a:ea typeface="Noto Sans KR" panose="020B0200000000000000" pitchFamily="50" charset="-127"/>
                         </a:rPr>
-                        <a:t>1000</a:t>
+                        <a:t>100</a:t>
                       </a:r>
                       <a:endParaRPr lang="ko-KR" altLang="en-US" sz="800" b="0" i="0" u="none" strike="noStrike" dirty="0">
                         <a:solidFill>
@@ -36404,8 +36973,99 @@
                           <a:ea typeface="Noto Sans KR" panose="020B0200000000000000" pitchFamily="50" charset="-127"/>
                           <a:cs typeface="+mn-cs"/>
                         </a:rPr>
-                        <a:t>{‘radius’ : 8.00}</a:t>
+                        <a:t>8.00</a:t>
                       </a:r>
+                    </a:p>
+                  </a:txBody>
+                  <a:tcPr anchor="ctr">
+                    <a:lnL w="9525" cap="flat" cmpd="sng" algn="ctr">
+                      <a:solidFill>
+                        <a:schemeClr val="bg1">
+                          <a:lumMod val="50000"/>
+                        </a:schemeClr>
+                      </a:solidFill>
+                      <a:prstDash val="solid"/>
+                      <a:round/>
+                      <a:headEnd type="none" w="med" len="med"/>
+                      <a:tailEnd type="none" w="med" len="med"/>
+                    </a:lnL>
+                    <a:lnR w="9525" cap="flat" cmpd="sng" algn="ctr">
+                      <a:solidFill>
+                        <a:schemeClr val="bg1">
+                          <a:lumMod val="50000"/>
+                        </a:schemeClr>
+                      </a:solidFill>
+                      <a:prstDash val="solid"/>
+                      <a:round/>
+                      <a:headEnd type="none" w="med" len="med"/>
+                      <a:tailEnd type="none" w="med" len="med"/>
+                    </a:lnR>
+                    <a:lnT w="9525" cap="flat" cmpd="sng" algn="ctr">
+                      <a:solidFill>
+                        <a:schemeClr val="bg1">
+                          <a:lumMod val="50000"/>
+                        </a:schemeClr>
+                      </a:solidFill>
+                      <a:prstDash val="solid"/>
+                      <a:round/>
+                      <a:headEnd type="none" w="med" len="med"/>
+                      <a:tailEnd type="none" w="med" len="med"/>
+                    </a:lnT>
+                    <a:lnB w="9525" cap="flat" cmpd="sng" algn="ctr">
+                      <a:solidFill>
+                        <a:schemeClr val="bg1">
+                          <a:lumMod val="50000"/>
+                        </a:schemeClr>
+                      </a:solidFill>
+                      <a:prstDash val="solid"/>
+                      <a:round/>
+                      <a:headEnd type="none" w="med" len="med"/>
+                      <a:tailEnd type="none" w="med" len="med"/>
+                    </a:lnB>
+                    <a:lnTlToBr w="12700" cmpd="sng">
+                      <a:noFill/>
+                      <a:prstDash val="solid"/>
+                    </a:lnTlToBr>
+                    <a:lnBlToTr w="12700" cmpd="sng">
+                      <a:noFill/>
+                      <a:prstDash val="solid"/>
+                    </a:lnBlToTr>
+                    <a:solidFill>
+                      <a:schemeClr val="bg1"/>
+                    </a:solidFill>
+                  </a:tcPr>
+                </a:tc>
+                <a:tc>
+                  <a:txBody>
+                    <a:bodyPr/>
+                    <a:lstStyle/>
+                    <a:p>
+                      <a:pPr marL="0" marR="0" lvl="0" indent="0" algn="ctr" defTabSz="914400" rtl="0" eaLnBrk="1" fontAlgn="ctr" latinLnBrk="1" hangingPunct="1">
+                        <a:lnSpc>
+                          <a:spcPct val="100000"/>
+                        </a:lnSpc>
+                        <a:spcBef>
+                          <a:spcPts val="0"/>
+                        </a:spcBef>
+                        <a:spcAft>
+                          <a:spcPts val="0"/>
+                        </a:spcAft>
+                        <a:buClrTx/>
+                        <a:buSzTx/>
+                        <a:buFontTx/>
+                        <a:buNone/>
+                        <a:tabLst/>
+                        <a:defRPr/>
+                      </a:pPr>
+                      <a:endParaRPr lang="en-US" altLang="ko-KR" sz="800" b="0" i="0" u="none" strike="noStrike" kern="1200" dirty="0">
+                        <a:solidFill>
+                          <a:srgbClr val="000000"/>
+                        </a:solidFill>
+                        <a:effectLst/>
+                        <a:latin typeface="Noto Sans KR" panose="020B0200000000000000" pitchFamily="50" charset="-127"/>
+                        <a:ea typeface="Noto Sans KR" panose="020B0200000000000000" pitchFamily="50" charset="-127"/>
+                        <a:cs typeface="+mn-cs"/>
+                      </a:endParaRPr>
                     </a:p>
                   </a:txBody>
                   <a:tcPr anchor="ctr">
@@ -36950,7 +37610,7 @@
                           <a:latin typeface="Noto Sans KR" panose="020B0200000000000000" pitchFamily="50" charset="-127"/>
                           <a:ea typeface="Noto Sans KR" panose="020B0200000000000000" pitchFamily="50" charset="-127"/>
                         </a:rPr>
-                        <a:t>1000</a:t>
+                        <a:t>100</a:t>
                       </a:r>
                       <a:endParaRPr lang="ko-KR" altLang="en-US" sz="800" b="0" i="0" u="none" strike="noStrike" dirty="0">
                         <a:solidFill>
@@ -37288,7 +37948,85 @@
                           <a:ea typeface="Noto Sans KR" panose="020B0200000000000000" pitchFamily="50" charset="-127"/>
                           <a:cs typeface="+mn-cs"/>
                         </a:rPr>
-                        <a:t>{‘radius’ : 8.00}</a:t>
+                        <a:t>8.00</a:t>
+                      </a:r>
+                    </a:p>
+                  </a:txBody>
+                  <a:tcPr anchor="ctr">
+                    <a:lnL w="9525" cap="flat" cmpd="sng" algn="ctr">
+                      <a:solidFill>
+                        <a:schemeClr val="bg1">
+                          <a:lumMod val="50000"/>
+                        </a:schemeClr>
+                      </a:solidFill>
+                      <a:prstDash val="solid"/>
+                      <a:round/>
+                      <a:headEnd type="none" w="med" len="med"/>
+                      <a:tailEnd type="none" w="med" len="med"/>
+                    </a:lnL>
+                    <a:lnR w="9525" cap="flat" cmpd="sng" algn="ctr">
+                      <a:solidFill>
+                        <a:schemeClr val="bg1">
+                          <a:lumMod val="50000"/>
+                        </a:schemeClr>
+                      </a:solidFill>
+                      <a:prstDash val="solid"/>
+                      <a:round/>
+                      <a:headEnd type="none" w="med" len="med"/>
+                      <a:tailEnd type="none" w="med" len="med"/>
+                    </a:lnR>
+                    <a:lnT w="9525" cap="flat" cmpd="sng" algn="ctr">
+                      <a:solidFill>
+                        <a:schemeClr val="bg1">
+                          <a:lumMod val="50000"/>
+                        </a:schemeClr>
+                      </a:solidFill>
+                      <a:prstDash val="solid"/>
+                      <a:round/>
+                      <a:headEnd type="none" w="med" len="med"/>
+                      <a:tailEnd type="none" w="med" len="med"/>
+                    </a:lnT>
+                    <a:lnB w="9525" cap="flat" cmpd="sng" algn="ctr">
+                      <a:solidFill>
+                        <a:schemeClr val="bg1">
+                          <a:lumMod val="50000"/>
+                        </a:schemeClr>
+                      </a:solidFill>
+                      <a:prstDash val="solid"/>
+                      <a:round/>
+                      <a:headEnd type="none" w="med" len="med"/>
+                      <a:tailEnd type="none" w="med" len="med"/>
+                    </a:lnB>
+                    <a:lnTlToBr w="12700" cmpd="sng">
+                      <a:noFill/>
+                      <a:prstDash val="solid"/>
+                    </a:lnTlToBr>
+                    <a:lnBlToTr w="12700" cmpd="sng">
+                      <a:noFill/>
+                      <a:prstDash val="solid"/>
+                    </a:lnBlToTr>
+                    <a:solidFill>
+                      <a:schemeClr val="bg1"/>
+                    </a:solidFill>
+                  </a:tcPr>
+                </a:tc>
+                <a:tc>
+                  <a:txBody>
+                    <a:bodyPr/>
+                    <a:lstStyle/>
+                    <a:p>
+                      <a:pPr marL="0" algn="ctr" defTabSz="914400" rtl="0" eaLnBrk="1" fontAlgn="ctr" latinLnBrk="1" hangingPunct="1"/>
+                      <a:r>
+                        <a:rPr lang="en-US" altLang="ko-KR" sz="800" b="0" i="0" u="none" strike="noStrike" kern="1200" dirty="0">
+                          <a:solidFill>
+                            <a:srgbClr val="000000"/>
+                          </a:solidFill>
+                          <a:effectLst/>
+                          <a:latin typeface="Noto Sans KR" panose="020B0200000000000000" pitchFamily="50" charset="-127"/>
+                          <a:ea typeface="Noto Sans KR" panose="020B0200000000000000" pitchFamily="50" charset="-127"/>
+                          <a:cs typeface="+mn-cs"/>
+                        </a:rPr>
+                        <a:t>0.00</a:t>
                       </a:r>
                     </a:p>
                   </a:txBody>
@@ -37781,7 +38519,7 @@
                           <a:latin typeface="Noto Sans KR" panose="020B0200000000000000" pitchFamily="50" charset="-127"/>
                           <a:ea typeface="Noto Sans KR" panose="020B0200000000000000" pitchFamily="50" charset="-127"/>
                         </a:rPr>
-                        <a:t>5500</a:t>
+                        <a:t>4000</a:t>
                       </a:r>
                       <a:endParaRPr lang="ko-KR" altLang="en-US" sz="800" b="0" i="0" u="none" strike="noStrike" dirty="0">
                         <a:solidFill>
@@ -38110,8 +38848,95 @@
                           <a:ea typeface="Noto Sans KR" panose="020B0200000000000000" pitchFamily="50" charset="-127"/>
                           <a:cs typeface="+mn-cs"/>
                         </a:rPr>
-                        <a:t>{}</a:t>
+                        <a:t>-</a:t>
                       </a:r>
+                    </a:p>
+                  </a:txBody>
+                  <a:tcPr anchor="ctr">
+                    <a:lnL w="9525" cap="flat" cmpd="sng" algn="ctr">
+                      <a:solidFill>
+                        <a:schemeClr val="bg1">
+                          <a:lumMod val="50000"/>
+                        </a:schemeClr>
+                      </a:solidFill>
+                      <a:prstDash val="solid"/>
+                      <a:round/>
+                      <a:headEnd type="none" w="med" len="med"/>
+                      <a:tailEnd type="none" w="med" len="med"/>
+                    </a:lnL>
+                    <a:lnR w="9525" cap="flat" cmpd="sng" algn="ctr">
+                      <a:solidFill>
+                        <a:schemeClr val="bg1">
+                          <a:lumMod val="50000"/>
+                        </a:schemeClr>
+                      </a:solidFill>
+                      <a:prstDash val="solid"/>
+                      <a:round/>
+                      <a:headEnd type="none" w="med" len="med"/>
+                      <a:tailEnd type="none" w="med" len="med"/>
+                    </a:lnR>
+                    <a:lnT w="9525" cap="flat" cmpd="sng" algn="ctr">
+                      <a:solidFill>
+                        <a:schemeClr val="bg1">
+                          <a:lumMod val="50000"/>
+                        </a:schemeClr>
+                      </a:solidFill>
+                      <a:prstDash val="solid"/>
+                      <a:round/>
+                      <a:headEnd type="none" w="med" len="med"/>
+                      <a:tailEnd type="none" w="med" len="med"/>
+                    </a:lnT>
+                    <a:lnB w="9525" cap="flat" cmpd="sng" algn="ctr">
+                      <a:solidFill>
+                        <a:schemeClr val="bg1">
+                          <a:lumMod val="50000"/>
+                        </a:schemeClr>
+                      </a:solidFill>
+                      <a:prstDash val="solid"/>
+                      <a:round/>
+                      <a:headEnd type="none" w="med" len="med"/>
+                      <a:tailEnd type="none" w="med" len="med"/>
+                    </a:lnB>
+                    <a:lnTlToBr w="12700" cmpd="sng">
+                      <a:noFill/>
+                      <a:prstDash val="solid"/>
+                    </a:lnTlToBr>
+                    <a:lnBlToTr w="12700" cmpd="sng">
+                      <a:noFill/>
+                      <a:prstDash val="solid"/>
+                    </a:lnBlToTr>
+                    <a:solidFill>
+                      <a:schemeClr val="bg1"/>
+                    </a:solidFill>
+                  </a:tcPr>
+                </a:tc>
+                <a:tc>
+                  <a:txBody>
+                    <a:bodyPr/>
+                    <a:lstStyle/>
+                    <a:p>
+                      <a:pPr marL="0" algn="ctr" defTabSz="914400" rtl="0" eaLnBrk="1" fontAlgn="ctr" latinLnBrk="1" hangingPunct="1"/>
+                      <a:r>
+                        <a:rPr lang="en-US" altLang="ko-KR" sz="800" b="0" i="0" u="none" strike="noStrike" kern="1200">
+                          <a:solidFill>
+                            <a:srgbClr val="000000"/>
+                          </a:solidFill>
+                          <a:effectLst/>
+                          <a:latin typeface="Noto Sans KR" panose="020B0200000000000000" pitchFamily="50" charset="-127"/>
+                          <a:ea typeface="Noto Sans KR" panose="020B0200000000000000" pitchFamily="50" charset="-127"/>
+                          <a:cs typeface="+mn-cs"/>
+                        </a:rPr>
+                        <a:t>-</a:t>
+                      </a:r>
+                      <a:endParaRPr lang="en-US" altLang="ko-KR" sz="800" b="0" i="0" u="none" strike="noStrike" kern="1200" dirty="0">
+                        <a:solidFill>
+                          <a:srgbClr val="000000"/>
+                        </a:solidFill>
+                        <a:effectLst/>
+                        <a:latin typeface="Noto Sans KR" panose="020B0200000000000000" pitchFamily="50" charset="-127"/>
+                        <a:ea typeface="Noto Sans KR" panose="020B0200000000000000" pitchFamily="50" charset="-127"/>
+                        <a:cs typeface="+mn-cs"/>
+                      </a:endParaRPr>
                     </a:p>
                   </a:txBody>
                   <a:tcPr anchor="ctr">
@@ -38551,7 +39376,7 @@
                           <a:latin typeface="Noto Sans KR" panose="020B0200000000000000" pitchFamily="50" charset="-127"/>
                           <a:ea typeface="Noto Sans KR" panose="020B0200000000000000" pitchFamily="50" charset="-127"/>
                         </a:rPr>
-                        <a:t>5501</a:t>
+                        <a:t>4001</a:t>
                       </a:r>
                       <a:endParaRPr lang="ko-KR" altLang="en-US" sz="800" b="0" i="0" u="none" strike="noStrike" dirty="0">
                         <a:solidFill>
@@ -38881,7 +39706,83 @@
                           <a:ea typeface="Noto Sans KR" panose="020B0200000000000000" pitchFamily="50" charset="-127"/>
                           <a:cs typeface="+mn-cs"/>
                         </a:rPr>
-                        <a:t>{}</a:t>
+                        <a:t>-</a:t>
+                      </a:r>
+                    </a:p>
+                  </a:txBody>
+                  <a:tcPr anchor="ctr">
+                    <a:lnL w="9525" cap="flat" cmpd="sng" algn="ctr">
+                      <a:solidFill>
+                        <a:schemeClr val="bg1">
+                          <a:lumMod val="50000"/>
+                        </a:schemeClr>
+                      </a:solidFill>
+                      <a:prstDash val="solid"/>
+                      <a:round/>
+                      <a:headEnd type="none" w="med" len="med"/>
+                      <a:tailEnd type="none" w="med" len="med"/>
+                    </a:lnL>
+                    <a:lnR w="9525" cap="flat" cmpd="sng" algn="ctr">
+                      <a:solidFill>
+                        <a:schemeClr val="bg1">
+                          <a:lumMod val="50000"/>
+                        </a:schemeClr>
+                      </a:solidFill>
+                      <a:prstDash val="solid"/>
+                      <a:round/>
+                      <a:headEnd type="none" w="med" len="med"/>
+                      <a:tailEnd type="none" w="med" len="med"/>
+                    </a:lnR>
+                    <a:lnT w="9525" cap="flat" cmpd="sng" algn="ctr">
+                      <a:solidFill>
+                        <a:schemeClr val="bg1">
+                          <a:lumMod val="50000"/>
+                        </a:schemeClr>
+                      </a:solidFill>
+                      <a:prstDash val="solid"/>
+                      <a:round/>
+                      <a:headEnd type="none" w="med" len="med"/>
+                      <a:tailEnd type="none" w="med" len="med"/>
+                    </a:lnT>
+                    <a:lnB w="12700" cap="flat" cmpd="sng" algn="ctr">
+                      <a:solidFill>
+                        <a:schemeClr val="tx1"/>
+                      </a:solidFill>
+                      <a:prstDash val="solid"/>
+                      <a:round/>
+                      <a:headEnd type="none" w="med" len="med"/>
+                      <a:tailEnd type="none" w="med" len="med"/>
+                    </a:lnB>
+                    <a:lnTlToBr w="12700" cmpd="sng">
+                      <a:noFill/>
+                      <a:prstDash val="solid"/>
+                    </a:lnTlToBr>
+                    <a:lnBlToTr w="12700" cmpd="sng">
+                      <a:noFill/>
+                      <a:prstDash val="solid"/>
+                    </a:lnBlToTr>
+                    <a:solidFill>
+                      <a:schemeClr val="bg1"/>
+                    </a:solidFill>
+                  </a:tcPr>
+                </a:tc>
+                <a:tc>
+                  <a:txBody>
+                    <a:bodyPr/>
+                    <a:lstStyle/>
+                    <a:p>
+                      <a:pPr marL="0" algn="ctr" defTabSz="914400" rtl="0" eaLnBrk="1" fontAlgn="ctr" latinLnBrk="1" hangingPunct="1"/>
+                      <a:r>
+                        <a:rPr lang="en-US" altLang="ko-KR" sz="800" b="0" i="0" u="none" strike="noStrike" kern="1200" dirty="0">
+                          <a:solidFill>
+                            <a:srgbClr val="000000"/>
+                          </a:solidFill>
+                          <a:effectLst/>
+                          <a:latin typeface="Noto Sans KR" panose="020B0200000000000000" pitchFamily="50" charset="-127"/>
+                          <a:ea typeface="Noto Sans KR" panose="020B0200000000000000" pitchFamily="50" charset="-127"/>
+                          <a:cs typeface="+mn-cs"/>
+                        </a:rPr>
+                        <a:t>-</a:t>
                       </a:r>
                     </a:p>
                   </a:txBody>

--- a/로스트아크/창술사 역기획/스킬/[1차 각성기] 연가창식 은하유성탄.pptx
+++ b/로스트아크/창술사 역기획/스킬/[1차 각성기] 연가창식 은하유성탄.pptx
@@ -232,7 +232,7 @@
           <a:p>
             <a:fld id="{5C3DAF4C-20C0-4A95-ABB7-DD59F513659F}" type="datetimeFigureOut">
               <a:rPr lang="ko-KR" altLang="en-US" smtClean="0"/>
-              <a:t>2025-08-27</a:t>
+              <a:t>2025-08-28</a:t>
             </a:fld>
             <a:endParaRPr lang="ko-KR" altLang="en-US"/>
           </a:p>
@@ -1078,7 +1078,7 @@
           <a:p>
             <a:fld id="{EF9BB6E4-2FC1-4730-B741-304BD3A4AD8B}" type="datetimeFigureOut">
               <a:rPr lang="ko-KR" altLang="en-US" smtClean="0"/>
-              <a:t>2025-08-27</a:t>
+              <a:t>2025-08-28</a:t>
             </a:fld>
             <a:endParaRPr lang="ko-KR" altLang="en-US"/>
           </a:p>
@@ -1276,7 +1276,7 @@
           <a:p>
             <a:fld id="{EF9BB6E4-2FC1-4730-B741-304BD3A4AD8B}" type="datetimeFigureOut">
               <a:rPr lang="ko-KR" altLang="en-US" smtClean="0"/>
-              <a:t>2025-08-27</a:t>
+              <a:t>2025-08-28</a:t>
             </a:fld>
             <a:endParaRPr lang="ko-KR" altLang="en-US"/>
           </a:p>
@@ -1484,7 +1484,7 @@
           <a:p>
             <a:fld id="{EF9BB6E4-2FC1-4730-B741-304BD3A4AD8B}" type="datetimeFigureOut">
               <a:rPr lang="ko-KR" altLang="en-US" smtClean="0"/>
-              <a:t>2025-08-27</a:t>
+              <a:t>2025-08-28</a:t>
             </a:fld>
             <a:endParaRPr lang="ko-KR" altLang="en-US"/>
           </a:p>
@@ -1682,7 +1682,7 @@
           <a:p>
             <a:fld id="{EF9BB6E4-2FC1-4730-B741-304BD3A4AD8B}" type="datetimeFigureOut">
               <a:rPr lang="ko-KR" altLang="en-US" smtClean="0"/>
-              <a:t>2025-08-27</a:t>
+              <a:t>2025-08-28</a:t>
             </a:fld>
             <a:endParaRPr lang="ko-KR" altLang="en-US"/>
           </a:p>
@@ -1957,7 +1957,7 @@
           <a:p>
             <a:fld id="{EF9BB6E4-2FC1-4730-B741-304BD3A4AD8B}" type="datetimeFigureOut">
               <a:rPr lang="ko-KR" altLang="en-US" smtClean="0"/>
-              <a:t>2025-08-27</a:t>
+              <a:t>2025-08-28</a:t>
             </a:fld>
             <a:endParaRPr lang="ko-KR" altLang="en-US"/>
           </a:p>
@@ -2222,7 +2222,7 @@
           <a:p>
             <a:fld id="{EF9BB6E4-2FC1-4730-B741-304BD3A4AD8B}" type="datetimeFigureOut">
               <a:rPr lang="ko-KR" altLang="en-US" smtClean="0"/>
-              <a:t>2025-08-27</a:t>
+              <a:t>2025-08-28</a:t>
             </a:fld>
             <a:endParaRPr lang="ko-KR" altLang="en-US"/>
           </a:p>
@@ -2634,7 +2634,7 @@
           <a:p>
             <a:fld id="{EF9BB6E4-2FC1-4730-B741-304BD3A4AD8B}" type="datetimeFigureOut">
               <a:rPr lang="ko-KR" altLang="en-US" smtClean="0"/>
-              <a:t>2025-08-27</a:t>
+              <a:t>2025-08-28</a:t>
             </a:fld>
             <a:endParaRPr lang="ko-KR" altLang="en-US"/>
           </a:p>
@@ -2775,7 +2775,7 @@
           <a:p>
             <a:fld id="{EF9BB6E4-2FC1-4730-B741-304BD3A4AD8B}" type="datetimeFigureOut">
               <a:rPr lang="ko-KR" altLang="en-US" smtClean="0"/>
-              <a:t>2025-08-27</a:t>
+              <a:t>2025-08-28</a:t>
             </a:fld>
             <a:endParaRPr lang="ko-KR" altLang="en-US"/>
           </a:p>
@@ -2888,7 +2888,7 @@
           <a:p>
             <a:fld id="{EF9BB6E4-2FC1-4730-B741-304BD3A4AD8B}" type="datetimeFigureOut">
               <a:rPr lang="ko-KR" altLang="en-US" smtClean="0"/>
-              <a:t>2025-08-27</a:t>
+              <a:t>2025-08-28</a:t>
             </a:fld>
             <a:endParaRPr lang="ko-KR" altLang="en-US"/>
           </a:p>
@@ -3199,7 +3199,7 @@
           <a:p>
             <a:fld id="{EF9BB6E4-2FC1-4730-B741-304BD3A4AD8B}" type="datetimeFigureOut">
               <a:rPr lang="ko-KR" altLang="en-US" smtClean="0"/>
-              <a:t>2025-08-27</a:t>
+              <a:t>2025-08-28</a:t>
             </a:fld>
             <a:endParaRPr lang="ko-KR" altLang="en-US"/>
           </a:p>
@@ -3487,7 +3487,7 @@
           <a:p>
             <a:fld id="{EF9BB6E4-2FC1-4730-B741-304BD3A4AD8B}" type="datetimeFigureOut">
               <a:rPr lang="ko-KR" altLang="en-US" smtClean="0"/>
-              <a:t>2025-08-27</a:t>
+              <a:t>2025-08-28</a:t>
             </a:fld>
             <a:endParaRPr lang="ko-KR" altLang="en-US"/>
           </a:p>
@@ -3728,7 +3728,7 @@
           <a:p>
             <a:fld id="{EF9BB6E4-2FC1-4730-B741-304BD3A4AD8B}" type="datetimeFigureOut">
               <a:rPr lang="ko-KR" altLang="en-US" smtClean="0"/>
-              <a:t>2025-08-27</a:t>
+              <a:t>2025-08-28</a:t>
             </a:fld>
             <a:endParaRPr lang="ko-KR" altLang="en-US"/>
           </a:p>
@@ -30765,14 +30765,14 @@
           <p:nvPr>
             <p:extLst>
               <p:ext uri="{D42A27DB-BD31-4B8C-83A1-F6EECF244321}">
-                <p14:modId xmlns:p14="http://schemas.microsoft.com/office/powerpoint/2010/main" val="2514987549"/>
+                <p14:modId xmlns:p14="http://schemas.microsoft.com/office/powerpoint/2010/main" val="2773442412"/>
               </p:ext>
             </p:extLst>
           </p:nvPr>
         </p:nvGraphicFramePr>
         <p:xfrm>
           <a:off x="192088" y="1827000"/>
-          <a:ext cx="11799286" cy="3204000"/>
+          <a:ext cx="11799288" cy="3204000"/>
         </p:xfrm>
         <a:graphic>
           <a:graphicData uri="http://schemas.openxmlformats.org/drawingml/2006/table">
@@ -30788,63 +30788,63 @@
                     </a:ext>
                   </a:extLst>
                 </a:gridCol>
-                <a:gridCol w="730419">
+                <a:gridCol w="823080">
                   <a:extLst>
                     <a:ext uri="{9D8B030D-6E8A-4147-A177-3AD203B41FA5}">
                       <a16:colId xmlns:a16="http://schemas.microsoft.com/office/drawing/2014/main" val="1096947331"/>
                     </a:ext>
                   </a:extLst>
                 </a:gridCol>
-                <a:gridCol w="701665">
+                <a:gridCol w="823080">
                   <a:extLst>
                     <a:ext uri="{9D8B030D-6E8A-4147-A177-3AD203B41FA5}">
                       <a16:colId xmlns:a16="http://schemas.microsoft.com/office/drawing/2014/main" val="779781128"/>
                     </a:ext>
                   </a:extLst>
                 </a:gridCol>
-                <a:gridCol w="701665">
+                <a:gridCol w="823080">
                   <a:extLst>
                     <a:ext uri="{9D8B030D-6E8A-4147-A177-3AD203B41FA5}">
                       <a16:colId xmlns:a16="http://schemas.microsoft.com/office/drawing/2014/main" val="525992108"/>
                     </a:ext>
                   </a:extLst>
                 </a:gridCol>
-                <a:gridCol w="941888">
+                <a:gridCol w="1116331">
                   <a:extLst>
                     <a:ext uri="{9D8B030D-6E8A-4147-A177-3AD203B41FA5}">
                       <a16:colId xmlns:a16="http://schemas.microsoft.com/office/drawing/2014/main" val="3673612956"/>
                     </a:ext>
                   </a:extLst>
                 </a:gridCol>
-                <a:gridCol w="1058493">
+                <a:gridCol w="1116331">
                   <a:extLst>
                     <a:ext uri="{9D8B030D-6E8A-4147-A177-3AD203B41FA5}">
                       <a16:colId xmlns:a16="http://schemas.microsoft.com/office/drawing/2014/main" val="1075642464"/>
                     </a:ext>
                   </a:extLst>
                 </a:gridCol>
-                <a:gridCol w="915137">
+                <a:gridCol w="868679">
                   <a:extLst>
                     <a:ext uri="{9D8B030D-6E8A-4147-A177-3AD203B41FA5}">
                       <a16:colId xmlns:a16="http://schemas.microsoft.com/office/drawing/2014/main" val="2466142552"/>
                     </a:ext>
                   </a:extLst>
                 </a:gridCol>
-                <a:gridCol w="1171375">
+                <a:gridCol w="644325">
                   <a:extLst>
                     <a:ext uri="{9D8B030D-6E8A-4147-A177-3AD203B41FA5}">
                       <a16:colId xmlns:a16="http://schemas.microsoft.com/office/drawing/2014/main" val="2531026986"/>
                     </a:ext>
                   </a:extLst>
                 </a:gridCol>
-                <a:gridCol w="1171375">
+                <a:gridCol w="644325">
                   <a:extLst>
                     <a:ext uri="{9D8B030D-6E8A-4147-A177-3AD203B41FA5}">
                       <a16:colId xmlns:a16="http://schemas.microsoft.com/office/drawing/2014/main" val="3068785776"/>
                     </a:ext>
                   </a:extLst>
                 </a:gridCol>
-                <a:gridCol w="3159538">
+                <a:gridCol w="3692326">
                   <a:extLst>
                     <a:ext uri="{9D8B030D-6E8A-4147-A177-3AD203B41FA5}">
                       <a16:colId xmlns:a16="http://schemas.microsoft.com/office/drawing/2014/main" val="2258684766"/>
@@ -31391,7 +31391,7 @@
                           <a:latin typeface="Noto Sans KR" panose="020B0200000000000000" pitchFamily="50" charset="-127"/>
                           <a:ea typeface="Noto Sans KR" panose="020B0200000000000000" pitchFamily="50" charset="-127"/>
                         </a:rPr>
-                        <a:t>트리거 태그</a:t>
+                        <a:t>트리거 필터</a:t>
                       </a:r>
                       <a:endParaRPr lang="en-US" altLang="ko-KR" sz="900" b="1" i="0" u="none" strike="noStrike" dirty="0">
                         <a:solidFill>
@@ -32201,7 +32201,7 @@
                     <a:p>
                       <a:pPr algn="ctr" fontAlgn="ctr"/>
                       <a:r>
-                        <a:rPr lang="en-US" altLang="ko-KR" sz="800" b="0" i="0" u="none" strike="noStrike" dirty="0" err="1">
+                        <a:rPr lang="en-US" altLang="ko-KR" sz="800" b="0" i="0" u="none" strike="noStrike" dirty="0">
                           <a:solidFill>
                             <a:srgbClr val="000000"/>
                           </a:solidFill>
@@ -32209,16 +32209,8 @@
                           <a:latin typeface="Noto Sans KR" panose="020B0200000000000000" pitchFamily="50" charset="-127"/>
                           <a:ea typeface="Noto Sans KR" panose="020B0200000000000000" pitchFamily="50" charset="-127"/>
                         </a:rPr>
-                        <a:t>push_immune</a:t>
+                        <a:t>-</a:t>
                       </a:r>
-                      <a:endParaRPr lang="en-US" altLang="ko-KR" sz="800" b="0" i="0" u="none" strike="noStrike" dirty="0">
-                        <a:solidFill>
-                          <a:srgbClr val="000000"/>
-                        </a:solidFill>
-                        <a:effectLst/>
-                        <a:latin typeface="Noto Sans KR" panose="020B0200000000000000" pitchFamily="50" charset="-127"/>
-                        <a:ea typeface="Noto Sans KR" panose="020B0200000000000000" pitchFamily="50" charset="-127"/>
-                      </a:endParaRPr>
                     </a:p>
                   </a:txBody>
                   <a:tcPr marL="0" marR="0" marT="7620" marB="0" anchor="ctr">
@@ -33097,7 +33089,7 @@
                     <a:p>
                       <a:pPr algn="ctr" fontAlgn="ctr"/>
                       <a:r>
-                        <a:rPr lang="en-US" altLang="ko-KR" sz="800" b="0" i="0" u="none" strike="noStrike" dirty="0" err="1">
+                        <a:rPr lang="en-US" altLang="ko-KR" sz="800" b="0" i="0" u="none" strike="noStrike" dirty="0">
                           <a:solidFill>
                             <a:srgbClr val="000000"/>
                           </a:solidFill>
@@ -33105,16 +33097,8 @@
                           <a:latin typeface="Noto Sans KR" panose="020B0200000000000000" pitchFamily="50" charset="-127"/>
                           <a:ea typeface="Noto Sans KR" panose="020B0200000000000000" pitchFamily="50" charset="-127"/>
                         </a:rPr>
-                        <a:t>debuff_immune</a:t>
+                        <a:t>-</a:t>
                       </a:r>
-                      <a:endParaRPr lang="en-US" altLang="ko-KR" sz="800" b="0" i="0" u="none" strike="noStrike" dirty="0">
-                        <a:solidFill>
-                          <a:srgbClr val="000000"/>
-                        </a:solidFill>
-                        <a:effectLst/>
-                        <a:latin typeface="Noto Sans KR" panose="020B0200000000000000" pitchFamily="50" charset="-127"/>
-                        <a:ea typeface="Noto Sans KR" panose="020B0200000000000000" pitchFamily="50" charset="-127"/>
-                      </a:endParaRPr>
                     </a:p>
                   </a:txBody>
                   <a:tcPr marL="0" marR="0" marT="7620" marB="0" anchor="ctr">
@@ -33989,7 +33973,7 @@
                           <a:ea typeface="Noto Sans KR" panose="020B0200000000000000" pitchFamily="50" charset="-127"/>
                           <a:cs typeface="+mn-cs"/>
                         </a:rPr>
-                        <a:t>projectile</a:t>
+                        <a:t>-</a:t>
                       </a:r>
                     </a:p>
                   </a:txBody>
@@ -34301,7 +34285,7 @@
                           <a:ea typeface="Noto Sans KR" panose="020B0200000000000000" pitchFamily="50" charset="-127"/>
                           <a:cs typeface="+mn-cs"/>
                         </a:rPr>
-                        <a:t>{‘</a:t>
+                        <a:t>{“</a:t>
                       </a:r>
                       <a:r>
                         <a:rPr lang="en-US" altLang="ko-KR" sz="800" b="0" i="0" u="none" strike="noStrike" kern="1200" dirty="0" err="1">
@@ -34325,7 +34309,7 @@
                           <a:ea typeface="Noto Sans KR" panose="020B0200000000000000" pitchFamily="50" charset="-127"/>
                           <a:cs typeface="+mn-cs"/>
                         </a:rPr>
-                        <a:t>’ : 1023}</a:t>
+                        <a:t>” : 1023}</a:t>
                       </a:r>
                     </a:p>
                   </a:txBody>
@@ -34902,8 +34886,29 @@
                           <a:ea typeface="Noto Sans KR" panose="020B0200000000000000" pitchFamily="50" charset="-127"/>
                           <a:cs typeface="+mn-cs"/>
                         </a:rPr>
-                        <a:t>atk_1</a:t>
+                        <a:t>1</a:t>
                       </a:r>
+                      <a:r>
+                        <a:rPr lang="ko-KR" altLang="en-US" sz="800" b="0" i="0" u="none" strike="noStrike" kern="1200" dirty="0">
+                          <a:solidFill>
+                            <a:srgbClr val="000000"/>
+                          </a:solidFill>
+                          <a:effectLst/>
+                          <a:latin typeface="Noto Sans KR" panose="020B0200000000000000" pitchFamily="50" charset="-127"/>
+                          <a:ea typeface="Noto Sans KR" panose="020B0200000000000000" pitchFamily="50" charset="-127"/>
+                          <a:cs typeface="+mn-cs"/>
+                        </a:rPr>
+                        <a:t>차 공격</a:t>
+                      </a:r>
+                      <a:endParaRPr lang="en-US" sz="800" b="0" i="0" u="none" strike="noStrike" kern="1200" dirty="0">
+                        <a:solidFill>
+                          <a:srgbClr val="000000"/>
+                        </a:solidFill>
+                        <a:effectLst/>
+                        <a:latin typeface="Noto Sans KR" panose="020B0200000000000000" pitchFamily="50" charset="-127"/>
+                        <a:ea typeface="Noto Sans KR" panose="020B0200000000000000" pitchFamily="50" charset="-127"/>
+                        <a:cs typeface="+mn-cs"/>
+                      </a:endParaRPr>
                     </a:p>
                   </a:txBody>
                   <a:tcPr anchor="ctr">
@@ -35223,7 +35228,7 @@
                           <a:ea typeface="Noto Sans KR" panose="020B0200000000000000" pitchFamily="50" charset="-127"/>
                           <a:cs typeface="+mn-cs"/>
                         </a:rPr>
-                        <a:t>{‘</a:t>
+                        <a:t>{“</a:t>
                       </a:r>
                       <a:r>
                         <a:rPr lang="en-US" altLang="ko-KR" sz="800" b="0" i="0" u="none" strike="noStrike" kern="1200" dirty="0" err="1">
@@ -35247,7 +35252,7 @@
                           <a:ea typeface="Noto Sans KR" panose="020B0200000000000000" pitchFamily="50" charset="-127"/>
                           <a:cs typeface="+mn-cs"/>
                         </a:rPr>
-                        <a:t>’: 5315, ‘</a:t>
+                        <a:t>”: 5315, “</a:t>
                       </a:r>
                       <a:r>
                         <a:rPr lang="en-US" altLang="ko-KR" sz="800" b="0" i="0" u="none" strike="noStrike" kern="1200" dirty="0" err="1">
@@ -35271,7 +35276,7 @@
                           <a:ea typeface="Noto Sans KR" panose="020B0200000000000000" pitchFamily="50" charset="-127"/>
                           <a:cs typeface="+mn-cs"/>
                         </a:rPr>
-                        <a:t>’ : 1, ‘stagger’ : 21}</a:t>
+                        <a:t>” : 1, “stagger” : 21}</a:t>
                       </a:r>
                     </a:p>
                   </a:txBody>
@@ -35831,8 +35836,29 @@
                           <a:ea typeface="Noto Sans KR" panose="020B0200000000000000" pitchFamily="50" charset="-127"/>
                           <a:cs typeface="+mn-cs"/>
                         </a:rPr>
-                        <a:t>atk_2</a:t>
+                        <a:t>2</a:t>
                       </a:r>
+                      <a:r>
+                        <a:rPr lang="ko-KR" altLang="en-US" sz="800" b="0" i="0" u="none" strike="noStrike" kern="1200" dirty="0">
+                          <a:solidFill>
+                            <a:srgbClr val="000000"/>
+                          </a:solidFill>
+                          <a:effectLst/>
+                          <a:latin typeface="Noto Sans KR" panose="020B0200000000000000" pitchFamily="50" charset="-127"/>
+                          <a:ea typeface="Noto Sans KR" panose="020B0200000000000000" pitchFamily="50" charset="-127"/>
+                          <a:cs typeface="+mn-cs"/>
+                        </a:rPr>
+                        <a:t>차 공격</a:t>
+                      </a:r>
+                      <a:endParaRPr lang="en-US" sz="800" b="0" i="0" u="none" strike="noStrike" kern="1200" dirty="0">
+                        <a:solidFill>
+                          <a:srgbClr val="000000"/>
+                        </a:solidFill>
+                        <a:effectLst/>
+                        <a:latin typeface="Noto Sans KR" panose="020B0200000000000000" pitchFamily="50" charset="-127"/>
+                        <a:ea typeface="Noto Sans KR" panose="020B0200000000000000" pitchFamily="50" charset="-127"/>
+                        <a:cs typeface="+mn-cs"/>
+                      </a:endParaRPr>
                     </a:p>
                   </a:txBody>
                   <a:tcPr anchor="ctr">
@@ -36165,7 +36191,7 @@
                           <a:ea typeface="Noto Sans KR" panose="020B0200000000000000" pitchFamily="50" charset="-127"/>
                           <a:cs typeface="+mn-cs"/>
                         </a:rPr>
-                        <a:t>{‘</a:t>
+                        <a:t>{“</a:t>
                       </a:r>
                       <a:r>
                         <a:rPr lang="en-US" altLang="ko-KR" sz="800" b="0" i="0" u="none" strike="noStrike" kern="1200" dirty="0" err="1">
@@ -36189,7 +36215,7 @@
                           <a:ea typeface="Noto Sans KR" panose="020B0200000000000000" pitchFamily="50" charset="-127"/>
                           <a:cs typeface="+mn-cs"/>
                         </a:rPr>
-                        <a:t>’: 10633, ‘</a:t>
+                        <a:t>”: 10633, “</a:t>
                       </a:r>
                       <a:r>
                         <a:rPr lang="en-US" altLang="ko-KR" sz="800" b="0" i="0" u="none" strike="noStrike" kern="1200" dirty="0" err="1">
@@ -36213,7 +36239,7 @@
                           <a:ea typeface="Noto Sans KR" panose="020B0200000000000000" pitchFamily="50" charset="-127"/>
                           <a:cs typeface="+mn-cs"/>
                         </a:rPr>
-                        <a:t>’ : 2, ‘stagger’ : 10}</a:t>
+                        <a:t>” : 2, “stagger” : 10}</a:t>
                       </a:r>
                     </a:p>
                   </a:txBody>
@@ -36792,8 +36818,29 @@
                           <a:ea typeface="Noto Sans KR" panose="020B0200000000000000" pitchFamily="50" charset="-127"/>
                           <a:cs typeface="+mn-cs"/>
                         </a:rPr>
-                        <a:t>atk_3</a:t>
+                        <a:t>3</a:t>
                       </a:r>
+                      <a:r>
+                        <a:rPr lang="ko-KR" altLang="en-US" sz="800" b="0" i="0" u="none" strike="noStrike" kern="1200" dirty="0">
+                          <a:solidFill>
+                            <a:srgbClr val="000000"/>
+                          </a:solidFill>
+                          <a:effectLst/>
+                          <a:latin typeface="Noto Sans KR" panose="020B0200000000000000" pitchFamily="50" charset="-127"/>
+                          <a:ea typeface="Noto Sans KR" panose="020B0200000000000000" pitchFamily="50" charset="-127"/>
+                          <a:cs typeface="+mn-cs"/>
+                        </a:rPr>
+                        <a:t>차 공격</a:t>
+                      </a:r>
+                      <a:endParaRPr lang="en-US" sz="800" b="0" i="0" u="none" strike="noStrike" kern="1200" dirty="0">
+                        <a:solidFill>
+                          <a:srgbClr val="000000"/>
+                        </a:solidFill>
+                        <a:effectLst/>
+                        <a:latin typeface="Noto Sans KR" panose="020B0200000000000000" pitchFamily="50" charset="-127"/>
+                        <a:ea typeface="Noto Sans KR" panose="020B0200000000000000" pitchFamily="50" charset="-127"/>
+                        <a:cs typeface="+mn-cs"/>
+                      </a:endParaRPr>
                     </a:p>
                   </a:txBody>
                   <a:tcPr anchor="ctr">
@@ -37158,7 +37205,7 @@
                           <a:ea typeface="Noto Sans KR" panose="020B0200000000000000" pitchFamily="50" charset="-127"/>
                           <a:cs typeface="+mn-cs"/>
                         </a:rPr>
-                        <a:t>{‘</a:t>
+                        <a:t>{“</a:t>
                       </a:r>
                       <a:r>
                         <a:rPr lang="en-US" altLang="ko-KR" sz="800" b="0" i="0" u="none" strike="noStrike" kern="1200" dirty="0" err="1">
@@ -37182,7 +37229,7 @@
                           <a:ea typeface="Noto Sans KR" panose="020B0200000000000000" pitchFamily="50" charset="-127"/>
                           <a:cs typeface="+mn-cs"/>
                         </a:rPr>
-                        <a:t>’: 6910, ‘</a:t>
+                        <a:t>”: 6910, “</a:t>
                       </a:r>
                       <a:r>
                         <a:rPr lang="en-US" altLang="ko-KR" sz="800" b="0" i="0" u="none" strike="noStrike" kern="1200" dirty="0" err="1">
@@ -37206,7 +37253,7 @@
                           <a:ea typeface="Noto Sans KR" panose="020B0200000000000000" pitchFamily="50" charset="-127"/>
                           <a:cs typeface="+mn-cs"/>
                         </a:rPr>
-                        <a:t>’ : 2, ‘stagger’ : 10}</a:t>
+                        <a:t>” : 2, “stagger” : 10}</a:t>
                       </a:r>
                     </a:p>
                   </a:txBody>
@@ -37783,8 +37830,29 @@
                           <a:ea typeface="Noto Sans KR" panose="020B0200000000000000" pitchFamily="50" charset="-127"/>
                           <a:cs typeface="+mn-cs"/>
                         </a:rPr>
-                        <a:t>atk_4</a:t>
+                        <a:t>4</a:t>
                       </a:r>
+                      <a:r>
+                        <a:rPr lang="ko-KR" altLang="en-US" sz="800" b="0" i="0" u="none" strike="noStrike" kern="1200" dirty="0">
+                          <a:solidFill>
+                            <a:srgbClr val="000000"/>
+                          </a:solidFill>
+                          <a:effectLst/>
+                          <a:latin typeface="Noto Sans KR" panose="020B0200000000000000" pitchFamily="50" charset="-127"/>
+                          <a:ea typeface="Noto Sans KR" panose="020B0200000000000000" pitchFamily="50" charset="-127"/>
+                          <a:cs typeface="+mn-cs"/>
+                        </a:rPr>
+                        <a:t>차 공격</a:t>
+                      </a:r>
+                      <a:endParaRPr lang="en-US" sz="800" b="0" i="0" u="none" strike="noStrike" kern="1200" dirty="0">
+                        <a:solidFill>
+                          <a:srgbClr val="000000"/>
+                        </a:solidFill>
+                        <a:effectLst/>
+                        <a:latin typeface="Noto Sans KR" panose="020B0200000000000000" pitchFamily="50" charset="-127"/>
+                        <a:ea typeface="Noto Sans KR" panose="020B0200000000000000" pitchFamily="50" charset="-127"/>
+                        <a:cs typeface="+mn-cs"/>
+                      </a:endParaRPr>
                     </a:p>
                   </a:txBody>
                   <a:tcPr anchor="ctr">
@@ -38120,7 +38188,7 @@
                           <a:ea typeface="Noto Sans KR" panose="020B0200000000000000" pitchFamily="50" charset="-127"/>
                           <a:cs typeface="+mn-cs"/>
                         </a:rPr>
-                        <a:t>{‘</a:t>
+                        <a:t>{“</a:t>
                       </a:r>
                       <a:r>
                         <a:rPr lang="en-US" altLang="ko-KR" sz="800" b="0" i="0" u="none" strike="noStrike" kern="1200" dirty="0" err="1">
@@ -38144,7 +38212,7 @@
                           <a:ea typeface="Noto Sans KR" panose="020B0200000000000000" pitchFamily="50" charset="-127"/>
                           <a:cs typeface="+mn-cs"/>
                         </a:rPr>
-                        <a:t>’: 6377, ‘</a:t>
+                        <a:t>”: 6377, “</a:t>
                       </a:r>
                       <a:r>
                         <a:rPr lang="en-US" altLang="ko-KR" sz="800" b="0" i="0" u="none" strike="noStrike" kern="1200" dirty="0" err="1">
@@ -38168,7 +38236,7 @@
                           <a:ea typeface="Noto Sans KR" panose="020B0200000000000000" pitchFamily="50" charset="-127"/>
                           <a:cs typeface="+mn-cs"/>
                         </a:rPr>
-                        <a:t>’ : 2, ‘stagger’ : 10}</a:t>
+                        <a:t>” : 2, “stagger” : 10}</a:t>
                       </a:r>
                     </a:p>
                   </a:txBody>
@@ -38692,8 +38760,29 @@
                           <a:ea typeface="Noto Sans KR" panose="020B0200000000000000" pitchFamily="50" charset="-127"/>
                           <a:cs typeface="+mn-cs"/>
                         </a:rPr>
-                        <a:t>paralysis</a:t>
+                        <a:t>1~6 </a:t>
                       </a:r>
+                      <a:r>
+                        <a:rPr lang="ko-KR" altLang="en-US" sz="800" b="0" i="0" u="none" strike="noStrike" kern="1200" dirty="0">
+                          <a:solidFill>
+                            <a:srgbClr val="000000"/>
+                          </a:solidFill>
+                          <a:effectLst/>
+                          <a:latin typeface="Noto Sans KR" panose="020B0200000000000000" pitchFamily="50" charset="-127"/>
+                          <a:ea typeface="Noto Sans KR" panose="020B0200000000000000" pitchFamily="50" charset="-127"/>
+                          <a:cs typeface="+mn-cs"/>
+                        </a:rPr>
+                        <a:t>번째 타격</a:t>
+                      </a:r>
+                      <a:endParaRPr lang="en-US" sz="800" b="0" i="0" u="none" strike="noStrike" kern="1200" dirty="0">
+                        <a:solidFill>
+                          <a:srgbClr val="000000"/>
+                        </a:solidFill>
+                        <a:effectLst/>
+                        <a:latin typeface="Noto Sans KR" panose="020B0200000000000000" pitchFamily="50" charset="-127"/>
+                        <a:ea typeface="Noto Sans KR" panose="020B0200000000000000" pitchFamily="50" charset="-127"/>
+                        <a:cs typeface="+mn-cs"/>
+                      </a:endParaRPr>
                     </a:p>
                   </a:txBody>
                   <a:tcPr anchor="ctr">
@@ -38917,7 +39006,7 @@
                     <a:p>
                       <a:pPr marL="0" algn="ctr" defTabSz="914400" rtl="0" eaLnBrk="1" fontAlgn="ctr" latinLnBrk="1" hangingPunct="1"/>
                       <a:r>
-                        <a:rPr lang="en-US" altLang="ko-KR" sz="800" b="0" i="0" u="none" strike="noStrike" kern="1200">
+                        <a:rPr lang="en-US" altLang="ko-KR" sz="800" b="0" i="0" u="none" strike="noStrike" kern="1200" dirty="0">
                           <a:solidFill>
                             <a:srgbClr val="000000"/>
                           </a:solidFill>
@@ -38928,15 +39017,6 @@
                         </a:rPr>
                         <a:t>-</a:t>
                       </a:r>
-                      <a:endParaRPr lang="en-US" altLang="ko-KR" sz="800" b="0" i="0" u="none" strike="noStrike" kern="1200" dirty="0">
-                        <a:solidFill>
-                          <a:srgbClr val="000000"/>
-                        </a:solidFill>
-                        <a:effectLst/>
-                        <a:latin typeface="Noto Sans KR" panose="020B0200000000000000" pitchFamily="50" charset="-127"/>
-                        <a:ea typeface="Noto Sans KR" panose="020B0200000000000000" pitchFamily="50" charset="-127"/>
-                        <a:cs typeface="+mn-cs"/>
-                      </a:endParaRPr>
                     </a:p>
                   </a:txBody>
                   <a:tcPr anchor="ctr">
@@ -39029,7 +39109,55 @@
                           <a:ea typeface="Noto Sans KR" panose="020B0200000000000000" pitchFamily="50" charset="-127"/>
                           <a:cs typeface="+mn-cs"/>
                         </a:rPr>
-                        <a:t>{}</a:t>
+                        <a:t>{“</a:t>
+                      </a:r>
+                      <a:r>
+                        <a:rPr lang="en-US" altLang="ko-KR" sz="800" b="0" i="0" u="none" strike="noStrike" kern="1200" dirty="0" err="1">
+                          <a:solidFill>
+                            <a:srgbClr val="000000"/>
+                          </a:solidFill>
+                          <a:effectLst/>
+                          <a:latin typeface="Noto Sans KR" panose="020B0200000000000000" pitchFamily="50" charset="-127"/>
+                          <a:ea typeface="Noto Sans KR" panose="020B0200000000000000" pitchFamily="50" charset="-127"/>
+                          <a:cs typeface="+mn-cs"/>
+                        </a:rPr>
+                        <a:t>hit_reaction_type</a:t>
+                      </a:r>
+                      <a:r>
+                        <a:rPr lang="en-US" altLang="ko-KR" sz="800" b="0" i="0" u="none" strike="noStrike" kern="1200" dirty="0">
+                          <a:solidFill>
+                            <a:srgbClr val="000000"/>
+                          </a:solidFill>
+                          <a:effectLst/>
+                          <a:latin typeface="Noto Sans KR" panose="020B0200000000000000" pitchFamily="50" charset="-127"/>
+                          <a:ea typeface="Noto Sans KR" panose="020B0200000000000000" pitchFamily="50" charset="-127"/>
+                          <a:cs typeface="+mn-cs"/>
+                        </a:rPr>
+                        <a:t>”: </a:t>
+                      </a:r>
+                      <a:r>
+                        <a:rPr lang="en-US" altLang="ko-KR" sz="800" b="0" i="0" u="none" strike="noStrike" kern="1200" dirty="0" err="1">
+                          <a:solidFill>
+                            <a:srgbClr val="000000"/>
+                          </a:solidFill>
+                          <a:effectLst/>
+                          <a:latin typeface="Noto Sans KR" panose="020B0200000000000000" pitchFamily="50" charset="-127"/>
+                          <a:ea typeface="Noto Sans KR" panose="020B0200000000000000" pitchFamily="50" charset="-127"/>
+                          <a:cs typeface="+mn-cs"/>
+                        </a:rPr>
+                        <a:t>palaysis</a:t>
+                      </a:r>
+                      <a:r>
+                        <a:rPr lang="en-US" altLang="ko-KR" sz="800" b="0" i="0" u="none" strike="noStrike" kern="1200" dirty="0">
+                          <a:solidFill>
+                            <a:srgbClr val="000000"/>
+                          </a:solidFill>
+                          <a:effectLst/>
+                          <a:latin typeface="Noto Sans KR" panose="020B0200000000000000" pitchFamily="50" charset="-127"/>
+                          <a:ea typeface="Noto Sans KR" panose="020B0200000000000000" pitchFamily="50" charset="-127"/>
+                          <a:cs typeface="+mn-cs"/>
+                        </a:rPr>
+                        <a:t>}</a:t>
                       </a:r>
                     </a:p>
                   </a:txBody>
@@ -39545,8 +39673,29 @@
                           <a:ea typeface="Noto Sans KR" panose="020B0200000000000000" pitchFamily="50" charset="-127"/>
                           <a:cs typeface="+mn-cs"/>
                         </a:rPr>
-                        <a:t>push</a:t>
+                        <a:t>7</a:t>
                       </a:r>
+                      <a:r>
+                        <a:rPr lang="ko-KR" altLang="en-US" sz="800" b="0" i="0" u="none" strike="noStrike" kern="1200" dirty="0">
+                          <a:solidFill>
+                            <a:srgbClr val="000000"/>
+                          </a:solidFill>
+                          <a:effectLst/>
+                          <a:latin typeface="Noto Sans KR" panose="020B0200000000000000" pitchFamily="50" charset="-127"/>
+                          <a:ea typeface="Noto Sans KR" panose="020B0200000000000000" pitchFamily="50" charset="-127"/>
+                          <a:cs typeface="+mn-cs"/>
+                        </a:rPr>
+                        <a:t>번째 타격</a:t>
+                      </a:r>
+                      <a:endParaRPr lang="en-US" sz="800" b="0" i="0" u="none" strike="noStrike" kern="1200" dirty="0">
+                        <a:solidFill>
+                          <a:srgbClr val="000000"/>
+                        </a:solidFill>
+                        <a:effectLst/>
+                        <a:latin typeface="Noto Sans KR" panose="020B0200000000000000" pitchFamily="50" charset="-127"/>
+                        <a:ea typeface="Noto Sans KR" panose="020B0200000000000000" pitchFamily="50" charset="-127"/>
+                        <a:cs typeface="+mn-cs"/>
+                      </a:endParaRPr>
                     </a:p>
                   </a:txBody>
                   <a:tcPr anchor="ctr">
@@ -39847,7 +39996,23 @@
                     <a:bodyPr/>
                     <a:lstStyle/>
                     <a:p>
-                      <a:pPr marL="0" algn="ctr" defTabSz="914400" rtl="0" eaLnBrk="1" fontAlgn="ctr" latinLnBrk="1" hangingPunct="1"/>
+                      <a:pPr marL="0" marR="0" lvl="0" indent="0" algn="ctr" defTabSz="914400" rtl="0" eaLnBrk="1" fontAlgn="ctr" latinLnBrk="1" hangingPunct="1">
+                        <a:lnSpc>
+                          <a:spcPct val="100000"/>
+                        </a:lnSpc>
+                        <a:spcBef>
+                          <a:spcPts val="0"/>
+                        </a:spcBef>
+                        <a:spcAft>
+                          <a:spcPts val="0"/>
+                        </a:spcAft>
+                        <a:buClrTx/>
+                        <a:buSzTx/>
+                        <a:buFontTx/>
+                        <a:buNone/>
+                        <a:tabLst/>
+                        <a:defRPr/>
+                      </a:pPr>
                       <a:r>
                         <a:rPr lang="en-US" altLang="ko-KR" sz="800" b="0" i="0" u="none" strike="noStrike" kern="1200" dirty="0">
                           <a:solidFill>
@@ -39858,7 +40023,31 @@
                           <a:ea typeface="Noto Sans KR" panose="020B0200000000000000" pitchFamily="50" charset="-127"/>
                           <a:cs typeface="+mn-cs"/>
                         </a:rPr>
-                        <a:t>{}</a:t>
+                        <a:t>{“</a:t>
+                      </a:r>
+                      <a:r>
+                        <a:rPr lang="en-US" altLang="ko-KR" sz="800" b="0" i="0" u="none" strike="noStrike" kern="1200" dirty="0" err="1">
+                          <a:solidFill>
+                            <a:srgbClr val="000000"/>
+                          </a:solidFill>
+                          <a:effectLst/>
+                          <a:latin typeface="Noto Sans KR" panose="020B0200000000000000" pitchFamily="50" charset="-127"/>
+                          <a:ea typeface="Noto Sans KR" panose="020B0200000000000000" pitchFamily="50" charset="-127"/>
+                          <a:cs typeface="+mn-cs"/>
+                        </a:rPr>
+                        <a:t>hit_reaction_type</a:t>
+                      </a:r>
+                      <a:r>
+                        <a:rPr lang="en-US" altLang="ko-KR" sz="800" b="0" i="0" u="none" strike="noStrike" kern="1200" dirty="0">
+                          <a:solidFill>
+                            <a:srgbClr val="000000"/>
+                          </a:solidFill>
+                          <a:effectLst/>
+                          <a:latin typeface="Noto Sans KR" panose="020B0200000000000000" pitchFamily="50" charset="-127"/>
+                          <a:ea typeface="Noto Sans KR" panose="020B0200000000000000" pitchFamily="50" charset="-127"/>
+                          <a:cs typeface="+mn-cs"/>
+                        </a:rPr>
+                        <a:t>”: push}</a:t>
                       </a:r>
                     </a:p>
                   </a:txBody>

--- a/로스트아크/창술사 역기획/스킬/[1차 각성기] 연가창식 은하유성탄.pptx
+++ b/로스트아크/창술사 역기획/스킬/[1차 각성기] 연가창식 은하유성탄.pptx
@@ -232,7 +232,7 @@
           <a:p>
             <a:fld id="{5C3DAF4C-20C0-4A95-ABB7-DD59F513659F}" type="datetimeFigureOut">
               <a:rPr lang="ko-KR" altLang="en-US" smtClean="0"/>
-              <a:t>2025-08-28</a:t>
+              <a:t>2025-08-29</a:t>
             </a:fld>
             <a:endParaRPr lang="ko-KR" altLang="en-US"/>
           </a:p>
@@ -1078,7 +1078,7 @@
           <a:p>
             <a:fld id="{EF9BB6E4-2FC1-4730-B741-304BD3A4AD8B}" type="datetimeFigureOut">
               <a:rPr lang="ko-KR" altLang="en-US" smtClean="0"/>
-              <a:t>2025-08-28</a:t>
+              <a:t>2025-08-29</a:t>
             </a:fld>
             <a:endParaRPr lang="ko-KR" altLang="en-US"/>
           </a:p>
@@ -1276,7 +1276,7 @@
           <a:p>
             <a:fld id="{EF9BB6E4-2FC1-4730-B741-304BD3A4AD8B}" type="datetimeFigureOut">
               <a:rPr lang="ko-KR" altLang="en-US" smtClean="0"/>
-              <a:t>2025-08-28</a:t>
+              <a:t>2025-08-29</a:t>
             </a:fld>
             <a:endParaRPr lang="ko-KR" altLang="en-US"/>
           </a:p>
@@ -1484,7 +1484,7 @@
           <a:p>
             <a:fld id="{EF9BB6E4-2FC1-4730-B741-304BD3A4AD8B}" type="datetimeFigureOut">
               <a:rPr lang="ko-KR" altLang="en-US" smtClean="0"/>
-              <a:t>2025-08-28</a:t>
+              <a:t>2025-08-29</a:t>
             </a:fld>
             <a:endParaRPr lang="ko-KR" altLang="en-US"/>
           </a:p>
@@ -1682,7 +1682,7 @@
           <a:p>
             <a:fld id="{EF9BB6E4-2FC1-4730-B741-304BD3A4AD8B}" type="datetimeFigureOut">
               <a:rPr lang="ko-KR" altLang="en-US" smtClean="0"/>
-              <a:t>2025-08-28</a:t>
+              <a:t>2025-08-29</a:t>
             </a:fld>
             <a:endParaRPr lang="ko-KR" altLang="en-US"/>
           </a:p>
@@ -1957,7 +1957,7 @@
           <a:p>
             <a:fld id="{EF9BB6E4-2FC1-4730-B741-304BD3A4AD8B}" type="datetimeFigureOut">
               <a:rPr lang="ko-KR" altLang="en-US" smtClean="0"/>
-              <a:t>2025-08-28</a:t>
+              <a:t>2025-08-29</a:t>
             </a:fld>
             <a:endParaRPr lang="ko-KR" altLang="en-US"/>
           </a:p>
@@ -2222,7 +2222,7 @@
           <a:p>
             <a:fld id="{EF9BB6E4-2FC1-4730-B741-304BD3A4AD8B}" type="datetimeFigureOut">
               <a:rPr lang="ko-KR" altLang="en-US" smtClean="0"/>
-              <a:t>2025-08-28</a:t>
+              <a:t>2025-08-29</a:t>
             </a:fld>
             <a:endParaRPr lang="ko-KR" altLang="en-US"/>
           </a:p>
@@ -2634,7 +2634,7 @@
           <a:p>
             <a:fld id="{EF9BB6E4-2FC1-4730-B741-304BD3A4AD8B}" type="datetimeFigureOut">
               <a:rPr lang="ko-KR" altLang="en-US" smtClean="0"/>
-              <a:t>2025-08-28</a:t>
+              <a:t>2025-08-29</a:t>
             </a:fld>
             <a:endParaRPr lang="ko-KR" altLang="en-US"/>
           </a:p>
@@ -2775,7 +2775,7 @@
           <a:p>
             <a:fld id="{EF9BB6E4-2FC1-4730-B741-304BD3A4AD8B}" type="datetimeFigureOut">
               <a:rPr lang="ko-KR" altLang="en-US" smtClean="0"/>
-              <a:t>2025-08-28</a:t>
+              <a:t>2025-08-29</a:t>
             </a:fld>
             <a:endParaRPr lang="ko-KR" altLang="en-US"/>
           </a:p>
@@ -2888,7 +2888,7 @@
           <a:p>
             <a:fld id="{EF9BB6E4-2FC1-4730-B741-304BD3A4AD8B}" type="datetimeFigureOut">
               <a:rPr lang="ko-KR" altLang="en-US" smtClean="0"/>
-              <a:t>2025-08-28</a:t>
+              <a:t>2025-08-29</a:t>
             </a:fld>
             <a:endParaRPr lang="ko-KR" altLang="en-US"/>
           </a:p>
@@ -3199,7 +3199,7 @@
           <a:p>
             <a:fld id="{EF9BB6E4-2FC1-4730-B741-304BD3A4AD8B}" type="datetimeFigureOut">
               <a:rPr lang="ko-KR" altLang="en-US" smtClean="0"/>
-              <a:t>2025-08-28</a:t>
+              <a:t>2025-08-29</a:t>
             </a:fld>
             <a:endParaRPr lang="ko-KR" altLang="en-US"/>
           </a:p>
@@ -3487,7 +3487,7 @@
           <a:p>
             <a:fld id="{EF9BB6E4-2FC1-4730-B741-304BD3A4AD8B}" type="datetimeFigureOut">
               <a:rPr lang="ko-KR" altLang="en-US" smtClean="0"/>
-              <a:t>2025-08-28</a:t>
+              <a:t>2025-08-29</a:t>
             </a:fld>
             <a:endParaRPr lang="ko-KR" altLang="en-US"/>
           </a:p>
@@ -3728,7 +3728,7 @@
           <a:p>
             <a:fld id="{EF9BB6E4-2FC1-4730-B741-304BD3A4AD8B}" type="datetimeFigureOut">
               <a:rPr lang="ko-KR" altLang="en-US" smtClean="0"/>
-              <a:t>2025-08-28</a:t>
+              <a:t>2025-08-29</a:t>
             </a:fld>
             <a:endParaRPr lang="ko-KR" altLang="en-US"/>
           </a:p>
@@ -30765,7 +30765,7 @@
           <p:nvPr>
             <p:extLst>
               <p:ext uri="{D42A27DB-BD31-4B8C-83A1-F6EECF244321}">
-                <p14:modId xmlns:p14="http://schemas.microsoft.com/office/powerpoint/2010/main" val="2773442412"/>
+                <p14:modId xmlns:p14="http://schemas.microsoft.com/office/powerpoint/2010/main" val="584168823"/>
               </p:ext>
             </p:extLst>
           </p:nvPr>
@@ -34391,7 +34391,7 @@
                           <a:latin typeface="Noto Sans KR" panose="020B0200000000000000" pitchFamily="50" charset="-127"/>
                           <a:ea typeface="Noto Sans KR" panose="020B0200000000000000" pitchFamily="50" charset="-127"/>
                         </a:rPr>
-                        <a:t>투사체 피해</a:t>
+                        <a:t>투사체 충돌</a:t>
                       </a:r>
                       <a:r>
                         <a:rPr lang="en-US" altLang="ko-KR" sz="900" b="1" i="0" u="none" strike="noStrike" dirty="0">
@@ -35358,10 +35358,10 @@
                           <a:latin typeface="Noto Sans KR" panose="020B0200000000000000" pitchFamily="50" charset="-127"/>
                           <a:ea typeface="Noto Sans KR" panose="020B0200000000000000" pitchFamily="50" charset="-127"/>
                         </a:rPr>
-                        <a:t>일반 피해</a:t>
+                        <a:t>폭발</a:t>
                       </a:r>
                       <a:r>
-                        <a:rPr lang="en-US" altLang="ko-KR" sz="900" b="1" i="0" u="none" strike="noStrike" dirty="0">
+                        <a:rPr lang="en-US" altLang="ko-KR" sz="900" b="1" i="0" u="none" strike="noStrike">
                           <a:solidFill>
                             <a:schemeClr val="tx1"/>
                           </a:solidFill>
@@ -35369,7 +35369,7 @@
                           <a:latin typeface="Noto Sans KR" panose="020B0200000000000000" pitchFamily="50" charset="-127"/>
                           <a:ea typeface="Noto Sans KR" panose="020B0200000000000000" pitchFamily="50" charset="-127"/>
                         </a:rPr>
-                        <a:t> </a:t>
+                        <a:t>[1~2] </a:t>
                       </a:r>
                       <a:r>
                         <a:rPr lang="en-US" altLang="ko-KR" sz="800" b="0" i="0" u="none" strike="noStrike" dirty="0">
@@ -36321,7 +36321,7 @@
                           <a:latin typeface="Noto Sans KR" panose="020B0200000000000000" pitchFamily="50" charset="-127"/>
                           <a:ea typeface="Noto Sans KR" panose="020B0200000000000000" pitchFamily="50" charset="-127"/>
                         </a:rPr>
-                        <a:t>일반 피해</a:t>
+                        <a:t>폭발</a:t>
                       </a:r>
                       <a:r>
                         <a:rPr lang="en-US" altLang="ko-KR" sz="900" b="1" i="0" u="none" strike="noStrike" kern="1200" dirty="0">
@@ -36333,7 +36333,7 @@
                           <a:ea typeface="Noto Sans KR" panose="020B0200000000000000" pitchFamily="50" charset="-127"/>
                           <a:cs typeface="+mn-cs"/>
                         </a:rPr>
-                        <a:t> </a:t>
+                        <a:t>[3~4] </a:t>
                       </a:r>
                       <a:r>
                         <a:rPr lang="en-US" altLang="ko-KR" sz="800" b="0" i="0" u="none" strike="noStrike" kern="1200" dirty="0">
@@ -37335,7 +37335,7 @@
                           <a:latin typeface="Noto Sans KR" panose="020B0200000000000000" pitchFamily="50" charset="-127"/>
                           <a:ea typeface="Noto Sans KR" panose="020B0200000000000000" pitchFamily="50" charset="-127"/>
                         </a:rPr>
-                        <a:t>일반 피해</a:t>
+                        <a:t>폭발</a:t>
                       </a:r>
                       <a:r>
                         <a:rPr lang="en-US" altLang="ko-KR" sz="900" b="1" i="0" u="none" strike="noStrike" dirty="0">
@@ -37346,7 +37346,7 @@
                           <a:latin typeface="Noto Sans KR" panose="020B0200000000000000" pitchFamily="50" charset="-127"/>
                           <a:ea typeface="Noto Sans KR" panose="020B0200000000000000" pitchFamily="50" charset="-127"/>
                         </a:rPr>
-                        <a:t> </a:t>
+                        <a:t>[5~6] </a:t>
                       </a:r>
                       <a:r>
                         <a:rPr lang="en-US" altLang="ko-KR" sz="800" b="0" i="0" u="none" strike="noStrike" dirty="0">

--- a/로스트아크/창술사 역기획/스킬/[1차 각성기] 연가창식 은하유성탄.pptx
+++ b/로스트아크/창술사 역기획/스킬/[1차 각성기] 연가창식 은하유성탄.pptx
@@ -232,7 +232,7 @@
           <a:p>
             <a:fld id="{5C3DAF4C-20C0-4A95-ABB7-DD59F513659F}" type="datetimeFigureOut">
               <a:rPr lang="ko-KR" altLang="en-US" smtClean="0"/>
-              <a:t>2025-08-29</a:t>
+              <a:t>2025-10-29</a:t>
             </a:fld>
             <a:endParaRPr lang="ko-KR" altLang="en-US"/>
           </a:p>
@@ -1078,7 +1078,7 @@
           <a:p>
             <a:fld id="{EF9BB6E4-2FC1-4730-B741-304BD3A4AD8B}" type="datetimeFigureOut">
               <a:rPr lang="ko-KR" altLang="en-US" smtClean="0"/>
-              <a:t>2025-08-29</a:t>
+              <a:t>2025-10-29</a:t>
             </a:fld>
             <a:endParaRPr lang="ko-KR" altLang="en-US"/>
           </a:p>
@@ -1276,7 +1276,7 @@
           <a:p>
             <a:fld id="{EF9BB6E4-2FC1-4730-B741-304BD3A4AD8B}" type="datetimeFigureOut">
               <a:rPr lang="ko-KR" altLang="en-US" smtClean="0"/>
-              <a:t>2025-08-29</a:t>
+              <a:t>2025-10-29</a:t>
             </a:fld>
             <a:endParaRPr lang="ko-KR" altLang="en-US"/>
           </a:p>
@@ -1484,7 +1484,7 @@
           <a:p>
             <a:fld id="{EF9BB6E4-2FC1-4730-B741-304BD3A4AD8B}" type="datetimeFigureOut">
               <a:rPr lang="ko-KR" altLang="en-US" smtClean="0"/>
-              <a:t>2025-08-29</a:t>
+              <a:t>2025-10-29</a:t>
             </a:fld>
             <a:endParaRPr lang="ko-KR" altLang="en-US"/>
           </a:p>
@@ -1682,7 +1682,7 @@
           <a:p>
             <a:fld id="{EF9BB6E4-2FC1-4730-B741-304BD3A4AD8B}" type="datetimeFigureOut">
               <a:rPr lang="ko-KR" altLang="en-US" smtClean="0"/>
-              <a:t>2025-08-29</a:t>
+              <a:t>2025-10-29</a:t>
             </a:fld>
             <a:endParaRPr lang="ko-KR" altLang="en-US"/>
           </a:p>
@@ -1957,7 +1957,7 @@
           <a:p>
             <a:fld id="{EF9BB6E4-2FC1-4730-B741-304BD3A4AD8B}" type="datetimeFigureOut">
               <a:rPr lang="ko-KR" altLang="en-US" smtClean="0"/>
-              <a:t>2025-08-29</a:t>
+              <a:t>2025-10-29</a:t>
             </a:fld>
             <a:endParaRPr lang="ko-KR" altLang="en-US"/>
           </a:p>
@@ -2222,7 +2222,7 @@
           <a:p>
             <a:fld id="{EF9BB6E4-2FC1-4730-B741-304BD3A4AD8B}" type="datetimeFigureOut">
               <a:rPr lang="ko-KR" altLang="en-US" smtClean="0"/>
-              <a:t>2025-08-29</a:t>
+              <a:t>2025-10-29</a:t>
             </a:fld>
             <a:endParaRPr lang="ko-KR" altLang="en-US"/>
           </a:p>
@@ -2634,7 +2634,7 @@
           <a:p>
             <a:fld id="{EF9BB6E4-2FC1-4730-B741-304BD3A4AD8B}" type="datetimeFigureOut">
               <a:rPr lang="ko-KR" altLang="en-US" smtClean="0"/>
-              <a:t>2025-08-29</a:t>
+              <a:t>2025-10-29</a:t>
             </a:fld>
             <a:endParaRPr lang="ko-KR" altLang="en-US"/>
           </a:p>
@@ -2775,7 +2775,7 @@
           <a:p>
             <a:fld id="{EF9BB6E4-2FC1-4730-B741-304BD3A4AD8B}" type="datetimeFigureOut">
               <a:rPr lang="ko-KR" altLang="en-US" smtClean="0"/>
-              <a:t>2025-08-29</a:t>
+              <a:t>2025-10-29</a:t>
             </a:fld>
             <a:endParaRPr lang="ko-KR" altLang="en-US"/>
           </a:p>
@@ -2888,7 +2888,7 @@
           <a:p>
             <a:fld id="{EF9BB6E4-2FC1-4730-B741-304BD3A4AD8B}" type="datetimeFigureOut">
               <a:rPr lang="ko-KR" altLang="en-US" smtClean="0"/>
-              <a:t>2025-08-29</a:t>
+              <a:t>2025-10-29</a:t>
             </a:fld>
             <a:endParaRPr lang="ko-KR" altLang="en-US"/>
           </a:p>
@@ -3199,7 +3199,7 @@
           <a:p>
             <a:fld id="{EF9BB6E4-2FC1-4730-B741-304BD3A4AD8B}" type="datetimeFigureOut">
               <a:rPr lang="ko-KR" altLang="en-US" smtClean="0"/>
-              <a:t>2025-08-29</a:t>
+              <a:t>2025-10-29</a:t>
             </a:fld>
             <a:endParaRPr lang="ko-KR" altLang="en-US"/>
           </a:p>
@@ -3487,7 +3487,7 @@
           <a:p>
             <a:fld id="{EF9BB6E4-2FC1-4730-B741-304BD3A4AD8B}" type="datetimeFigureOut">
               <a:rPr lang="ko-KR" altLang="en-US" smtClean="0"/>
-              <a:t>2025-08-29</a:t>
+              <a:t>2025-10-29</a:t>
             </a:fld>
             <a:endParaRPr lang="ko-KR" altLang="en-US"/>
           </a:p>
@@ -3728,7 +3728,7 @@
           <a:p>
             <a:fld id="{EF9BB6E4-2FC1-4730-B741-304BD3A4AD8B}" type="datetimeFigureOut">
               <a:rPr lang="ko-KR" altLang="en-US" smtClean="0"/>
-              <a:t>2025-08-29</a:t>
+              <a:t>2025-10-29</a:t>
             </a:fld>
             <a:endParaRPr lang="ko-KR" altLang="en-US"/>
           </a:p>
@@ -10534,8 +10534,8 @@
             </p:nvSpPr>
             <p:spPr>
               <a:xfrm>
-                <a:off x="3629805" y="5186902"/>
-                <a:ext cx="421590" cy="259302"/>
+                <a:off x="3629804" y="5186902"/>
+                <a:ext cx="617075" cy="259302"/>
               </a:xfrm>
               <a:prstGeom prst="rect">
                 <a:avLst/>
@@ -10543,7 +10543,7 @@
               <a:noFill/>
             </p:spPr>
             <p:txBody>
-              <a:bodyPr wrap="none" lIns="0" tIns="0" rIns="0" bIns="0" rtlCol="0" anchor="ctr" anchorCtr="0">
+              <a:bodyPr wrap="square" lIns="0" tIns="0" rIns="0" bIns="0" rtlCol="0" anchor="ctr" anchorCtr="0">
                 <a:spAutoFit/>
               </a:bodyPr>
               <a:lstStyle/>
@@ -10780,7 +10780,7 @@
           <p:spPr>
             <a:xfrm>
               <a:off x="3718297" y="6302043"/>
-              <a:ext cx="509755" cy="123239"/>
+              <a:ext cx="716543" cy="123239"/>
             </a:xfrm>
             <a:prstGeom prst="rect">
               <a:avLst/>
@@ -10788,7 +10788,7 @@
             <a:noFill/>
           </p:spPr>
           <p:txBody>
-            <a:bodyPr wrap="none" lIns="0" tIns="0" rIns="0" bIns="0" rtlCol="0" anchor="ctr" anchorCtr="0">
+            <a:bodyPr wrap="square" lIns="0" tIns="0" rIns="0" bIns="0" rtlCol="0" anchor="ctr" anchorCtr="0">
               <a:spAutoFit/>
             </a:bodyPr>
             <a:lstStyle/>
@@ -12227,7 +12227,7 @@
             <p:spPr>
               <a:xfrm>
                 <a:off x="804088" y="1005414"/>
-                <a:ext cx="1844022" cy="138499"/>
+                <a:ext cx="1895318" cy="138499"/>
               </a:xfrm>
               <a:prstGeom prst="rect">
                 <a:avLst/>
@@ -12303,7 +12303,7 @@
                     <a:latin typeface="Noto Sans KR" panose="020B0200000000000000" pitchFamily="50" charset="-127"/>
                     <a:ea typeface="Noto Sans KR" panose="020B0200000000000000" pitchFamily="50" charset="-127"/>
                   </a:rPr>
-                  <a:t>4m)</a:t>
+                  <a:t>4m)  </a:t>
                 </a:r>
               </a:p>
             </p:txBody>
@@ -12816,8 +12816,8 @@
             </p:nvSpPr>
             <p:spPr>
               <a:xfrm>
-                <a:off x="975134" y="3297183"/>
-                <a:ext cx="864018" cy="141415"/>
+                <a:off x="952692" y="3297183"/>
+                <a:ext cx="908903" cy="141415"/>
               </a:xfrm>
               <a:prstGeom prst="rect">
                 <a:avLst/>
@@ -12887,7 +12887,7 @@
                       </a:schemeClr>
                     </a:solidFill>
                   </a:rPr>
-                  <a:t>[</a:t>
+                  <a:t> [</a:t>
                 </a:r>
                 <a:r>
                   <a:rPr lang="ko-KR" altLang="en-US" sz="801" dirty="0">
@@ -12917,7 +12917,7 @@
                       </a:schemeClr>
                     </a:solidFill>
                   </a:rPr>
-                  <a:t> 파동 예시</a:t>
+                  <a:t> 파동 예시 </a:t>
                 </a:r>
               </a:p>
             </p:txBody>
@@ -15688,8 +15688,8 @@
           </p:nvSpPr>
           <p:spPr>
             <a:xfrm>
-              <a:off x="7278696" y="3802819"/>
-              <a:ext cx="956993" cy="170496"/>
+              <a:off x="7256254" y="3802819"/>
+              <a:ext cx="1001877" cy="170496"/>
             </a:xfrm>
             <a:prstGeom prst="rect">
               <a:avLst/>
@@ -15759,7 +15759,7 @@
                     </a:schemeClr>
                   </a:solidFill>
                 </a:rPr>
-                <a:t>[</a:t>
+                <a:t> [</a:t>
               </a:r>
               <a:r>
                 <a:rPr lang="ko-KR" altLang="en-US" sz="801" dirty="0">
@@ -15789,7 +15789,7 @@
                     </a:schemeClr>
                   </a:solidFill>
                 </a:rPr>
-                <a:t>폭발 예시</a:t>
+                <a:t>폭발 예시 </a:t>
               </a:r>
             </a:p>
           </p:txBody>
@@ -16541,8 +16541,8 @@
             </p:nvSpPr>
             <p:spPr>
               <a:xfrm>
-                <a:off x="10225808" y="2913762"/>
-                <a:ext cx="1053173" cy="170496"/>
+                <a:off x="10203366" y="2913762"/>
+                <a:ext cx="1098058" cy="170496"/>
               </a:xfrm>
               <a:prstGeom prst="rect">
                 <a:avLst/>
@@ -16612,7 +16612,7 @@
                       </a:schemeClr>
                     </a:solidFill>
                   </a:rPr>
-                  <a:t>[</a:t>
+                  <a:t> [</a:t>
                 </a:r>
                 <a:r>
                   <a:rPr lang="ko-KR" altLang="en-US" sz="801" dirty="0">
@@ -16652,7 +16652,7 @@
                       </a:schemeClr>
                     </a:solidFill>
                   </a:rPr>
-                  <a:t> 예시</a:t>
+                  <a:t> 예시 </a:t>
                 </a:r>
               </a:p>
             </p:txBody>
